--- a/docs/BirthdayCard.pptx
+++ b/docs/BirthdayCard.pptx
@@ -3253,15 +3253,15 @@
           <a:p>
             <a:pPr algn="ctr"/>
             <a:r>
-              <a:rPr lang="en-US"/>
+              <a:rPr lang="en-US" dirty="0"/>
               <a:t>🕮</a:t>
             </a:r>
             <a:r>
-              <a:rPr lang="en-US" b="1"/>
+              <a:rPr lang="en-US" b="1" dirty="0"/>
               <a:t> The Clues </a:t>
             </a:r>
             <a:r>
-              <a:rPr lang="en-US"/>
+              <a:rPr lang="en-US" dirty="0"/>
               <a:t>🕮</a:t>
             </a:r>
             <a:endParaRPr lang="en-US" b="1" dirty="0"/>

--- a/docs/BirthdayCard.pptx
+++ b/docs/BirthdayCard.pptx
@@ -4,9 +4,14 @@
   <p:sldMasterIdLst>
     <p:sldMasterId id="2147483660" r:id="rId1"/>
   </p:sldMasterIdLst>
+  <p:notesMasterIdLst>
+    <p:notesMasterId r:id="rId6"/>
+  </p:notesMasterIdLst>
   <p:sldIdLst>
     <p:sldId id="256" r:id="rId2"/>
     <p:sldId id="257" r:id="rId3"/>
+    <p:sldId id="258" r:id="rId4"/>
+    <p:sldId id="259" r:id="rId5"/>
   </p:sldIdLst>
   <p:sldSz cx="9144000" cy="6858000" type="letter"/>
   <p:notesSz cx="6858000" cy="9144000"/>
@@ -124,6 +129,439 @@
 </p:presentation>
 </file>
 
+<file path=ppt/notesMasters/notesMaster1.xml><?xml version="1.0" encoding="utf-8"?>
+<p:notesMaster xmlns:a="http://schemas.openxmlformats.org/drawingml/2006/main" xmlns:r="http://schemas.openxmlformats.org/officeDocument/2006/relationships" xmlns:p="http://schemas.openxmlformats.org/presentationml/2006/main">
+  <p:cSld>
+    <p:bg>
+      <p:bgRef idx="1001">
+        <a:schemeClr val="bg1"/>
+      </p:bgRef>
+    </p:bg>
+    <p:spTree>
+      <p:nvGrpSpPr>
+        <p:cNvPr id="1" name=""/>
+        <p:cNvGrpSpPr/>
+        <p:nvPr/>
+      </p:nvGrpSpPr>
+      <p:grpSpPr>
+        <a:xfrm>
+          <a:off x="0" y="0"/>
+          <a:ext cx="0" cy="0"/>
+          <a:chOff x="0" y="0"/>
+          <a:chExt cx="0" cy="0"/>
+        </a:xfrm>
+      </p:grpSpPr>
+      <p:sp>
+        <p:nvSpPr>
+          <p:cNvPr id="2" name="Header Placeholder 1"/>
+          <p:cNvSpPr>
+            <a:spLocks noGrp="1"/>
+          </p:cNvSpPr>
+          <p:nvPr>
+            <p:ph type="hdr" sz="quarter"/>
+          </p:nvPr>
+        </p:nvSpPr>
+        <p:spPr>
+          <a:xfrm>
+            <a:off x="0" y="0"/>
+            <a:ext cx="2971800" cy="458788"/>
+          </a:xfrm>
+          <a:prstGeom prst="rect">
+            <a:avLst/>
+          </a:prstGeom>
+        </p:spPr>
+        <p:txBody>
+          <a:bodyPr vert="horz" lIns="91440" tIns="45720" rIns="91440" bIns="45720" rtlCol="0"/>
+          <a:lstStyle>
+            <a:lvl1pPr algn="l">
+              <a:defRPr sz="1200"/>
+            </a:lvl1pPr>
+          </a:lstStyle>
+          <a:p>
+            <a:endParaRPr lang="en-US"/>
+          </a:p>
+        </p:txBody>
+      </p:sp>
+      <p:sp>
+        <p:nvSpPr>
+          <p:cNvPr id="3" name="Date Placeholder 2"/>
+          <p:cNvSpPr>
+            <a:spLocks noGrp="1"/>
+          </p:cNvSpPr>
+          <p:nvPr>
+            <p:ph type="dt" idx="1"/>
+          </p:nvPr>
+        </p:nvSpPr>
+        <p:spPr>
+          <a:xfrm>
+            <a:off x="3884613" y="0"/>
+            <a:ext cx="2971800" cy="458788"/>
+          </a:xfrm>
+          <a:prstGeom prst="rect">
+            <a:avLst/>
+          </a:prstGeom>
+        </p:spPr>
+        <p:txBody>
+          <a:bodyPr vert="horz" lIns="91440" tIns="45720" rIns="91440" bIns="45720" rtlCol="0"/>
+          <a:lstStyle>
+            <a:lvl1pPr algn="r">
+              <a:defRPr sz="1200"/>
+            </a:lvl1pPr>
+          </a:lstStyle>
+          <a:p>
+            <a:fld id="{E01661B5-C4C7-4C3D-8372-ED1FD2AEDC40}" type="datetimeFigureOut">
+              <a:rPr lang="en-US" smtClean="0"/>
+              <a:t>6/11/2025</a:t>
+            </a:fld>
+            <a:endParaRPr lang="en-US"/>
+          </a:p>
+        </p:txBody>
+      </p:sp>
+      <p:sp>
+        <p:nvSpPr>
+          <p:cNvPr id="4" name="Slide Image Placeholder 3"/>
+          <p:cNvSpPr>
+            <a:spLocks noGrp="1" noRot="1" noChangeAspect="1"/>
+          </p:cNvSpPr>
+          <p:nvPr>
+            <p:ph type="sldImg" idx="2"/>
+          </p:nvPr>
+        </p:nvSpPr>
+        <p:spPr>
+          <a:xfrm>
+            <a:off x="1371600" y="1143000"/>
+            <a:ext cx="4114800" cy="3086100"/>
+          </a:xfrm>
+          <a:prstGeom prst="rect">
+            <a:avLst/>
+          </a:prstGeom>
+          <a:noFill/>
+          <a:ln w="12700">
+            <a:solidFill>
+              <a:prstClr val="black"/>
+            </a:solidFill>
+          </a:ln>
+        </p:spPr>
+        <p:txBody>
+          <a:bodyPr vert="horz" lIns="91440" tIns="45720" rIns="91440" bIns="45720" rtlCol="0" anchor="ctr"/>
+          <a:lstStyle/>
+          <a:p>
+            <a:endParaRPr lang="en-US"/>
+          </a:p>
+        </p:txBody>
+      </p:sp>
+      <p:sp>
+        <p:nvSpPr>
+          <p:cNvPr id="5" name="Notes Placeholder 4"/>
+          <p:cNvSpPr>
+            <a:spLocks noGrp="1"/>
+          </p:cNvSpPr>
+          <p:nvPr>
+            <p:ph type="body" sz="quarter" idx="3"/>
+          </p:nvPr>
+        </p:nvSpPr>
+        <p:spPr>
+          <a:xfrm>
+            <a:off x="685800" y="4400550"/>
+            <a:ext cx="5486400" cy="3600450"/>
+          </a:xfrm>
+          <a:prstGeom prst="rect">
+            <a:avLst/>
+          </a:prstGeom>
+        </p:spPr>
+        <p:txBody>
+          <a:bodyPr vert="horz" lIns="91440" tIns="45720" rIns="91440" bIns="45720" rtlCol="0"/>
+          <a:lstStyle/>
+          <a:p>
+            <a:pPr lvl="0"/>
+            <a:r>
+              <a:rPr lang="en-US"/>
+              <a:t>Click to edit Master text styles</a:t>
+            </a:r>
+          </a:p>
+          <a:p>
+            <a:pPr lvl="1"/>
+            <a:r>
+              <a:rPr lang="en-US"/>
+              <a:t>Second level</a:t>
+            </a:r>
+          </a:p>
+          <a:p>
+            <a:pPr lvl="2"/>
+            <a:r>
+              <a:rPr lang="en-US"/>
+              <a:t>Third level</a:t>
+            </a:r>
+          </a:p>
+          <a:p>
+            <a:pPr lvl="3"/>
+            <a:r>
+              <a:rPr lang="en-US"/>
+              <a:t>Fourth level</a:t>
+            </a:r>
+          </a:p>
+          <a:p>
+            <a:pPr lvl="4"/>
+            <a:r>
+              <a:rPr lang="en-US"/>
+              <a:t>Fifth level</a:t>
+            </a:r>
+          </a:p>
+        </p:txBody>
+      </p:sp>
+      <p:sp>
+        <p:nvSpPr>
+          <p:cNvPr id="6" name="Footer Placeholder 5"/>
+          <p:cNvSpPr>
+            <a:spLocks noGrp="1"/>
+          </p:cNvSpPr>
+          <p:nvPr>
+            <p:ph type="ftr" sz="quarter" idx="4"/>
+          </p:nvPr>
+        </p:nvSpPr>
+        <p:spPr>
+          <a:xfrm>
+            <a:off x="0" y="8685213"/>
+            <a:ext cx="2971800" cy="458787"/>
+          </a:xfrm>
+          <a:prstGeom prst="rect">
+            <a:avLst/>
+          </a:prstGeom>
+        </p:spPr>
+        <p:txBody>
+          <a:bodyPr vert="horz" lIns="91440" tIns="45720" rIns="91440" bIns="45720" rtlCol="0" anchor="b"/>
+          <a:lstStyle>
+            <a:lvl1pPr algn="l">
+              <a:defRPr sz="1200"/>
+            </a:lvl1pPr>
+          </a:lstStyle>
+          <a:p>
+            <a:endParaRPr lang="en-US"/>
+          </a:p>
+        </p:txBody>
+      </p:sp>
+      <p:sp>
+        <p:nvSpPr>
+          <p:cNvPr id="7" name="Slide Number Placeholder 6"/>
+          <p:cNvSpPr>
+            <a:spLocks noGrp="1"/>
+          </p:cNvSpPr>
+          <p:nvPr>
+            <p:ph type="sldNum" sz="quarter" idx="5"/>
+          </p:nvPr>
+        </p:nvSpPr>
+        <p:spPr>
+          <a:xfrm>
+            <a:off x="3884613" y="8685213"/>
+            <a:ext cx="2971800" cy="458787"/>
+          </a:xfrm>
+          <a:prstGeom prst="rect">
+            <a:avLst/>
+          </a:prstGeom>
+        </p:spPr>
+        <p:txBody>
+          <a:bodyPr vert="horz" lIns="91440" tIns="45720" rIns="91440" bIns="45720" rtlCol="0" anchor="b"/>
+          <a:lstStyle>
+            <a:lvl1pPr algn="r">
+              <a:defRPr sz="1200"/>
+            </a:lvl1pPr>
+          </a:lstStyle>
+          <a:p>
+            <a:fld id="{EE53413B-9A91-42FB-90CB-E0EE5C6D3EF4}" type="slidenum">
+              <a:rPr lang="en-US" smtClean="0"/>
+              <a:t>‹#›</a:t>
+            </a:fld>
+            <a:endParaRPr lang="en-US"/>
+          </a:p>
+        </p:txBody>
+      </p:sp>
+    </p:spTree>
+    <p:extLst>
+      <p:ext uri="{BB962C8B-B14F-4D97-AF65-F5344CB8AC3E}">
+        <p14:creationId xmlns:p14="http://schemas.microsoft.com/office/powerpoint/2010/main" val="2903951012"/>
+      </p:ext>
+    </p:extLst>
+  </p:cSld>
+  <p:clrMap bg1="lt1" tx1="dk1" bg2="lt2" tx2="dk2" accent1="accent1" accent2="accent2" accent3="accent3" accent4="accent4" accent5="accent5" accent6="accent6" hlink="hlink" folHlink="folHlink"/>
+  <p:notesStyle>
+    <a:lvl1pPr marL="0" algn="l" defTabSz="914400" rtl="0" eaLnBrk="1" latinLnBrk="0" hangingPunct="1">
+      <a:defRPr sz="1200" kern="1200">
+        <a:solidFill>
+          <a:schemeClr val="tx1"/>
+        </a:solidFill>
+        <a:latin typeface="+mn-lt"/>
+        <a:ea typeface="+mn-ea"/>
+        <a:cs typeface="+mn-cs"/>
+      </a:defRPr>
+    </a:lvl1pPr>
+    <a:lvl2pPr marL="457200" algn="l" defTabSz="914400" rtl="0" eaLnBrk="1" latinLnBrk="0" hangingPunct="1">
+      <a:defRPr sz="1200" kern="1200">
+        <a:solidFill>
+          <a:schemeClr val="tx1"/>
+        </a:solidFill>
+        <a:latin typeface="+mn-lt"/>
+        <a:ea typeface="+mn-ea"/>
+        <a:cs typeface="+mn-cs"/>
+      </a:defRPr>
+    </a:lvl2pPr>
+    <a:lvl3pPr marL="914400" algn="l" defTabSz="914400" rtl="0" eaLnBrk="1" latinLnBrk="0" hangingPunct="1">
+      <a:defRPr sz="1200" kern="1200">
+        <a:solidFill>
+          <a:schemeClr val="tx1"/>
+        </a:solidFill>
+        <a:latin typeface="+mn-lt"/>
+        <a:ea typeface="+mn-ea"/>
+        <a:cs typeface="+mn-cs"/>
+      </a:defRPr>
+    </a:lvl3pPr>
+    <a:lvl4pPr marL="1371600" algn="l" defTabSz="914400" rtl="0" eaLnBrk="1" latinLnBrk="0" hangingPunct="1">
+      <a:defRPr sz="1200" kern="1200">
+        <a:solidFill>
+          <a:schemeClr val="tx1"/>
+        </a:solidFill>
+        <a:latin typeface="+mn-lt"/>
+        <a:ea typeface="+mn-ea"/>
+        <a:cs typeface="+mn-cs"/>
+      </a:defRPr>
+    </a:lvl4pPr>
+    <a:lvl5pPr marL="1828800" algn="l" defTabSz="914400" rtl="0" eaLnBrk="1" latinLnBrk="0" hangingPunct="1">
+      <a:defRPr sz="1200" kern="1200">
+        <a:solidFill>
+          <a:schemeClr val="tx1"/>
+        </a:solidFill>
+        <a:latin typeface="+mn-lt"/>
+        <a:ea typeface="+mn-ea"/>
+        <a:cs typeface="+mn-cs"/>
+      </a:defRPr>
+    </a:lvl5pPr>
+    <a:lvl6pPr marL="2286000" algn="l" defTabSz="914400" rtl="0" eaLnBrk="1" latinLnBrk="0" hangingPunct="1">
+      <a:defRPr sz="1200" kern="1200">
+        <a:solidFill>
+          <a:schemeClr val="tx1"/>
+        </a:solidFill>
+        <a:latin typeface="+mn-lt"/>
+        <a:ea typeface="+mn-ea"/>
+        <a:cs typeface="+mn-cs"/>
+      </a:defRPr>
+    </a:lvl6pPr>
+    <a:lvl7pPr marL="2743200" algn="l" defTabSz="914400" rtl="0" eaLnBrk="1" latinLnBrk="0" hangingPunct="1">
+      <a:defRPr sz="1200" kern="1200">
+        <a:solidFill>
+          <a:schemeClr val="tx1"/>
+        </a:solidFill>
+        <a:latin typeface="+mn-lt"/>
+        <a:ea typeface="+mn-ea"/>
+        <a:cs typeface="+mn-cs"/>
+      </a:defRPr>
+    </a:lvl7pPr>
+    <a:lvl8pPr marL="3200400" algn="l" defTabSz="914400" rtl="0" eaLnBrk="1" latinLnBrk="0" hangingPunct="1">
+      <a:defRPr sz="1200" kern="1200">
+        <a:solidFill>
+          <a:schemeClr val="tx1"/>
+        </a:solidFill>
+        <a:latin typeface="+mn-lt"/>
+        <a:ea typeface="+mn-ea"/>
+        <a:cs typeface="+mn-cs"/>
+      </a:defRPr>
+    </a:lvl8pPr>
+    <a:lvl9pPr marL="3657600" algn="l" defTabSz="914400" rtl="0" eaLnBrk="1" latinLnBrk="0" hangingPunct="1">
+      <a:defRPr sz="1200" kern="1200">
+        <a:solidFill>
+          <a:schemeClr val="tx1"/>
+        </a:solidFill>
+        <a:latin typeface="+mn-lt"/>
+        <a:ea typeface="+mn-ea"/>
+        <a:cs typeface="+mn-cs"/>
+      </a:defRPr>
+    </a:lvl9pPr>
+  </p:notesStyle>
+</p:notesMaster>
+</file>
+
+<file path=ppt/notesSlides/notesSlide1.xml><?xml version="1.0" encoding="utf-8"?>
+<p:notes xmlns:a="http://schemas.openxmlformats.org/drawingml/2006/main" xmlns:r="http://schemas.openxmlformats.org/officeDocument/2006/relationships" xmlns:p="http://schemas.openxmlformats.org/presentationml/2006/main">
+  <p:cSld>
+    <p:spTree>
+      <p:nvGrpSpPr>
+        <p:cNvPr id="1" name=""/>
+        <p:cNvGrpSpPr/>
+        <p:nvPr/>
+      </p:nvGrpSpPr>
+      <p:grpSpPr>
+        <a:xfrm>
+          <a:off x="0" y="0"/>
+          <a:ext cx="0" cy="0"/>
+          <a:chOff x="0" y="0"/>
+          <a:chExt cx="0" cy="0"/>
+        </a:xfrm>
+      </p:grpSpPr>
+      <p:sp>
+        <p:nvSpPr>
+          <p:cNvPr id="2" name="Slide Image Placeholder 1"/>
+          <p:cNvSpPr>
+            <a:spLocks noGrp="1" noRot="1" noChangeAspect="1"/>
+          </p:cNvSpPr>
+          <p:nvPr>
+            <p:ph type="sldImg"/>
+          </p:nvPr>
+        </p:nvSpPr>
+        <p:spPr/>
+      </p:sp>
+      <p:sp>
+        <p:nvSpPr>
+          <p:cNvPr id="3" name="Notes Placeholder 2"/>
+          <p:cNvSpPr>
+            <a:spLocks noGrp="1"/>
+          </p:cNvSpPr>
+          <p:nvPr>
+            <p:ph type="body" idx="1"/>
+          </p:nvPr>
+        </p:nvSpPr>
+        <p:spPr/>
+        <p:txBody>
+          <a:bodyPr/>
+          <a:lstStyle/>
+          <a:p>
+            <a:endParaRPr lang="en-US" dirty="0"/>
+          </a:p>
+        </p:txBody>
+      </p:sp>
+      <p:sp>
+        <p:nvSpPr>
+          <p:cNvPr id="4" name="Slide Number Placeholder 3"/>
+          <p:cNvSpPr>
+            <a:spLocks noGrp="1"/>
+          </p:cNvSpPr>
+          <p:nvPr>
+            <p:ph type="sldNum" sz="quarter" idx="5"/>
+          </p:nvPr>
+        </p:nvSpPr>
+        <p:spPr/>
+        <p:txBody>
+          <a:bodyPr/>
+          <a:lstStyle/>
+          <a:p>
+            <a:fld id="{EE53413B-9A91-42FB-90CB-E0EE5C6D3EF4}" type="slidenum">
+              <a:rPr lang="en-US" smtClean="0"/>
+              <a:t>3</a:t>
+            </a:fld>
+            <a:endParaRPr lang="en-US"/>
+          </a:p>
+        </p:txBody>
+      </p:sp>
+    </p:spTree>
+    <p:extLst>
+      <p:ext uri="{BB962C8B-B14F-4D97-AF65-F5344CB8AC3E}">
+        <p14:creationId xmlns:p14="http://schemas.microsoft.com/office/powerpoint/2010/main" val="4261191516"/>
+      </p:ext>
+    </p:extLst>
+  </p:cSld>
+  <p:clrMapOvr>
+    <a:masterClrMapping/>
+  </p:clrMapOvr>
+</p:notes>
+</file>
+
 <file path=ppt/slideLayouts/slideLayout1.xml><?xml version="1.0" encoding="utf-8"?>
 <p:sldLayout xmlns:a="http://schemas.openxmlformats.org/drawingml/2006/main" xmlns:r="http://schemas.openxmlformats.org/officeDocument/2006/relationships" xmlns:p="http://schemas.openxmlformats.org/presentationml/2006/main" type="title" preserve="1">
   <p:cSld name="Title Slide">
@@ -255,7 +693,7 @@
           <a:p>
             <a:fld id="{37A62D07-E869-49E1-B7EF-C67DD64BD193}" type="datetimeFigureOut">
               <a:rPr lang="en-US" smtClean="0"/>
-              <a:t>6/10/2025</a:t>
+              <a:t>6/11/2025</a:t>
             </a:fld>
             <a:endParaRPr lang="en-US"/>
           </a:p>
@@ -425,7 +863,7 @@
           <a:p>
             <a:fld id="{37A62D07-E869-49E1-B7EF-C67DD64BD193}" type="datetimeFigureOut">
               <a:rPr lang="en-US" smtClean="0"/>
-              <a:t>6/10/2025</a:t>
+              <a:t>6/11/2025</a:t>
             </a:fld>
             <a:endParaRPr lang="en-US"/>
           </a:p>
@@ -605,7 +1043,7 @@
           <a:p>
             <a:fld id="{37A62D07-E869-49E1-B7EF-C67DD64BD193}" type="datetimeFigureOut">
               <a:rPr lang="en-US" smtClean="0"/>
-              <a:t>6/10/2025</a:t>
+              <a:t>6/11/2025</a:t>
             </a:fld>
             <a:endParaRPr lang="en-US"/>
           </a:p>
@@ -775,7 +1213,7 @@
           <a:p>
             <a:fld id="{37A62D07-E869-49E1-B7EF-C67DD64BD193}" type="datetimeFigureOut">
               <a:rPr lang="en-US" smtClean="0"/>
-              <a:t>6/10/2025</a:t>
+              <a:t>6/11/2025</a:t>
             </a:fld>
             <a:endParaRPr lang="en-US"/>
           </a:p>
@@ -1021,7 +1459,7 @@
           <a:p>
             <a:fld id="{37A62D07-E869-49E1-B7EF-C67DD64BD193}" type="datetimeFigureOut">
               <a:rPr lang="en-US" smtClean="0"/>
-              <a:t>6/10/2025</a:t>
+              <a:t>6/11/2025</a:t>
             </a:fld>
             <a:endParaRPr lang="en-US"/>
           </a:p>
@@ -1253,7 +1691,7 @@
           <a:p>
             <a:fld id="{37A62D07-E869-49E1-B7EF-C67DD64BD193}" type="datetimeFigureOut">
               <a:rPr lang="en-US" smtClean="0"/>
-              <a:t>6/10/2025</a:t>
+              <a:t>6/11/2025</a:t>
             </a:fld>
             <a:endParaRPr lang="en-US"/>
           </a:p>
@@ -1620,7 +2058,7 @@
           <a:p>
             <a:fld id="{37A62D07-E869-49E1-B7EF-C67DD64BD193}" type="datetimeFigureOut">
               <a:rPr lang="en-US" smtClean="0"/>
-              <a:t>6/10/2025</a:t>
+              <a:t>6/11/2025</a:t>
             </a:fld>
             <a:endParaRPr lang="en-US"/>
           </a:p>
@@ -1738,7 +2176,7 @@
           <a:p>
             <a:fld id="{37A62D07-E869-49E1-B7EF-C67DD64BD193}" type="datetimeFigureOut">
               <a:rPr lang="en-US" smtClean="0"/>
-              <a:t>6/10/2025</a:t>
+              <a:t>6/11/2025</a:t>
             </a:fld>
             <a:endParaRPr lang="en-US"/>
           </a:p>
@@ -1833,7 +2271,7 @@
           <a:p>
             <a:fld id="{37A62D07-E869-49E1-B7EF-C67DD64BD193}" type="datetimeFigureOut">
               <a:rPr lang="en-US" smtClean="0"/>
-              <a:t>6/10/2025</a:t>
+              <a:t>6/11/2025</a:t>
             </a:fld>
             <a:endParaRPr lang="en-US"/>
           </a:p>
@@ -2110,7 +2548,7 @@
           <a:p>
             <a:fld id="{37A62D07-E869-49E1-B7EF-C67DD64BD193}" type="datetimeFigureOut">
               <a:rPr lang="en-US" smtClean="0"/>
-              <a:t>6/10/2025</a:t>
+              <a:t>6/11/2025</a:t>
             </a:fld>
             <a:endParaRPr lang="en-US"/>
           </a:p>
@@ -2367,7 +2805,7 @@
           <a:p>
             <a:fld id="{37A62D07-E869-49E1-B7EF-C67DD64BD193}" type="datetimeFigureOut">
               <a:rPr lang="en-US" smtClean="0"/>
-              <a:t>6/10/2025</a:t>
+              <a:t>6/11/2025</a:t>
             </a:fld>
             <a:endParaRPr lang="en-US"/>
           </a:p>
@@ -2580,7 +3018,7 @@
           <a:p>
             <a:fld id="{37A62D07-E869-49E1-B7EF-C67DD64BD193}" type="datetimeFigureOut">
               <a:rPr lang="en-US" smtClean="0"/>
-              <a:t>6/10/2025</a:t>
+              <a:t>6/11/2025</a:t>
             </a:fld>
             <a:endParaRPr lang="en-US"/>
           </a:p>
@@ -3378,6 +3816,5664 @@
     <p:extLst>
       <p:ext uri="{BB962C8B-B14F-4D97-AF65-F5344CB8AC3E}">
         <p14:creationId xmlns:p14="http://schemas.microsoft.com/office/powerpoint/2010/main" val="2468044401"/>
+      </p:ext>
+    </p:extLst>
+  </p:cSld>
+  <p:clrMapOvr>
+    <a:masterClrMapping/>
+  </p:clrMapOvr>
+</p:sld>
+</file>
+
+<file path=ppt/slides/slide3.xml><?xml version="1.0" encoding="utf-8"?>
+<p:sld xmlns:a="http://schemas.openxmlformats.org/drawingml/2006/main" xmlns:r="http://schemas.openxmlformats.org/officeDocument/2006/relationships" xmlns:p="http://schemas.openxmlformats.org/presentationml/2006/main">
+  <p:cSld>
+    <p:spTree>
+      <p:nvGrpSpPr>
+        <p:cNvPr id="1" name=""/>
+        <p:cNvGrpSpPr/>
+        <p:nvPr/>
+      </p:nvGrpSpPr>
+      <p:grpSpPr>
+        <a:xfrm>
+          <a:off x="0" y="0"/>
+          <a:ext cx="0" cy="0"/>
+          <a:chOff x="0" y="0"/>
+          <a:chExt cx="0" cy="0"/>
+        </a:xfrm>
+      </p:grpSpPr>
+      <p:pic>
+        <p:nvPicPr>
+          <p:cNvPr id="4" name="Picture 4" descr="gaction (Branding Logo For Github Actions) · GitHub">
+            <a:extLst>
+              <a:ext uri="{FF2B5EF4-FFF2-40B4-BE49-F238E27FC236}">
+                <a16:creationId xmlns:a16="http://schemas.microsoft.com/office/drawing/2014/main" id="{DD7C98A9-753A-4982-4317-686F2586ACF2}"/>
+              </a:ext>
+            </a:extLst>
+          </p:cNvPr>
+          <p:cNvPicPr>
+            <a:picLocks noChangeAspect="1" noChangeArrowheads="1"/>
+          </p:cNvPicPr>
+          <p:nvPr/>
+        </p:nvPicPr>
+        <p:blipFill>
+          <a:blip r:embed="rId3">
+            <a:extLst>
+              <a:ext uri="{28A0092B-C50C-407E-A947-70E740481C1C}">
+                <a14:useLocalDpi xmlns:a14="http://schemas.microsoft.com/office/drawing/2010/main" val="0"/>
+              </a:ext>
+            </a:extLst>
+          </a:blip>
+          <a:srcRect/>
+          <a:stretch>
+            <a:fillRect/>
+          </a:stretch>
+        </p:blipFill>
+        <p:spPr bwMode="auto">
+          <a:xfrm>
+            <a:off x="4531290" y="3353924"/>
+            <a:ext cx="264234" cy="285260"/>
+          </a:xfrm>
+          <a:prstGeom prst="rect">
+            <a:avLst/>
+          </a:prstGeom>
+          <a:noFill/>
+          <a:extLst>
+            <a:ext uri="{909E8E84-426E-40DD-AFC4-6F175D3DCCD1}">
+              <a14:hiddenFill xmlns:a14="http://schemas.microsoft.com/office/drawing/2010/main">
+                <a:solidFill>
+                  <a:srgbClr val="FFFFFF"/>
+                </a:solidFill>
+              </a14:hiddenFill>
+            </a:ext>
+          </a:extLst>
+        </p:spPr>
+      </p:pic>
+      <p:sp>
+        <p:nvSpPr>
+          <p:cNvPr id="5" name="TextBox 4">
+            <a:extLst>
+              <a:ext uri="{FF2B5EF4-FFF2-40B4-BE49-F238E27FC236}">
+                <a16:creationId xmlns:a16="http://schemas.microsoft.com/office/drawing/2014/main" id="{09BE4FE1-77B8-63F3-311F-E1C2D9E45338}"/>
+              </a:ext>
+            </a:extLst>
+          </p:cNvPr>
+          <p:cNvSpPr txBox="1"/>
+          <p:nvPr/>
+        </p:nvSpPr>
+        <p:spPr>
+          <a:xfrm>
+            <a:off x="4463051" y="3665886"/>
+            <a:ext cx="400711" cy="323165"/>
+          </a:xfrm>
+          <a:prstGeom prst="rect">
+            <a:avLst/>
+          </a:prstGeom>
+          <a:noFill/>
+        </p:spPr>
+        <p:txBody>
+          <a:bodyPr wrap="square" lIns="0" rIns="0" rtlCol="0">
+            <a:spAutoFit/>
+          </a:bodyPr>
+          <a:lstStyle>
+            <a:defPPr>
+              <a:defRPr lang="en-US"/>
+            </a:defPPr>
+            <a:lvl1pPr algn="ctr">
+              <a:defRPr sz="1000">
+                <a:latin typeface="Calibri" panose="020F0502020204030204" pitchFamily="34" charset="0"/>
+                <a:ea typeface="Calibri" panose="020F0502020204030204" pitchFamily="34" charset="0"/>
+                <a:cs typeface="Calibri" panose="020F0502020204030204" pitchFamily="34" charset="0"/>
+              </a:defRPr>
+            </a:lvl1pPr>
+          </a:lstStyle>
+          <a:p>
+            <a:r>
+              <a:rPr lang="en-US" sz="750" dirty="0"/>
+              <a:t>GitHub Actions</a:t>
+            </a:r>
+          </a:p>
+        </p:txBody>
+      </p:sp>
+      <p:pic>
+        <p:nvPicPr>
+          <p:cNvPr id="6" name="Picture 6" descr="Github Logo - Free social media icons">
+            <a:extLst>
+              <a:ext uri="{FF2B5EF4-FFF2-40B4-BE49-F238E27FC236}">
+                <a16:creationId xmlns:a16="http://schemas.microsoft.com/office/drawing/2014/main" id="{C36F4E1F-509C-8D17-646B-86FC663B1049}"/>
+              </a:ext>
+            </a:extLst>
+          </p:cNvPr>
+          <p:cNvPicPr>
+            <a:picLocks noChangeAspect="1" noChangeArrowheads="1"/>
+          </p:cNvPicPr>
+          <p:nvPr/>
+        </p:nvPicPr>
+        <p:blipFill>
+          <a:blip r:embed="rId4">
+            <a:extLst>
+              <a:ext uri="{28A0092B-C50C-407E-A947-70E740481C1C}">
+                <a14:useLocalDpi xmlns:a14="http://schemas.microsoft.com/office/drawing/2010/main" val="0"/>
+              </a:ext>
+            </a:extLst>
+          </a:blip>
+          <a:srcRect/>
+          <a:stretch>
+            <a:fillRect/>
+          </a:stretch>
+        </p:blipFill>
+        <p:spPr bwMode="auto">
+          <a:xfrm>
+            <a:off x="3793539" y="3353924"/>
+            <a:ext cx="264563" cy="285373"/>
+          </a:xfrm>
+          <a:prstGeom prst="rect">
+            <a:avLst/>
+          </a:prstGeom>
+          <a:noFill/>
+          <a:extLst>
+            <a:ext uri="{909E8E84-426E-40DD-AFC4-6F175D3DCCD1}">
+              <a14:hiddenFill xmlns:a14="http://schemas.microsoft.com/office/drawing/2010/main">
+                <a:solidFill>
+                  <a:srgbClr val="FFFFFF"/>
+                </a:solidFill>
+              </a14:hiddenFill>
+            </a:ext>
+          </a:extLst>
+        </p:spPr>
+      </p:pic>
+      <p:sp>
+        <p:nvSpPr>
+          <p:cNvPr id="7" name="TextBox 6">
+            <a:extLst>
+              <a:ext uri="{FF2B5EF4-FFF2-40B4-BE49-F238E27FC236}">
+                <a16:creationId xmlns:a16="http://schemas.microsoft.com/office/drawing/2014/main" id="{19125D75-1EDE-0D4C-F137-669484ABD5C8}"/>
+              </a:ext>
+            </a:extLst>
+          </p:cNvPr>
+          <p:cNvSpPr txBox="1"/>
+          <p:nvPr/>
+        </p:nvSpPr>
+        <p:spPr>
+          <a:xfrm>
+            <a:off x="3689422" y="3590874"/>
+            <a:ext cx="499949" cy="207749"/>
+          </a:xfrm>
+          <a:prstGeom prst="rect">
+            <a:avLst/>
+          </a:prstGeom>
+          <a:noFill/>
+        </p:spPr>
+        <p:txBody>
+          <a:bodyPr wrap="square" lIns="0" rIns="0" rtlCol="0">
+            <a:spAutoFit/>
+          </a:bodyPr>
+          <a:lstStyle>
+            <a:defPPr>
+              <a:defRPr lang="en-US"/>
+            </a:defPPr>
+            <a:lvl1pPr algn="ctr">
+              <a:defRPr sz="1000">
+                <a:latin typeface="Calibri" panose="020F0502020204030204" pitchFamily="34" charset="0"/>
+                <a:ea typeface="Calibri" panose="020F0502020204030204" pitchFamily="34" charset="0"/>
+                <a:cs typeface="Calibri" panose="020F0502020204030204" pitchFamily="34" charset="0"/>
+              </a:defRPr>
+            </a:lvl1pPr>
+          </a:lstStyle>
+          <a:p>
+            <a:r>
+              <a:rPr lang="en-US" sz="750" dirty="0"/>
+              <a:t>GitHub Repo</a:t>
+            </a:r>
+          </a:p>
+        </p:txBody>
+      </p:sp>
+      <p:pic>
+        <p:nvPicPr>
+          <p:cNvPr id="8" name="Picture 8">
+            <a:extLst>
+              <a:ext uri="{FF2B5EF4-FFF2-40B4-BE49-F238E27FC236}">
+                <a16:creationId xmlns:a16="http://schemas.microsoft.com/office/drawing/2014/main" id="{B0E63750-D3C2-BA78-F308-AE5A17525561}"/>
+              </a:ext>
+            </a:extLst>
+          </p:cNvPr>
+          <p:cNvPicPr>
+            <a:picLocks noChangeAspect="1" noChangeArrowheads="1"/>
+          </p:cNvPicPr>
+          <p:nvPr/>
+        </p:nvPicPr>
+        <p:blipFill>
+          <a:blip r:embed="rId5">
+            <a:extLst>
+              <a:ext uri="{28A0092B-C50C-407E-A947-70E740481C1C}">
+                <a14:useLocalDpi xmlns:a14="http://schemas.microsoft.com/office/drawing/2010/main" val="0"/>
+              </a:ext>
+            </a:extLst>
+          </a:blip>
+          <a:srcRect/>
+          <a:stretch>
+            <a:fillRect/>
+          </a:stretch>
+        </p:blipFill>
+        <p:spPr bwMode="auto">
+          <a:xfrm>
+            <a:off x="2373895" y="1230848"/>
+            <a:ext cx="264050" cy="285260"/>
+          </a:xfrm>
+          <a:prstGeom prst="rect">
+            <a:avLst/>
+          </a:prstGeom>
+          <a:noFill/>
+          <a:extLst>
+            <a:ext uri="{909E8E84-426E-40DD-AFC4-6F175D3DCCD1}">
+              <a14:hiddenFill xmlns:a14="http://schemas.microsoft.com/office/drawing/2010/main">
+                <a:solidFill>
+                  <a:srgbClr val="FFFFFF"/>
+                </a:solidFill>
+              </a14:hiddenFill>
+            </a:ext>
+          </a:extLst>
+        </p:spPr>
+      </p:pic>
+      <p:sp>
+        <p:nvSpPr>
+          <p:cNvPr id="9" name="TextBox 8">
+            <a:extLst>
+              <a:ext uri="{FF2B5EF4-FFF2-40B4-BE49-F238E27FC236}">
+                <a16:creationId xmlns:a16="http://schemas.microsoft.com/office/drawing/2014/main" id="{372689F9-9A9E-ABBF-BB14-EBED120C2E5E}"/>
+              </a:ext>
+            </a:extLst>
+          </p:cNvPr>
+          <p:cNvSpPr txBox="1"/>
+          <p:nvPr/>
+        </p:nvSpPr>
+        <p:spPr>
+          <a:xfrm>
+            <a:off x="2360717" y="1463253"/>
+            <a:ext cx="337855" cy="207749"/>
+          </a:xfrm>
+          <a:prstGeom prst="rect">
+            <a:avLst/>
+          </a:prstGeom>
+          <a:noFill/>
+        </p:spPr>
+        <p:txBody>
+          <a:bodyPr wrap="square" lIns="0" rIns="0" rtlCol="0">
+            <a:spAutoFit/>
+          </a:bodyPr>
+          <a:lstStyle>
+            <a:defPPr>
+              <a:defRPr lang="en-US"/>
+            </a:defPPr>
+            <a:lvl1pPr algn="ctr">
+              <a:defRPr sz="1000">
+                <a:latin typeface="Calibri" panose="020F0502020204030204" pitchFamily="34" charset="0"/>
+                <a:ea typeface="Calibri" panose="020F0502020204030204" pitchFamily="34" charset="0"/>
+                <a:cs typeface="Calibri" panose="020F0502020204030204" pitchFamily="34" charset="0"/>
+              </a:defRPr>
+            </a:lvl1pPr>
+          </a:lstStyle>
+          <a:p>
+            <a:r>
+              <a:rPr lang="en-US" sz="750" dirty="0"/>
+              <a:t>VS Code</a:t>
+            </a:r>
+          </a:p>
+        </p:txBody>
+      </p:sp>
+      <p:pic>
+        <p:nvPicPr>
+          <p:cNvPr id="10" name="Picture 14" descr="terraform&quot; Icon - Download for free – Iconduck">
+            <a:extLst>
+              <a:ext uri="{FF2B5EF4-FFF2-40B4-BE49-F238E27FC236}">
+                <a16:creationId xmlns:a16="http://schemas.microsoft.com/office/drawing/2014/main" id="{79C2CD81-5FDF-8023-D5B6-E97A06A7A898}"/>
+              </a:ext>
+            </a:extLst>
+          </p:cNvPr>
+          <p:cNvPicPr>
+            <a:picLocks noChangeAspect="1" noChangeArrowheads="1"/>
+          </p:cNvPicPr>
+          <p:nvPr/>
+        </p:nvPicPr>
+        <p:blipFill>
+          <a:blip r:embed="rId6">
+            <a:extLst>
+              <a:ext uri="{28A0092B-C50C-407E-A947-70E740481C1C}">
+                <a14:useLocalDpi xmlns:a14="http://schemas.microsoft.com/office/drawing/2010/main" val="0"/>
+              </a:ext>
+            </a:extLst>
+          </a:blip>
+          <a:srcRect/>
+          <a:stretch>
+            <a:fillRect/>
+          </a:stretch>
+        </p:blipFill>
+        <p:spPr bwMode="auto">
+          <a:xfrm>
+            <a:off x="2684044" y="4063477"/>
+            <a:ext cx="264563" cy="282183"/>
+          </a:xfrm>
+          <a:prstGeom prst="rect">
+            <a:avLst/>
+          </a:prstGeom>
+          <a:noFill/>
+          <a:extLst>
+            <a:ext uri="{909E8E84-426E-40DD-AFC4-6F175D3DCCD1}">
+              <a14:hiddenFill xmlns:a14="http://schemas.microsoft.com/office/drawing/2010/main">
+                <a:solidFill>
+                  <a:srgbClr val="FFFFFF"/>
+                </a:solidFill>
+              </a14:hiddenFill>
+            </a:ext>
+          </a:extLst>
+        </p:spPr>
+      </p:pic>
+      <p:pic>
+        <p:nvPicPr>
+          <p:cNvPr id="11" name="Picture 18" descr="GitHub Actions SVG and transparent PNG icons | TechIcons">
+            <a:extLst>
+              <a:ext uri="{FF2B5EF4-FFF2-40B4-BE49-F238E27FC236}">
+                <a16:creationId xmlns:a16="http://schemas.microsoft.com/office/drawing/2014/main" id="{9C1E7415-9BA9-04EE-FFF1-B008CD452CAC}"/>
+              </a:ext>
+            </a:extLst>
+          </p:cNvPr>
+          <p:cNvPicPr>
+            <a:picLocks noChangeAspect="1" noChangeArrowheads="1"/>
+          </p:cNvPicPr>
+          <p:nvPr/>
+        </p:nvPicPr>
+        <p:blipFill>
+          <a:blip r:embed="rId7">
+            <a:extLst>
+              <a:ext uri="{28A0092B-C50C-407E-A947-70E740481C1C}">
+                <a14:useLocalDpi xmlns:a14="http://schemas.microsoft.com/office/drawing/2010/main" val="0"/>
+              </a:ext>
+            </a:extLst>
+          </a:blip>
+          <a:srcRect/>
+          <a:stretch>
+            <a:fillRect/>
+          </a:stretch>
+        </p:blipFill>
+        <p:spPr bwMode="auto">
+          <a:xfrm>
+            <a:off x="2684006" y="3353924"/>
+            <a:ext cx="264563" cy="285260"/>
+          </a:xfrm>
+          <a:prstGeom prst="rect">
+            <a:avLst/>
+          </a:prstGeom>
+          <a:noFill/>
+          <a:extLst>
+            <a:ext uri="{909E8E84-426E-40DD-AFC4-6F175D3DCCD1}">
+              <a14:hiddenFill xmlns:a14="http://schemas.microsoft.com/office/drawing/2010/main">
+                <a:solidFill>
+                  <a:srgbClr val="FFFFFF"/>
+                </a:solidFill>
+              </a14:hiddenFill>
+            </a:ext>
+          </a:extLst>
+        </p:spPr>
+      </p:pic>
+      <p:sp>
+        <p:nvSpPr>
+          <p:cNvPr id="12" name="TextBox 11">
+            <a:extLst>
+              <a:ext uri="{FF2B5EF4-FFF2-40B4-BE49-F238E27FC236}">
+                <a16:creationId xmlns:a16="http://schemas.microsoft.com/office/drawing/2014/main" id="{5223C49C-D69F-1252-C6C1-8F3505A020B5}"/>
+              </a:ext>
+            </a:extLst>
+          </p:cNvPr>
+          <p:cNvSpPr txBox="1"/>
+          <p:nvPr/>
+        </p:nvSpPr>
+        <p:spPr>
+          <a:xfrm>
+            <a:off x="2606413" y="3581476"/>
+            <a:ext cx="463097" cy="323165"/>
+          </a:xfrm>
+          <a:prstGeom prst="rect">
+            <a:avLst/>
+          </a:prstGeom>
+          <a:noFill/>
+        </p:spPr>
+        <p:txBody>
+          <a:bodyPr wrap="square" lIns="0" rIns="0" rtlCol="0">
+            <a:spAutoFit/>
+          </a:bodyPr>
+          <a:lstStyle>
+            <a:defPPr>
+              <a:defRPr lang="en-US"/>
+            </a:defPPr>
+            <a:lvl1pPr algn="ctr">
+              <a:defRPr sz="1000">
+                <a:latin typeface="Calibri" panose="020F0502020204030204" pitchFamily="34" charset="0"/>
+                <a:ea typeface="Calibri" panose="020F0502020204030204" pitchFamily="34" charset="0"/>
+                <a:cs typeface="Calibri" panose="020F0502020204030204" pitchFamily="34" charset="0"/>
+              </a:defRPr>
+            </a:lvl1pPr>
+          </a:lstStyle>
+          <a:p>
+            <a:r>
+              <a:rPr lang="en-US" sz="750" dirty="0"/>
+              <a:t>GitHub Workflow</a:t>
+            </a:r>
+          </a:p>
+        </p:txBody>
+      </p:sp>
+      <p:pic>
+        <p:nvPicPr>
+          <p:cNvPr id="13" name="Picture 24" descr="Email Icon Blue transparent PNG - StickPNG">
+            <a:extLst>
+              <a:ext uri="{FF2B5EF4-FFF2-40B4-BE49-F238E27FC236}">
+                <a16:creationId xmlns:a16="http://schemas.microsoft.com/office/drawing/2014/main" id="{76EA0EE3-3F87-9A98-27C5-F53E7B8BF46C}"/>
+              </a:ext>
+            </a:extLst>
+          </p:cNvPr>
+          <p:cNvPicPr>
+            <a:picLocks noChangeAspect="1" noChangeArrowheads="1"/>
+          </p:cNvPicPr>
+          <p:nvPr/>
+        </p:nvPicPr>
+        <p:blipFill>
+          <a:blip r:embed="rId8">
+            <a:extLst>
+              <a:ext uri="{28A0092B-C50C-407E-A947-70E740481C1C}">
+                <a14:useLocalDpi xmlns:a14="http://schemas.microsoft.com/office/drawing/2010/main" val="0"/>
+              </a:ext>
+            </a:extLst>
+          </a:blip>
+          <a:srcRect/>
+          <a:stretch>
+            <a:fillRect/>
+          </a:stretch>
+        </p:blipFill>
+        <p:spPr bwMode="auto">
+          <a:xfrm>
+            <a:off x="6495513" y="1908724"/>
+            <a:ext cx="264563" cy="285260"/>
+          </a:xfrm>
+          <a:prstGeom prst="rect">
+            <a:avLst/>
+          </a:prstGeom>
+          <a:noFill/>
+          <a:extLst>
+            <a:ext uri="{909E8E84-426E-40DD-AFC4-6F175D3DCCD1}">
+              <a14:hiddenFill xmlns:a14="http://schemas.microsoft.com/office/drawing/2010/main">
+                <a:solidFill>
+                  <a:srgbClr val="FFFFFF"/>
+                </a:solidFill>
+              </a14:hiddenFill>
+            </a:ext>
+          </a:extLst>
+        </p:spPr>
+      </p:pic>
+      <p:pic>
+        <p:nvPicPr>
+          <p:cNvPr id="14" name="Picture 26" descr="End-user | Definition">
+            <a:extLst>
+              <a:ext uri="{FF2B5EF4-FFF2-40B4-BE49-F238E27FC236}">
+                <a16:creationId xmlns:a16="http://schemas.microsoft.com/office/drawing/2014/main" id="{9C2D7C76-F712-D908-74B8-E4CCEB896AC8}"/>
+              </a:ext>
+            </a:extLst>
+          </p:cNvPr>
+          <p:cNvPicPr>
+            <a:picLocks noChangeAspect="1" noChangeArrowheads="1"/>
+          </p:cNvPicPr>
+          <p:nvPr/>
+        </p:nvPicPr>
+        <p:blipFill>
+          <a:blip r:embed="rId9">
+            <a:extLst>
+              <a:ext uri="{28A0092B-C50C-407E-A947-70E740481C1C}">
+                <a14:useLocalDpi xmlns:a14="http://schemas.microsoft.com/office/drawing/2010/main" val="0"/>
+              </a:ext>
+            </a:extLst>
+          </a:blip>
+          <a:srcRect/>
+          <a:stretch>
+            <a:fillRect/>
+          </a:stretch>
+        </p:blipFill>
+        <p:spPr bwMode="auto">
+          <a:xfrm>
+            <a:off x="6534934" y="2563023"/>
+            <a:ext cx="192638" cy="288913"/>
+          </a:xfrm>
+          <a:prstGeom prst="rect">
+            <a:avLst/>
+          </a:prstGeom>
+          <a:noFill/>
+          <a:extLst>
+            <a:ext uri="{909E8E84-426E-40DD-AFC4-6F175D3DCCD1}">
+              <a14:hiddenFill xmlns:a14="http://schemas.microsoft.com/office/drawing/2010/main">
+                <a:solidFill>
+                  <a:srgbClr val="FFFFFF"/>
+                </a:solidFill>
+              </a14:hiddenFill>
+            </a:ext>
+          </a:extLst>
+        </p:spPr>
+      </p:pic>
+      <p:sp>
+        <p:nvSpPr>
+          <p:cNvPr id="15" name="TextBox 14">
+            <a:extLst>
+              <a:ext uri="{FF2B5EF4-FFF2-40B4-BE49-F238E27FC236}">
+                <a16:creationId xmlns:a16="http://schemas.microsoft.com/office/drawing/2014/main" id="{D0F84FF3-7E81-98C3-ABDA-68668FC3D5DE}"/>
+              </a:ext>
+            </a:extLst>
+          </p:cNvPr>
+          <p:cNvSpPr txBox="1"/>
+          <p:nvPr/>
+        </p:nvSpPr>
+        <p:spPr>
+          <a:xfrm>
+            <a:off x="6410818" y="2848282"/>
+            <a:ext cx="440870" cy="207749"/>
+          </a:xfrm>
+          <a:prstGeom prst="rect">
+            <a:avLst/>
+          </a:prstGeom>
+          <a:noFill/>
+        </p:spPr>
+        <p:txBody>
+          <a:bodyPr wrap="square" lIns="0" rIns="0" rtlCol="0">
+            <a:spAutoFit/>
+          </a:bodyPr>
+          <a:lstStyle>
+            <a:defPPr>
+              <a:defRPr lang="en-US"/>
+            </a:defPPr>
+            <a:lvl1pPr algn="ctr">
+              <a:defRPr sz="1000">
+                <a:latin typeface="Calibri" panose="020F0502020204030204" pitchFamily="34" charset="0"/>
+                <a:ea typeface="Calibri" panose="020F0502020204030204" pitchFamily="34" charset="0"/>
+                <a:cs typeface="Calibri" panose="020F0502020204030204" pitchFamily="34" charset="0"/>
+              </a:defRPr>
+            </a:lvl1pPr>
+          </a:lstStyle>
+          <a:p>
+            <a:r>
+              <a:rPr lang="en-US" sz="750" dirty="0"/>
+              <a:t>Susan</a:t>
+            </a:r>
+          </a:p>
+        </p:txBody>
+      </p:sp>
+      <p:sp>
+        <p:nvSpPr>
+          <p:cNvPr id="16" name="TextBox 15">
+            <a:extLst>
+              <a:ext uri="{FF2B5EF4-FFF2-40B4-BE49-F238E27FC236}">
+                <a16:creationId xmlns:a16="http://schemas.microsoft.com/office/drawing/2014/main" id="{E1EFB773-EB78-8E95-C1F6-5194BD4FFD8B}"/>
+              </a:ext>
+            </a:extLst>
+          </p:cNvPr>
+          <p:cNvSpPr txBox="1"/>
+          <p:nvPr/>
+        </p:nvSpPr>
+        <p:spPr>
+          <a:xfrm>
+            <a:off x="2535271" y="4381654"/>
+            <a:ext cx="567585" cy="207749"/>
+          </a:xfrm>
+          <a:prstGeom prst="rect">
+            <a:avLst/>
+          </a:prstGeom>
+          <a:noFill/>
+        </p:spPr>
+        <p:txBody>
+          <a:bodyPr wrap="square" lIns="0" rIns="0" rtlCol="0">
+            <a:spAutoFit/>
+          </a:bodyPr>
+          <a:lstStyle>
+            <a:defPPr>
+              <a:defRPr lang="en-US"/>
+            </a:defPPr>
+            <a:lvl1pPr algn="ctr">
+              <a:defRPr sz="1000">
+                <a:latin typeface="Calibri" panose="020F0502020204030204" pitchFamily="34" charset="0"/>
+                <a:ea typeface="Calibri" panose="020F0502020204030204" pitchFamily="34" charset="0"/>
+                <a:cs typeface="Calibri" panose="020F0502020204030204" pitchFamily="34" charset="0"/>
+              </a:defRPr>
+            </a:lvl1pPr>
+          </a:lstStyle>
+          <a:p>
+            <a:r>
+              <a:rPr lang="en-US" sz="750" dirty="0"/>
+              <a:t>Terraform</a:t>
+            </a:r>
+          </a:p>
+        </p:txBody>
+      </p:sp>
+      <p:pic>
+        <p:nvPicPr>
+          <p:cNvPr id="17" name="Picture 34" descr="S3 Bucket with Objects | AWS Storage">
+            <a:extLst>
+              <a:ext uri="{FF2B5EF4-FFF2-40B4-BE49-F238E27FC236}">
+                <a16:creationId xmlns:a16="http://schemas.microsoft.com/office/drawing/2014/main" id="{197EFAC9-8186-3373-1F57-478617E28996}"/>
+              </a:ext>
+            </a:extLst>
+          </p:cNvPr>
+          <p:cNvPicPr>
+            <a:picLocks noChangeAspect="1" noChangeArrowheads="1"/>
+          </p:cNvPicPr>
+          <p:nvPr/>
+        </p:nvPicPr>
+        <p:blipFill>
+          <a:blip r:embed="rId10">
+            <a:extLst>
+              <a:ext uri="{28A0092B-C50C-407E-A947-70E740481C1C}">
+                <a14:useLocalDpi xmlns:a14="http://schemas.microsoft.com/office/drawing/2010/main" val="0"/>
+              </a:ext>
+            </a:extLst>
+          </a:blip>
+          <a:srcRect/>
+          <a:stretch>
+            <a:fillRect/>
+          </a:stretch>
+        </p:blipFill>
+        <p:spPr bwMode="auto">
+          <a:xfrm>
+            <a:off x="5750907" y="3354624"/>
+            <a:ext cx="264563" cy="285260"/>
+          </a:xfrm>
+          <a:prstGeom prst="rect">
+            <a:avLst/>
+          </a:prstGeom>
+          <a:noFill/>
+          <a:extLst>
+            <a:ext uri="{909E8E84-426E-40DD-AFC4-6F175D3DCCD1}">
+              <a14:hiddenFill xmlns:a14="http://schemas.microsoft.com/office/drawing/2010/main">
+                <a:solidFill>
+                  <a:srgbClr val="FFFFFF"/>
+                </a:solidFill>
+              </a14:hiddenFill>
+            </a:ext>
+          </a:extLst>
+        </p:spPr>
+      </p:pic>
+      <p:sp>
+        <p:nvSpPr>
+          <p:cNvPr id="18" name="TextBox 17">
+            <a:extLst>
+              <a:ext uri="{FF2B5EF4-FFF2-40B4-BE49-F238E27FC236}">
+                <a16:creationId xmlns:a16="http://schemas.microsoft.com/office/drawing/2014/main" id="{B884422D-2887-5E6A-65D4-E0B0E51A68B4}"/>
+              </a:ext>
+            </a:extLst>
+          </p:cNvPr>
+          <p:cNvSpPr txBox="1"/>
+          <p:nvPr/>
+        </p:nvSpPr>
+        <p:spPr>
+          <a:xfrm>
+            <a:off x="5774900" y="3590874"/>
+            <a:ext cx="216575" cy="207749"/>
+          </a:xfrm>
+          <a:prstGeom prst="rect">
+            <a:avLst/>
+          </a:prstGeom>
+          <a:noFill/>
+        </p:spPr>
+        <p:txBody>
+          <a:bodyPr wrap="square" lIns="0" rIns="0" rtlCol="0">
+            <a:spAutoFit/>
+          </a:bodyPr>
+          <a:lstStyle>
+            <a:defPPr>
+              <a:defRPr lang="en-US"/>
+            </a:defPPr>
+            <a:lvl1pPr algn="ctr">
+              <a:defRPr sz="1000">
+                <a:latin typeface="Calibri" panose="020F0502020204030204" pitchFamily="34" charset="0"/>
+                <a:ea typeface="Calibri" panose="020F0502020204030204" pitchFamily="34" charset="0"/>
+                <a:cs typeface="Calibri" panose="020F0502020204030204" pitchFamily="34" charset="0"/>
+              </a:defRPr>
+            </a:lvl1pPr>
+          </a:lstStyle>
+          <a:p>
+            <a:r>
+              <a:rPr lang="en-US" sz="750" dirty="0"/>
+              <a:t>S3</a:t>
+            </a:r>
+          </a:p>
+        </p:txBody>
+      </p:sp>
+      <p:sp>
+        <p:nvSpPr>
+          <p:cNvPr id="19" name="TextBox 18">
+            <a:extLst>
+              <a:ext uri="{FF2B5EF4-FFF2-40B4-BE49-F238E27FC236}">
+                <a16:creationId xmlns:a16="http://schemas.microsoft.com/office/drawing/2014/main" id="{0BAF3FD2-9D6D-F604-B3E5-E391BB70AD90}"/>
+              </a:ext>
+            </a:extLst>
+          </p:cNvPr>
+          <p:cNvSpPr txBox="1"/>
+          <p:nvPr/>
+        </p:nvSpPr>
+        <p:spPr>
+          <a:xfrm>
+            <a:off x="6453009" y="2199162"/>
+            <a:ext cx="349570" cy="207749"/>
+          </a:xfrm>
+          <a:prstGeom prst="rect">
+            <a:avLst/>
+          </a:prstGeom>
+          <a:noFill/>
+        </p:spPr>
+        <p:txBody>
+          <a:bodyPr wrap="square" lIns="0" rIns="0" rtlCol="0">
+            <a:spAutoFit/>
+          </a:bodyPr>
+          <a:lstStyle>
+            <a:defPPr>
+              <a:defRPr lang="en-US"/>
+            </a:defPPr>
+            <a:lvl1pPr algn="ctr">
+              <a:defRPr sz="1000">
+                <a:latin typeface="Calibri" panose="020F0502020204030204" pitchFamily="34" charset="0"/>
+                <a:ea typeface="Calibri" panose="020F0502020204030204" pitchFamily="34" charset="0"/>
+                <a:cs typeface="Calibri" panose="020F0502020204030204" pitchFamily="34" charset="0"/>
+              </a:defRPr>
+            </a:lvl1pPr>
+          </a:lstStyle>
+          <a:p>
+            <a:r>
+              <a:rPr lang="en-US" sz="750" dirty="0"/>
+              <a:t>Email</a:t>
+            </a:r>
+          </a:p>
+        </p:txBody>
+      </p:sp>
+      <p:pic>
+        <p:nvPicPr>
+          <p:cNvPr id="20" name="Picture 32">
+            <a:extLst>
+              <a:ext uri="{FF2B5EF4-FFF2-40B4-BE49-F238E27FC236}">
+                <a16:creationId xmlns:a16="http://schemas.microsoft.com/office/drawing/2014/main" id="{1368CBA3-E214-FA5E-B34E-9AE00F39BABE}"/>
+              </a:ext>
+            </a:extLst>
+          </p:cNvPr>
+          <p:cNvPicPr>
+            <a:picLocks noChangeAspect="1" noChangeArrowheads="1"/>
+          </p:cNvPicPr>
+          <p:nvPr/>
+        </p:nvPicPr>
+        <p:blipFill>
+          <a:blip r:embed="rId11">
+            <a:extLst>
+              <a:ext uri="{28A0092B-C50C-407E-A947-70E740481C1C}">
+                <a14:useLocalDpi xmlns:a14="http://schemas.microsoft.com/office/drawing/2010/main" val="0"/>
+              </a:ext>
+            </a:extLst>
+          </a:blip>
+          <a:srcRect/>
+          <a:stretch>
+            <a:fillRect/>
+          </a:stretch>
+        </p:blipFill>
+        <p:spPr bwMode="auto">
+          <a:xfrm>
+            <a:off x="2975861" y="1218759"/>
+            <a:ext cx="264563" cy="285260"/>
+          </a:xfrm>
+          <a:prstGeom prst="rect">
+            <a:avLst/>
+          </a:prstGeom>
+          <a:noFill/>
+          <a:extLst>
+            <a:ext uri="{909E8E84-426E-40DD-AFC4-6F175D3DCCD1}">
+              <a14:hiddenFill xmlns:a14="http://schemas.microsoft.com/office/drawing/2010/main">
+                <a:solidFill>
+                  <a:srgbClr val="FFFFFF"/>
+                </a:solidFill>
+              </a14:hiddenFill>
+            </a:ext>
+          </a:extLst>
+        </p:spPr>
+      </p:pic>
+      <p:sp>
+        <p:nvSpPr>
+          <p:cNvPr id="21" name="TextBox 20">
+            <a:extLst>
+              <a:ext uri="{FF2B5EF4-FFF2-40B4-BE49-F238E27FC236}">
+                <a16:creationId xmlns:a16="http://schemas.microsoft.com/office/drawing/2014/main" id="{0D631189-4470-5DF5-2863-0BE515A60A71}"/>
+              </a:ext>
+            </a:extLst>
+          </p:cNvPr>
+          <p:cNvSpPr txBox="1"/>
+          <p:nvPr/>
+        </p:nvSpPr>
+        <p:spPr>
+          <a:xfrm>
+            <a:off x="2818298" y="1447371"/>
+            <a:ext cx="572182" cy="207749"/>
+          </a:xfrm>
+          <a:prstGeom prst="rect">
+            <a:avLst/>
+          </a:prstGeom>
+          <a:noFill/>
+        </p:spPr>
+        <p:txBody>
+          <a:bodyPr wrap="square" lIns="0" rIns="0" rtlCol="0">
+            <a:spAutoFit/>
+          </a:bodyPr>
+          <a:lstStyle>
+            <a:defPPr>
+              <a:defRPr lang="en-US"/>
+            </a:defPPr>
+            <a:lvl1pPr algn="ctr">
+              <a:defRPr sz="1000">
+                <a:latin typeface="Calibri" panose="020F0502020204030204" pitchFamily="34" charset="0"/>
+                <a:ea typeface="Calibri" panose="020F0502020204030204" pitchFamily="34" charset="0"/>
+                <a:cs typeface="Calibri" panose="020F0502020204030204" pitchFamily="34" charset="0"/>
+              </a:defRPr>
+            </a:lvl1pPr>
+          </a:lstStyle>
+          <a:p>
+            <a:r>
+              <a:rPr lang="en-US" sz="750" dirty="0"/>
+              <a:t>Power Shell</a:t>
+            </a:r>
+          </a:p>
+        </p:txBody>
+      </p:sp>
+      <p:cxnSp>
+        <p:nvCxnSpPr>
+          <p:cNvPr id="25" name="Straight Arrow Connector 24">
+            <a:extLst>
+              <a:ext uri="{FF2B5EF4-FFF2-40B4-BE49-F238E27FC236}">
+                <a16:creationId xmlns:a16="http://schemas.microsoft.com/office/drawing/2014/main" id="{B0F28AAF-3287-CA82-A01A-59C5890DB15A}"/>
+              </a:ext>
+            </a:extLst>
+          </p:cNvPr>
+          <p:cNvCxnSpPr>
+            <a:cxnSpLocks/>
+            <a:stCxn id="19" idx="2"/>
+            <a:endCxn id="14" idx="0"/>
+          </p:cNvCxnSpPr>
+          <p:nvPr/>
+        </p:nvCxnSpPr>
+        <p:spPr>
+          <a:xfrm>
+            <a:off x="6627794" y="2406911"/>
+            <a:ext cx="3459" cy="156112"/>
+          </a:xfrm>
+          <a:prstGeom prst="straightConnector1">
+            <a:avLst/>
+          </a:prstGeom>
+          <a:ln>
+            <a:tailEnd type="triangle"/>
+          </a:ln>
+        </p:spPr>
+        <p:style>
+          <a:lnRef idx="2">
+            <a:schemeClr val="accent1"/>
+          </a:lnRef>
+          <a:fillRef idx="0">
+            <a:schemeClr val="accent1"/>
+          </a:fillRef>
+          <a:effectRef idx="1">
+            <a:schemeClr val="accent1"/>
+          </a:effectRef>
+          <a:fontRef idx="minor">
+            <a:schemeClr val="tx1"/>
+          </a:fontRef>
+        </p:style>
+      </p:cxnSp>
+      <p:sp>
+        <p:nvSpPr>
+          <p:cNvPr id="26" name="Rectangle 25">
+            <a:extLst>
+              <a:ext uri="{FF2B5EF4-FFF2-40B4-BE49-F238E27FC236}">
+                <a16:creationId xmlns:a16="http://schemas.microsoft.com/office/drawing/2014/main" id="{95956997-DA49-DE4F-A464-FE76820D2795}"/>
+              </a:ext>
+            </a:extLst>
+          </p:cNvPr>
+          <p:cNvSpPr/>
+          <p:nvPr/>
+        </p:nvSpPr>
+        <p:spPr>
+          <a:xfrm>
+            <a:off x="1997530" y="914400"/>
+            <a:ext cx="1598534" cy="3675003"/>
+          </a:xfrm>
+          <a:prstGeom prst="rect">
+            <a:avLst/>
+          </a:prstGeom>
+          <a:noFill/>
+        </p:spPr>
+        <p:style>
+          <a:lnRef idx="2">
+            <a:schemeClr val="accent1">
+              <a:shade val="15000"/>
+            </a:schemeClr>
+          </a:lnRef>
+          <a:fillRef idx="1">
+            <a:schemeClr val="accent1"/>
+          </a:fillRef>
+          <a:effectRef idx="0">
+            <a:schemeClr val="accent1"/>
+          </a:effectRef>
+          <a:fontRef idx="minor">
+            <a:schemeClr val="lt1"/>
+          </a:fontRef>
+        </p:style>
+        <p:txBody>
+          <a:bodyPr rtlCol="0" anchor="t"/>
+          <a:lstStyle/>
+          <a:p>
+            <a:pPr algn="ctr"/>
+            <a:r>
+              <a:rPr lang="en-US" sz="1400" b="1" dirty="0">
+                <a:solidFill>
+                  <a:schemeClr val="tx1"/>
+                </a:solidFill>
+              </a:rPr>
+              <a:t>IDE</a:t>
+            </a:r>
+          </a:p>
+        </p:txBody>
+      </p:sp>
+      <p:cxnSp>
+        <p:nvCxnSpPr>
+          <p:cNvPr id="62" name="Straight Arrow Connector 61">
+            <a:extLst>
+              <a:ext uri="{FF2B5EF4-FFF2-40B4-BE49-F238E27FC236}">
+                <a16:creationId xmlns:a16="http://schemas.microsoft.com/office/drawing/2014/main" id="{8BEC7E3D-C82B-5C4B-6033-5A3FFFEBFE4C}"/>
+              </a:ext>
+            </a:extLst>
+          </p:cNvPr>
+          <p:cNvCxnSpPr>
+            <a:cxnSpLocks/>
+            <a:stCxn id="11" idx="3"/>
+            <a:endCxn id="6" idx="1"/>
+          </p:cNvCxnSpPr>
+          <p:nvPr/>
+        </p:nvCxnSpPr>
+        <p:spPr>
+          <a:xfrm>
+            <a:off x="2948569" y="3496554"/>
+            <a:ext cx="844970" cy="57"/>
+          </a:xfrm>
+          <a:prstGeom prst="straightConnector1">
+            <a:avLst/>
+          </a:prstGeom>
+          <a:ln>
+            <a:tailEnd type="triangle"/>
+          </a:ln>
+        </p:spPr>
+        <p:style>
+          <a:lnRef idx="2">
+            <a:schemeClr val="accent1"/>
+          </a:lnRef>
+          <a:fillRef idx="0">
+            <a:schemeClr val="accent1"/>
+          </a:fillRef>
+          <a:effectRef idx="1">
+            <a:schemeClr val="accent1"/>
+          </a:effectRef>
+          <a:fontRef idx="minor">
+            <a:schemeClr val="tx1"/>
+          </a:fontRef>
+        </p:style>
+      </p:cxnSp>
+      <p:cxnSp>
+        <p:nvCxnSpPr>
+          <p:cNvPr id="65" name="Straight Arrow Connector 64">
+            <a:extLst>
+              <a:ext uri="{FF2B5EF4-FFF2-40B4-BE49-F238E27FC236}">
+                <a16:creationId xmlns:a16="http://schemas.microsoft.com/office/drawing/2014/main" id="{62BB4800-E42C-E69A-9443-AABBF61F7877}"/>
+              </a:ext>
+            </a:extLst>
+          </p:cNvPr>
+          <p:cNvCxnSpPr>
+            <a:cxnSpLocks/>
+            <a:stCxn id="6" idx="3"/>
+            <a:endCxn id="4" idx="1"/>
+          </p:cNvCxnSpPr>
+          <p:nvPr/>
+        </p:nvCxnSpPr>
+        <p:spPr>
+          <a:xfrm flipV="1">
+            <a:off x="4058102" y="3496554"/>
+            <a:ext cx="473188" cy="57"/>
+          </a:xfrm>
+          <a:prstGeom prst="straightConnector1">
+            <a:avLst/>
+          </a:prstGeom>
+          <a:ln>
+            <a:tailEnd type="triangle"/>
+          </a:ln>
+        </p:spPr>
+        <p:style>
+          <a:lnRef idx="2">
+            <a:schemeClr val="accent1"/>
+          </a:lnRef>
+          <a:fillRef idx="0">
+            <a:schemeClr val="accent1"/>
+          </a:fillRef>
+          <a:effectRef idx="1">
+            <a:schemeClr val="accent1"/>
+          </a:effectRef>
+          <a:fontRef idx="minor">
+            <a:schemeClr val="tx1"/>
+          </a:fontRef>
+        </p:style>
+      </p:cxnSp>
+      <p:cxnSp>
+        <p:nvCxnSpPr>
+          <p:cNvPr id="68" name="Straight Arrow Connector 67">
+            <a:extLst>
+              <a:ext uri="{FF2B5EF4-FFF2-40B4-BE49-F238E27FC236}">
+                <a16:creationId xmlns:a16="http://schemas.microsoft.com/office/drawing/2014/main" id="{1E3A9AF8-84C5-86CC-7748-F9AC0759E589}"/>
+              </a:ext>
+            </a:extLst>
+          </p:cNvPr>
+          <p:cNvCxnSpPr>
+            <a:cxnSpLocks/>
+            <a:stCxn id="4" idx="3"/>
+            <a:endCxn id="17" idx="1"/>
+          </p:cNvCxnSpPr>
+          <p:nvPr/>
+        </p:nvCxnSpPr>
+        <p:spPr>
+          <a:xfrm>
+            <a:off x="4795524" y="3496554"/>
+            <a:ext cx="955383" cy="700"/>
+          </a:xfrm>
+          <a:prstGeom prst="straightConnector1">
+            <a:avLst/>
+          </a:prstGeom>
+          <a:ln>
+            <a:tailEnd type="triangle"/>
+          </a:ln>
+        </p:spPr>
+        <p:style>
+          <a:lnRef idx="2">
+            <a:schemeClr val="accent1"/>
+          </a:lnRef>
+          <a:fillRef idx="0">
+            <a:schemeClr val="accent1"/>
+          </a:fillRef>
+          <a:effectRef idx="1">
+            <a:schemeClr val="accent1"/>
+          </a:effectRef>
+          <a:fontRef idx="minor">
+            <a:schemeClr val="tx1"/>
+          </a:fontRef>
+        </p:style>
+      </p:cxnSp>
+      <p:sp>
+        <p:nvSpPr>
+          <p:cNvPr id="71" name="TextBox 70">
+            <a:extLst>
+              <a:ext uri="{FF2B5EF4-FFF2-40B4-BE49-F238E27FC236}">
+                <a16:creationId xmlns:a16="http://schemas.microsoft.com/office/drawing/2014/main" id="{1DD1AB19-35E8-5671-AFF4-4B32DF988D31}"/>
+              </a:ext>
+            </a:extLst>
+          </p:cNvPr>
+          <p:cNvSpPr txBox="1"/>
+          <p:nvPr/>
+        </p:nvSpPr>
+        <p:spPr>
+          <a:xfrm>
+            <a:off x="2249145" y="2249619"/>
+            <a:ext cx="396719" cy="207749"/>
+          </a:xfrm>
+          <a:prstGeom prst="rect">
+            <a:avLst/>
+          </a:prstGeom>
+          <a:noFill/>
+        </p:spPr>
+        <p:txBody>
+          <a:bodyPr wrap="square" lIns="0" rIns="0" rtlCol="0">
+            <a:spAutoFit/>
+          </a:bodyPr>
+          <a:lstStyle>
+            <a:defPPr>
+              <a:defRPr lang="en-US"/>
+            </a:defPPr>
+            <a:lvl1pPr algn="ctr">
+              <a:defRPr sz="1000">
+                <a:latin typeface="Calibri" panose="020F0502020204030204" pitchFamily="34" charset="0"/>
+                <a:ea typeface="Calibri" panose="020F0502020204030204" pitchFamily="34" charset="0"/>
+                <a:cs typeface="Calibri" panose="020F0502020204030204" pitchFamily="34" charset="0"/>
+              </a:defRPr>
+            </a:lvl1pPr>
+          </a:lstStyle>
+          <a:p>
+            <a:r>
+              <a:rPr lang="en-US" sz="750" dirty="0"/>
+              <a:t>HTML</a:t>
+            </a:r>
+          </a:p>
+        </p:txBody>
+      </p:sp>
+      <p:pic>
+        <p:nvPicPr>
+          <p:cNvPr id="72" name="Picture 6" descr="HTML icon SVG Vector &amp; PNG Free Download | UXWing">
+            <a:extLst>
+              <a:ext uri="{FF2B5EF4-FFF2-40B4-BE49-F238E27FC236}">
+                <a16:creationId xmlns:a16="http://schemas.microsoft.com/office/drawing/2014/main" id="{9705144A-8C67-C120-2AF6-E572DE48689F}"/>
+              </a:ext>
+            </a:extLst>
+          </p:cNvPr>
+          <p:cNvPicPr>
+            <a:picLocks noChangeAspect="1" noChangeArrowheads="1"/>
+          </p:cNvPicPr>
+          <p:nvPr/>
+        </p:nvPicPr>
+        <p:blipFill>
+          <a:blip r:embed="rId12">
+            <a:extLst>
+              <a:ext uri="{28A0092B-C50C-407E-A947-70E740481C1C}">
+                <a14:useLocalDpi xmlns:a14="http://schemas.microsoft.com/office/drawing/2010/main" val="0"/>
+              </a:ext>
+            </a:extLst>
+          </a:blip>
+          <a:srcRect/>
+          <a:stretch>
+            <a:fillRect/>
+          </a:stretch>
+        </p:blipFill>
+        <p:spPr bwMode="auto">
+          <a:xfrm>
+            <a:off x="2309558" y="1995939"/>
+            <a:ext cx="264563" cy="285259"/>
+          </a:xfrm>
+          <a:prstGeom prst="rect">
+            <a:avLst/>
+          </a:prstGeom>
+          <a:noFill/>
+          <a:extLst>
+            <a:ext uri="{909E8E84-426E-40DD-AFC4-6F175D3DCCD1}">
+              <a14:hiddenFill xmlns:a14="http://schemas.microsoft.com/office/drawing/2010/main">
+                <a:solidFill>
+                  <a:srgbClr val="FFFFFF"/>
+                </a:solidFill>
+              </a14:hiddenFill>
+            </a:ext>
+          </a:extLst>
+        </p:spPr>
+      </p:pic>
+      <p:sp>
+        <p:nvSpPr>
+          <p:cNvPr id="73" name="TextBox 72">
+            <a:extLst>
+              <a:ext uri="{FF2B5EF4-FFF2-40B4-BE49-F238E27FC236}">
+                <a16:creationId xmlns:a16="http://schemas.microsoft.com/office/drawing/2014/main" id="{ECBFFD65-F45F-2564-0854-D135A92CF7E9}"/>
+              </a:ext>
+            </a:extLst>
+          </p:cNvPr>
+          <p:cNvSpPr txBox="1"/>
+          <p:nvPr/>
+        </p:nvSpPr>
+        <p:spPr>
+          <a:xfrm>
+            <a:off x="2576225" y="2244736"/>
+            <a:ext cx="396719" cy="207749"/>
+          </a:xfrm>
+          <a:prstGeom prst="rect">
+            <a:avLst/>
+          </a:prstGeom>
+          <a:noFill/>
+        </p:spPr>
+        <p:txBody>
+          <a:bodyPr wrap="square" lIns="0" rIns="0" rtlCol="0">
+            <a:spAutoFit/>
+          </a:bodyPr>
+          <a:lstStyle>
+            <a:defPPr>
+              <a:defRPr lang="en-US"/>
+            </a:defPPr>
+            <a:lvl1pPr algn="ctr">
+              <a:defRPr sz="1000">
+                <a:latin typeface="Calibri" panose="020F0502020204030204" pitchFamily="34" charset="0"/>
+                <a:ea typeface="Calibri" panose="020F0502020204030204" pitchFamily="34" charset="0"/>
+                <a:cs typeface="Calibri" panose="020F0502020204030204" pitchFamily="34" charset="0"/>
+              </a:defRPr>
+            </a:lvl1pPr>
+          </a:lstStyle>
+          <a:p>
+            <a:r>
+              <a:rPr lang="en-US" sz="750" dirty="0"/>
+              <a:t>CSS</a:t>
+            </a:r>
+          </a:p>
+        </p:txBody>
+      </p:sp>
+      <p:pic>
+        <p:nvPicPr>
+          <p:cNvPr id="74" name="Picture 73">
+            <a:extLst>
+              <a:ext uri="{FF2B5EF4-FFF2-40B4-BE49-F238E27FC236}">
+                <a16:creationId xmlns:a16="http://schemas.microsoft.com/office/drawing/2014/main" id="{FEB84922-0A5E-387A-E90F-0C632C646220}"/>
+              </a:ext>
+            </a:extLst>
+          </p:cNvPr>
+          <p:cNvPicPr>
+            <a:picLocks noChangeAspect="1"/>
+          </p:cNvPicPr>
+          <p:nvPr/>
+        </p:nvPicPr>
+        <p:blipFill>
+          <a:blip r:embed="rId13"/>
+          <a:srcRect l="18850" t="3641" r="18850" b="5899"/>
+          <a:stretch>
+            <a:fillRect/>
+          </a:stretch>
+        </p:blipFill>
+        <p:spPr>
+          <a:xfrm>
+            <a:off x="2638531" y="1995938"/>
+            <a:ext cx="272105" cy="285260"/>
+          </a:xfrm>
+          <a:prstGeom prst="rect">
+            <a:avLst/>
+          </a:prstGeom>
+        </p:spPr>
+      </p:pic>
+      <p:sp>
+        <p:nvSpPr>
+          <p:cNvPr id="75" name="TextBox 74">
+            <a:extLst>
+              <a:ext uri="{FF2B5EF4-FFF2-40B4-BE49-F238E27FC236}">
+                <a16:creationId xmlns:a16="http://schemas.microsoft.com/office/drawing/2014/main" id="{ECCF60EA-B262-87C4-1150-D43C1822F9B9}"/>
+              </a:ext>
+            </a:extLst>
+          </p:cNvPr>
+          <p:cNvSpPr txBox="1"/>
+          <p:nvPr/>
+        </p:nvSpPr>
+        <p:spPr>
+          <a:xfrm>
+            <a:off x="2905196" y="2244735"/>
+            <a:ext cx="396719" cy="207749"/>
+          </a:xfrm>
+          <a:prstGeom prst="rect">
+            <a:avLst/>
+          </a:prstGeom>
+          <a:noFill/>
+        </p:spPr>
+        <p:txBody>
+          <a:bodyPr wrap="square" lIns="0" rIns="0" rtlCol="0">
+            <a:spAutoFit/>
+          </a:bodyPr>
+          <a:lstStyle>
+            <a:defPPr>
+              <a:defRPr lang="en-US"/>
+            </a:defPPr>
+            <a:lvl1pPr algn="ctr">
+              <a:defRPr sz="1000">
+                <a:latin typeface="Calibri" panose="020F0502020204030204" pitchFamily="34" charset="0"/>
+                <a:ea typeface="Calibri" panose="020F0502020204030204" pitchFamily="34" charset="0"/>
+                <a:cs typeface="Calibri" panose="020F0502020204030204" pitchFamily="34" charset="0"/>
+              </a:defRPr>
+            </a:lvl1pPr>
+          </a:lstStyle>
+          <a:p>
+            <a:r>
+              <a:rPr lang="en-US" sz="750" dirty="0"/>
+              <a:t>JavaScript</a:t>
+            </a:r>
+          </a:p>
+        </p:txBody>
+      </p:sp>
+      <p:pic>
+        <p:nvPicPr>
+          <p:cNvPr id="76" name="Picture 10" descr="Javascript Training Courses | XChange Training">
+            <a:extLst>
+              <a:ext uri="{FF2B5EF4-FFF2-40B4-BE49-F238E27FC236}">
+                <a16:creationId xmlns:a16="http://schemas.microsoft.com/office/drawing/2014/main" id="{3588310A-BCF1-CF09-8969-FFB34E7BAA0C}"/>
+              </a:ext>
+            </a:extLst>
+          </p:cNvPr>
+          <p:cNvPicPr>
+            <a:picLocks noChangeAspect="1" noChangeArrowheads="1"/>
+          </p:cNvPicPr>
+          <p:nvPr/>
+        </p:nvPicPr>
+        <p:blipFill>
+          <a:blip r:embed="rId14">
+            <a:extLst>
+              <a:ext uri="{28A0092B-C50C-407E-A947-70E740481C1C}">
+                <a14:useLocalDpi xmlns:a14="http://schemas.microsoft.com/office/drawing/2010/main" val="0"/>
+              </a:ext>
+            </a:extLst>
+          </a:blip>
+          <a:srcRect/>
+          <a:stretch>
+            <a:fillRect/>
+          </a:stretch>
+        </p:blipFill>
+        <p:spPr bwMode="auto">
+          <a:xfrm>
+            <a:off x="2967504" y="2003132"/>
+            <a:ext cx="259654" cy="287440"/>
+          </a:xfrm>
+          <a:prstGeom prst="rect">
+            <a:avLst/>
+          </a:prstGeom>
+          <a:noFill/>
+          <a:extLst>
+            <a:ext uri="{909E8E84-426E-40DD-AFC4-6F175D3DCCD1}">
+              <a14:hiddenFill xmlns:a14="http://schemas.microsoft.com/office/drawing/2010/main">
+                <a:solidFill>
+                  <a:srgbClr val="FFFFFF"/>
+                </a:solidFill>
+              </a14:hiddenFill>
+            </a:ext>
+          </a:extLst>
+        </p:spPr>
+      </p:pic>
+      <p:sp>
+        <p:nvSpPr>
+          <p:cNvPr id="77" name="Rectangle 76">
+            <a:extLst>
+              <a:ext uri="{FF2B5EF4-FFF2-40B4-BE49-F238E27FC236}">
+                <a16:creationId xmlns:a16="http://schemas.microsoft.com/office/drawing/2014/main" id="{CD15FA11-8EA6-14BB-559A-76455FF4F767}"/>
+              </a:ext>
+            </a:extLst>
+          </p:cNvPr>
+          <p:cNvSpPr/>
+          <p:nvPr/>
+        </p:nvSpPr>
+        <p:spPr>
+          <a:xfrm>
+            <a:off x="2187330" y="1738368"/>
+            <a:ext cx="1219586" cy="1157232"/>
+          </a:xfrm>
+          <a:prstGeom prst="rect">
+            <a:avLst/>
+          </a:prstGeom>
+          <a:noFill/>
+          <a:ln w="9525">
+            <a:prstDash val="dash"/>
+          </a:ln>
+        </p:spPr>
+        <p:style>
+          <a:lnRef idx="2">
+            <a:schemeClr val="accent1">
+              <a:shade val="15000"/>
+            </a:schemeClr>
+          </a:lnRef>
+          <a:fillRef idx="1">
+            <a:schemeClr val="accent1"/>
+          </a:fillRef>
+          <a:effectRef idx="0">
+            <a:schemeClr val="accent1"/>
+          </a:effectRef>
+          <a:fontRef idx="minor">
+            <a:schemeClr val="lt1"/>
+          </a:fontRef>
+        </p:style>
+        <p:txBody>
+          <a:bodyPr rtlCol="0" anchor="t"/>
+          <a:lstStyle/>
+          <a:p>
+            <a:pPr algn="ctr"/>
+            <a:r>
+              <a:rPr lang="en-US" sz="900" b="1" i="1" dirty="0">
+                <a:solidFill>
+                  <a:schemeClr val="tx1"/>
+                </a:solidFill>
+              </a:rPr>
+              <a:t>Single Page App</a:t>
+            </a:r>
+          </a:p>
+        </p:txBody>
+      </p:sp>
+      <p:cxnSp>
+        <p:nvCxnSpPr>
+          <p:cNvPr id="78" name="Straight Arrow Connector 77">
+            <a:extLst>
+              <a:ext uri="{FF2B5EF4-FFF2-40B4-BE49-F238E27FC236}">
+                <a16:creationId xmlns:a16="http://schemas.microsoft.com/office/drawing/2014/main" id="{EF282474-3105-B131-6868-95421F8A92B9}"/>
+              </a:ext>
+            </a:extLst>
+          </p:cNvPr>
+          <p:cNvCxnSpPr>
+            <a:cxnSpLocks/>
+            <a:stCxn id="26" idx="3"/>
+            <a:endCxn id="6" idx="0"/>
+          </p:cNvCxnSpPr>
+          <p:nvPr/>
+        </p:nvCxnSpPr>
+        <p:spPr>
+          <a:xfrm>
+            <a:off x="3596064" y="2751902"/>
+            <a:ext cx="329757" cy="602022"/>
+          </a:xfrm>
+          <a:prstGeom prst="bentConnector2">
+            <a:avLst/>
+          </a:prstGeom>
+          <a:ln>
+            <a:tailEnd type="triangle"/>
+          </a:ln>
+        </p:spPr>
+        <p:style>
+          <a:lnRef idx="2">
+            <a:schemeClr val="accent1"/>
+          </a:lnRef>
+          <a:fillRef idx="0">
+            <a:schemeClr val="accent1"/>
+          </a:fillRef>
+          <a:effectRef idx="1">
+            <a:schemeClr val="accent1"/>
+          </a:effectRef>
+          <a:fontRef idx="minor">
+            <a:schemeClr val="tx1"/>
+          </a:fontRef>
+        </p:style>
+      </p:cxnSp>
+      <p:sp>
+        <p:nvSpPr>
+          <p:cNvPr id="85" name="Rectangle 84">
+            <a:extLst>
+              <a:ext uri="{FF2B5EF4-FFF2-40B4-BE49-F238E27FC236}">
+                <a16:creationId xmlns:a16="http://schemas.microsoft.com/office/drawing/2014/main" id="{EA7FACCC-0AD8-AF2C-7255-91FA53B1FFBA}"/>
+              </a:ext>
+            </a:extLst>
+          </p:cNvPr>
+          <p:cNvSpPr/>
+          <p:nvPr/>
+        </p:nvSpPr>
+        <p:spPr>
+          <a:xfrm>
+            <a:off x="2368653" y="2993881"/>
+            <a:ext cx="3901868" cy="995172"/>
+          </a:xfrm>
+          <a:prstGeom prst="rect">
+            <a:avLst/>
+          </a:prstGeom>
+          <a:noFill/>
+        </p:spPr>
+        <p:style>
+          <a:lnRef idx="2">
+            <a:schemeClr val="accent1">
+              <a:shade val="15000"/>
+            </a:schemeClr>
+          </a:lnRef>
+          <a:fillRef idx="1">
+            <a:schemeClr val="accent1"/>
+          </a:fillRef>
+          <a:effectRef idx="0">
+            <a:schemeClr val="accent1"/>
+          </a:effectRef>
+          <a:fontRef idx="minor">
+            <a:schemeClr val="lt1"/>
+          </a:fontRef>
+        </p:style>
+        <p:txBody>
+          <a:bodyPr rtlCol="0" anchor="t"/>
+          <a:lstStyle/>
+          <a:p>
+            <a:pPr algn="ctr"/>
+            <a:r>
+              <a:rPr lang="en-US" sz="1400" b="1" dirty="0">
+                <a:solidFill>
+                  <a:schemeClr val="tx1"/>
+                </a:solidFill>
+              </a:rPr>
+              <a:t>Deploy</a:t>
+            </a:r>
+          </a:p>
+        </p:txBody>
+      </p:sp>
+      <p:sp>
+        <p:nvSpPr>
+          <p:cNvPr id="86" name="Rectangle 85">
+            <a:extLst>
+              <a:ext uri="{FF2B5EF4-FFF2-40B4-BE49-F238E27FC236}">
+                <a16:creationId xmlns:a16="http://schemas.microsoft.com/office/drawing/2014/main" id="{8220D043-A28F-2EBE-4CF4-7500EF527577}"/>
+              </a:ext>
+            </a:extLst>
+          </p:cNvPr>
+          <p:cNvSpPr/>
+          <p:nvPr/>
+        </p:nvSpPr>
+        <p:spPr>
+          <a:xfrm>
+            <a:off x="5547937" y="3217803"/>
+            <a:ext cx="642049" cy="1142639"/>
+          </a:xfrm>
+          <a:prstGeom prst="rect">
+            <a:avLst/>
+          </a:prstGeom>
+          <a:noFill/>
+        </p:spPr>
+        <p:style>
+          <a:lnRef idx="2">
+            <a:schemeClr val="accent1">
+              <a:shade val="15000"/>
+            </a:schemeClr>
+          </a:lnRef>
+          <a:fillRef idx="1">
+            <a:schemeClr val="accent1"/>
+          </a:fillRef>
+          <a:effectRef idx="0">
+            <a:schemeClr val="accent1"/>
+          </a:effectRef>
+          <a:fontRef idx="minor">
+            <a:schemeClr val="lt1"/>
+          </a:fontRef>
+        </p:style>
+        <p:txBody>
+          <a:bodyPr rtlCol="0" anchor="b"/>
+          <a:lstStyle/>
+          <a:p>
+            <a:pPr algn="ctr"/>
+            <a:r>
+              <a:rPr lang="en-US" sz="1400" b="1" dirty="0">
+                <a:solidFill>
+                  <a:schemeClr val="tx1"/>
+                </a:solidFill>
+              </a:rPr>
+              <a:t>IAC</a:t>
+            </a:r>
+          </a:p>
+        </p:txBody>
+      </p:sp>
+      <p:cxnSp>
+        <p:nvCxnSpPr>
+          <p:cNvPr id="87" name="Straight Arrow Connector 86">
+            <a:extLst>
+              <a:ext uri="{FF2B5EF4-FFF2-40B4-BE49-F238E27FC236}">
+                <a16:creationId xmlns:a16="http://schemas.microsoft.com/office/drawing/2014/main" id="{49207982-1042-17B2-2735-AF4881D6C0F6}"/>
+              </a:ext>
+            </a:extLst>
+          </p:cNvPr>
+          <p:cNvCxnSpPr>
+            <a:cxnSpLocks/>
+            <a:stCxn id="17" idx="3"/>
+            <a:endCxn id="99" idx="1"/>
+          </p:cNvCxnSpPr>
+          <p:nvPr/>
+        </p:nvCxnSpPr>
+        <p:spPr>
+          <a:xfrm flipV="1">
+            <a:off x="6015470" y="3496554"/>
+            <a:ext cx="482014" cy="700"/>
+          </a:xfrm>
+          <a:prstGeom prst="straightConnector1">
+            <a:avLst/>
+          </a:prstGeom>
+          <a:ln>
+            <a:tailEnd type="triangle"/>
+          </a:ln>
+        </p:spPr>
+        <p:style>
+          <a:lnRef idx="2">
+            <a:schemeClr val="accent1"/>
+          </a:lnRef>
+          <a:fillRef idx="0">
+            <a:schemeClr val="accent1"/>
+          </a:fillRef>
+          <a:effectRef idx="1">
+            <a:schemeClr val="accent1"/>
+          </a:effectRef>
+          <a:fontRef idx="minor">
+            <a:schemeClr val="tx1"/>
+          </a:fontRef>
+        </p:style>
+      </p:cxnSp>
+      <p:cxnSp>
+        <p:nvCxnSpPr>
+          <p:cNvPr id="92" name="Straight Arrow Connector 91">
+            <a:extLst>
+              <a:ext uri="{FF2B5EF4-FFF2-40B4-BE49-F238E27FC236}">
+                <a16:creationId xmlns:a16="http://schemas.microsoft.com/office/drawing/2014/main" id="{725B1F96-D471-9C96-2D0D-6685D94E8186}"/>
+              </a:ext>
+            </a:extLst>
+          </p:cNvPr>
+          <p:cNvCxnSpPr>
+            <a:cxnSpLocks/>
+            <a:stCxn id="10" idx="3"/>
+          </p:cNvCxnSpPr>
+          <p:nvPr/>
+        </p:nvCxnSpPr>
+        <p:spPr>
+          <a:xfrm>
+            <a:off x="2948607" y="4204569"/>
+            <a:ext cx="2599330" cy="12035"/>
+          </a:xfrm>
+          <a:prstGeom prst="straightConnector1">
+            <a:avLst/>
+          </a:prstGeom>
+          <a:ln>
+            <a:tailEnd type="triangle"/>
+          </a:ln>
+        </p:spPr>
+        <p:style>
+          <a:lnRef idx="2">
+            <a:schemeClr val="accent1"/>
+          </a:lnRef>
+          <a:fillRef idx="0">
+            <a:schemeClr val="accent1"/>
+          </a:fillRef>
+          <a:effectRef idx="1">
+            <a:schemeClr val="accent1"/>
+          </a:effectRef>
+          <a:fontRef idx="minor">
+            <a:schemeClr val="tx1"/>
+          </a:fontRef>
+        </p:style>
+      </p:cxnSp>
+      <p:pic>
+        <p:nvPicPr>
+          <p:cNvPr id="95" name="Picture 12" descr="CryptoJS · GitHub">
+            <a:extLst>
+              <a:ext uri="{FF2B5EF4-FFF2-40B4-BE49-F238E27FC236}">
+                <a16:creationId xmlns:a16="http://schemas.microsoft.com/office/drawing/2014/main" id="{C95E69F1-E00C-0E14-B9A6-4460A7305DCC}"/>
+              </a:ext>
+            </a:extLst>
+          </p:cNvPr>
+          <p:cNvPicPr>
+            <a:picLocks noChangeAspect="1" noChangeArrowheads="1"/>
+          </p:cNvPicPr>
+          <p:nvPr/>
+        </p:nvPicPr>
+        <p:blipFill>
+          <a:blip r:embed="rId15">
+            <a:extLst>
+              <a:ext uri="{28A0092B-C50C-407E-A947-70E740481C1C}">
+                <a14:useLocalDpi xmlns:a14="http://schemas.microsoft.com/office/drawing/2010/main" val="0"/>
+              </a:ext>
+            </a:extLst>
+          </a:blip>
+          <a:srcRect/>
+          <a:stretch>
+            <a:fillRect/>
+          </a:stretch>
+        </p:blipFill>
+        <p:spPr bwMode="auto">
+          <a:xfrm>
+            <a:off x="2637945" y="2446248"/>
+            <a:ext cx="285260" cy="285260"/>
+          </a:xfrm>
+          <a:prstGeom prst="rect">
+            <a:avLst/>
+          </a:prstGeom>
+          <a:noFill/>
+          <a:extLst>
+            <a:ext uri="{909E8E84-426E-40DD-AFC4-6F175D3DCCD1}">
+              <a14:hiddenFill xmlns:a14="http://schemas.microsoft.com/office/drawing/2010/main">
+                <a:solidFill>
+                  <a:srgbClr val="FFFFFF"/>
+                </a:solidFill>
+              </a14:hiddenFill>
+            </a:ext>
+          </a:extLst>
+        </p:spPr>
+      </p:pic>
+      <p:sp>
+        <p:nvSpPr>
+          <p:cNvPr id="96" name="TextBox 95">
+            <a:extLst>
+              <a:ext uri="{FF2B5EF4-FFF2-40B4-BE49-F238E27FC236}">
+                <a16:creationId xmlns:a16="http://schemas.microsoft.com/office/drawing/2014/main" id="{DE93BF32-FD47-2693-4318-0C5CF44E0499}"/>
+              </a:ext>
+            </a:extLst>
+          </p:cNvPr>
+          <p:cNvSpPr txBox="1"/>
+          <p:nvPr/>
+        </p:nvSpPr>
+        <p:spPr>
+          <a:xfrm>
+            <a:off x="2595356" y="2687851"/>
+            <a:ext cx="396719" cy="207749"/>
+          </a:xfrm>
+          <a:prstGeom prst="rect">
+            <a:avLst/>
+          </a:prstGeom>
+          <a:noFill/>
+        </p:spPr>
+        <p:txBody>
+          <a:bodyPr wrap="square" lIns="0" rIns="0" rtlCol="0">
+            <a:spAutoFit/>
+          </a:bodyPr>
+          <a:lstStyle>
+            <a:defPPr>
+              <a:defRPr lang="en-US"/>
+            </a:defPPr>
+            <a:lvl1pPr algn="ctr">
+              <a:defRPr sz="1000">
+                <a:latin typeface="Calibri" panose="020F0502020204030204" pitchFamily="34" charset="0"/>
+                <a:ea typeface="Calibri" panose="020F0502020204030204" pitchFamily="34" charset="0"/>
+                <a:cs typeface="Calibri" panose="020F0502020204030204" pitchFamily="34" charset="0"/>
+              </a:defRPr>
+            </a:lvl1pPr>
+          </a:lstStyle>
+          <a:p>
+            <a:r>
+              <a:rPr lang="en-US" sz="750" dirty="0"/>
+              <a:t>CryptoJS</a:t>
+            </a:r>
+          </a:p>
+        </p:txBody>
+      </p:sp>
+      <p:pic>
+        <p:nvPicPr>
+          <p:cNvPr id="99" name="Picture 14" descr="TinyURL - Desktop App for Mac, Windows (PC) - WebCatalog">
+            <a:extLst>
+              <a:ext uri="{FF2B5EF4-FFF2-40B4-BE49-F238E27FC236}">
+                <a16:creationId xmlns:a16="http://schemas.microsoft.com/office/drawing/2014/main" id="{755F2E32-D4FC-5AEB-A06B-23A90A7D3A22}"/>
+              </a:ext>
+            </a:extLst>
+          </p:cNvPr>
+          <p:cNvPicPr>
+            <a:picLocks noChangeAspect="1" noChangeArrowheads="1"/>
+          </p:cNvPicPr>
+          <p:nvPr/>
+        </p:nvPicPr>
+        <p:blipFill rotWithShape="1">
+          <a:blip r:embed="rId16">
+            <a:extLst>
+              <a:ext uri="{28A0092B-C50C-407E-A947-70E740481C1C}">
+                <a14:useLocalDpi xmlns:a14="http://schemas.microsoft.com/office/drawing/2010/main" val="0"/>
+              </a:ext>
+            </a:extLst>
+          </a:blip>
+          <a:srcRect/>
+          <a:stretch>
+            <a:fillRect/>
+          </a:stretch>
+        </p:blipFill>
+        <p:spPr bwMode="auto">
+          <a:xfrm>
+            <a:off x="6497484" y="3366773"/>
+            <a:ext cx="257633" cy="259562"/>
+          </a:xfrm>
+          <a:prstGeom prst="rect">
+            <a:avLst/>
+          </a:prstGeom>
+          <a:noFill/>
+          <a:extLst>
+            <a:ext uri="{909E8E84-426E-40DD-AFC4-6F175D3DCCD1}">
+              <a14:hiddenFill xmlns:a14="http://schemas.microsoft.com/office/drawing/2010/main">
+                <a:solidFill>
+                  <a:srgbClr val="FFFFFF"/>
+                </a:solidFill>
+              </a14:hiddenFill>
+            </a:ext>
+          </a:extLst>
+        </p:spPr>
+      </p:pic>
+      <p:sp>
+        <p:nvSpPr>
+          <p:cNvPr id="100" name="TextBox 99">
+            <a:extLst>
+              <a:ext uri="{FF2B5EF4-FFF2-40B4-BE49-F238E27FC236}">
+                <a16:creationId xmlns:a16="http://schemas.microsoft.com/office/drawing/2014/main" id="{7871B925-C8F3-07B6-F776-86A51EB8D7E1}"/>
+              </a:ext>
+            </a:extLst>
+          </p:cNvPr>
+          <p:cNvSpPr txBox="1"/>
+          <p:nvPr/>
+        </p:nvSpPr>
+        <p:spPr>
+          <a:xfrm>
+            <a:off x="6398118" y="3590559"/>
+            <a:ext cx="396719" cy="207749"/>
+          </a:xfrm>
+          <a:prstGeom prst="rect">
+            <a:avLst/>
+          </a:prstGeom>
+          <a:noFill/>
+        </p:spPr>
+        <p:txBody>
+          <a:bodyPr wrap="square" lIns="0" rIns="0" rtlCol="0">
+            <a:spAutoFit/>
+          </a:bodyPr>
+          <a:lstStyle>
+            <a:defPPr>
+              <a:defRPr lang="en-US"/>
+            </a:defPPr>
+            <a:lvl1pPr algn="ctr">
+              <a:defRPr sz="1000">
+                <a:latin typeface="Calibri" panose="020F0502020204030204" pitchFamily="34" charset="0"/>
+                <a:ea typeface="Calibri" panose="020F0502020204030204" pitchFamily="34" charset="0"/>
+                <a:cs typeface="Calibri" panose="020F0502020204030204" pitchFamily="34" charset="0"/>
+              </a:defRPr>
+            </a:lvl1pPr>
+          </a:lstStyle>
+          <a:p>
+            <a:r>
+              <a:rPr lang="en-US" sz="750" dirty="0"/>
+              <a:t>TinyURL</a:t>
+            </a:r>
+          </a:p>
+        </p:txBody>
+      </p:sp>
+      <p:cxnSp>
+        <p:nvCxnSpPr>
+          <p:cNvPr id="103" name="Straight Arrow Connector 102">
+            <a:extLst>
+              <a:ext uri="{FF2B5EF4-FFF2-40B4-BE49-F238E27FC236}">
+                <a16:creationId xmlns:a16="http://schemas.microsoft.com/office/drawing/2014/main" id="{9AEDB70B-8E00-25D2-59C3-FEC056A18AFF}"/>
+              </a:ext>
+            </a:extLst>
+          </p:cNvPr>
+          <p:cNvCxnSpPr>
+            <a:cxnSpLocks/>
+            <a:stCxn id="15" idx="2"/>
+            <a:endCxn id="99" idx="0"/>
+          </p:cNvCxnSpPr>
+          <p:nvPr/>
+        </p:nvCxnSpPr>
+        <p:spPr>
+          <a:xfrm flipH="1">
+            <a:off x="6626301" y="3003695"/>
+            <a:ext cx="4952" cy="363078"/>
+          </a:xfrm>
+          <a:prstGeom prst="straightConnector1">
+            <a:avLst/>
+          </a:prstGeom>
+          <a:ln>
+            <a:tailEnd type="triangle"/>
+          </a:ln>
+        </p:spPr>
+        <p:style>
+          <a:lnRef idx="2">
+            <a:schemeClr val="accent1"/>
+          </a:lnRef>
+          <a:fillRef idx="0">
+            <a:schemeClr val="accent1"/>
+          </a:fillRef>
+          <a:effectRef idx="1">
+            <a:schemeClr val="accent1"/>
+          </a:effectRef>
+          <a:fontRef idx="minor">
+            <a:schemeClr val="tx1"/>
+          </a:fontRef>
+        </p:style>
+      </p:cxnSp>
+    </p:spTree>
+    <p:extLst>
+      <p:ext uri="{BB962C8B-B14F-4D97-AF65-F5344CB8AC3E}">
+        <p14:creationId xmlns:p14="http://schemas.microsoft.com/office/powerpoint/2010/main" val="1627112530"/>
+      </p:ext>
+    </p:extLst>
+  </p:cSld>
+  <p:clrMapOvr>
+    <a:masterClrMapping/>
+  </p:clrMapOvr>
+</p:sld>
+</file>
+
+<file path=ppt/slides/slide4.xml><?xml version="1.0" encoding="utf-8"?>
+<p:sld xmlns:a="http://schemas.openxmlformats.org/drawingml/2006/main" xmlns:r="http://schemas.openxmlformats.org/officeDocument/2006/relationships" xmlns:p="http://schemas.openxmlformats.org/presentationml/2006/main">
+  <p:cSld>
+    <p:spTree>
+      <p:nvGrpSpPr>
+        <p:cNvPr id="1" name="">
+          <a:extLst>
+            <a:ext uri="{FF2B5EF4-FFF2-40B4-BE49-F238E27FC236}">
+              <a16:creationId xmlns:a16="http://schemas.microsoft.com/office/drawing/2014/main" id="{E76609A2-3F5B-C980-EA84-E298D52D47D9}"/>
+            </a:ext>
+          </a:extLst>
+        </p:cNvPr>
+        <p:cNvGrpSpPr/>
+        <p:nvPr/>
+      </p:nvGrpSpPr>
+      <p:grpSpPr>
+        <a:xfrm>
+          <a:off x="0" y="0"/>
+          <a:ext cx="0" cy="0"/>
+          <a:chOff x="0" y="0"/>
+          <a:chExt cx="0" cy="0"/>
+        </a:xfrm>
+      </p:grpSpPr>
+      <p:pic>
+        <p:nvPicPr>
+          <p:cNvPr id="1026" name="Picture 2" descr="Python Programming Language icon SVG Vector &amp; PNG Free Download | UXWing">
+            <a:extLst>
+              <a:ext uri="{FF2B5EF4-FFF2-40B4-BE49-F238E27FC236}">
+                <a16:creationId xmlns:a16="http://schemas.microsoft.com/office/drawing/2014/main" id="{64A06B8D-B76E-41AA-0CAB-78F35D0E147C}"/>
+              </a:ext>
+            </a:extLst>
+          </p:cNvPr>
+          <p:cNvPicPr>
+            <a:picLocks noChangeAspect="1" noChangeArrowheads="1"/>
+          </p:cNvPicPr>
+          <p:nvPr/>
+        </p:nvPicPr>
+        <p:blipFill>
+          <a:blip r:embed="rId2">
+            <a:extLst>
+              <a:ext uri="{28A0092B-C50C-407E-A947-70E740481C1C}">
+                <a14:useLocalDpi xmlns:a14="http://schemas.microsoft.com/office/drawing/2010/main" val="0"/>
+              </a:ext>
+            </a:extLst>
+          </a:blip>
+          <a:srcRect/>
+          <a:stretch>
+            <a:fillRect/>
+          </a:stretch>
+        </p:blipFill>
+        <p:spPr bwMode="auto">
+          <a:xfrm>
+            <a:off x="457201" y="1816632"/>
+            <a:ext cx="264563" cy="285260"/>
+          </a:xfrm>
+          <a:prstGeom prst="rect">
+            <a:avLst/>
+          </a:prstGeom>
+          <a:noFill/>
+          <a:extLst>
+            <a:ext uri="{909E8E84-426E-40DD-AFC4-6F175D3DCCD1}">
+              <a14:hiddenFill xmlns:a14="http://schemas.microsoft.com/office/drawing/2010/main">
+                <a:solidFill>
+                  <a:srgbClr val="FFFFFF"/>
+                </a:solidFill>
+              </a14:hiddenFill>
+            </a:ext>
+          </a:extLst>
+        </p:spPr>
+      </p:pic>
+      <p:pic>
+        <p:nvPicPr>
+          <p:cNvPr id="1028" name="Picture 4" descr="gaction (Branding Logo For Github Actions) · GitHub">
+            <a:extLst>
+              <a:ext uri="{FF2B5EF4-FFF2-40B4-BE49-F238E27FC236}">
+                <a16:creationId xmlns:a16="http://schemas.microsoft.com/office/drawing/2014/main" id="{0B0F4E11-2206-98F3-346D-221827C22B87}"/>
+              </a:ext>
+            </a:extLst>
+          </p:cNvPr>
+          <p:cNvPicPr>
+            <a:picLocks noChangeAspect="1" noChangeArrowheads="1"/>
+          </p:cNvPicPr>
+          <p:nvPr/>
+        </p:nvPicPr>
+        <p:blipFill>
+          <a:blip r:embed="rId3">
+            <a:extLst>
+              <a:ext uri="{28A0092B-C50C-407E-A947-70E740481C1C}">
+                <a14:useLocalDpi xmlns:a14="http://schemas.microsoft.com/office/drawing/2010/main" val="0"/>
+              </a:ext>
+            </a:extLst>
+          </a:blip>
+          <a:srcRect/>
+          <a:stretch>
+            <a:fillRect/>
+          </a:stretch>
+        </p:blipFill>
+        <p:spPr bwMode="auto">
+          <a:xfrm>
+            <a:off x="7329575" y="1815094"/>
+            <a:ext cx="264234" cy="285260"/>
+          </a:xfrm>
+          <a:prstGeom prst="rect">
+            <a:avLst/>
+          </a:prstGeom>
+          <a:noFill/>
+          <a:extLst>
+            <a:ext uri="{909E8E84-426E-40DD-AFC4-6F175D3DCCD1}">
+              <a14:hiddenFill xmlns:a14="http://schemas.microsoft.com/office/drawing/2010/main">
+                <a:solidFill>
+                  <a:srgbClr val="FFFFFF"/>
+                </a:solidFill>
+              </a14:hiddenFill>
+            </a:ext>
+          </a:extLst>
+        </p:spPr>
+      </p:pic>
+      <p:sp>
+        <p:nvSpPr>
+          <p:cNvPr id="9" name="TextBox 8">
+            <a:extLst>
+              <a:ext uri="{FF2B5EF4-FFF2-40B4-BE49-F238E27FC236}">
+                <a16:creationId xmlns:a16="http://schemas.microsoft.com/office/drawing/2014/main" id="{F7C20AB4-FA54-9CB1-DB4E-5B9C901A47D6}"/>
+              </a:ext>
+            </a:extLst>
+          </p:cNvPr>
+          <p:cNvSpPr txBox="1"/>
+          <p:nvPr/>
+        </p:nvSpPr>
+        <p:spPr>
+          <a:xfrm>
+            <a:off x="7272334" y="2079994"/>
+            <a:ext cx="400711" cy="323165"/>
+          </a:xfrm>
+          <a:prstGeom prst="rect">
+            <a:avLst/>
+          </a:prstGeom>
+          <a:noFill/>
+        </p:spPr>
+        <p:txBody>
+          <a:bodyPr wrap="square" lIns="0" rIns="0" rtlCol="0">
+            <a:spAutoFit/>
+          </a:bodyPr>
+          <a:lstStyle>
+            <a:defPPr>
+              <a:defRPr lang="en-US"/>
+            </a:defPPr>
+            <a:lvl1pPr algn="ctr">
+              <a:defRPr sz="1000">
+                <a:latin typeface="Calibri" panose="020F0502020204030204" pitchFamily="34" charset="0"/>
+                <a:ea typeface="Calibri" panose="020F0502020204030204" pitchFamily="34" charset="0"/>
+                <a:cs typeface="Calibri" panose="020F0502020204030204" pitchFamily="34" charset="0"/>
+              </a:defRPr>
+            </a:lvl1pPr>
+          </a:lstStyle>
+          <a:p>
+            <a:r>
+              <a:rPr lang="en-US" sz="750" dirty="0"/>
+              <a:t>GitHub Actions</a:t>
+            </a:r>
+          </a:p>
+        </p:txBody>
+      </p:sp>
+      <p:pic>
+        <p:nvPicPr>
+          <p:cNvPr id="1030" name="Picture 6" descr="Github Logo - Free social media icons">
+            <a:extLst>
+              <a:ext uri="{FF2B5EF4-FFF2-40B4-BE49-F238E27FC236}">
+                <a16:creationId xmlns:a16="http://schemas.microsoft.com/office/drawing/2014/main" id="{5A16BEC4-6589-E6AD-29B0-751A07FC1B02}"/>
+              </a:ext>
+            </a:extLst>
+          </p:cNvPr>
+          <p:cNvPicPr>
+            <a:picLocks noChangeAspect="1" noChangeArrowheads="1"/>
+          </p:cNvPicPr>
+          <p:nvPr/>
+        </p:nvPicPr>
+        <p:blipFill>
+          <a:blip r:embed="rId4">
+            <a:extLst>
+              <a:ext uri="{28A0092B-C50C-407E-A947-70E740481C1C}">
+                <a14:useLocalDpi xmlns:a14="http://schemas.microsoft.com/office/drawing/2010/main" val="0"/>
+              </a:ext>
+            </a:extLst>
+          </a:blip>
+          <a:srcRect/>
+          <a:stretch>
+            <a:fillRect/>
+          </a:stretch>
+        </p:blipFill>
+        <p:spPr bwMode="auto">
+          <a:xfrm>
+            <a:off x="5264154" y="1815094"/>
+            <a:ext cx="264563" cy="285373"/>
+          </a:xfrm>
+          <a:prstGeom prst="rect">
+            <a:avLst/>
+          </a:prstGeom>
+          <a:noFill/>
+          <a:extLst>
+            <a:ext uri="{909E8E84-426E-40DD-AFC4-6F175D3DCCD1}">
+              <a14:hiddenFill xmlns:a14="http://schemas.microsoft.com/office/drawing/2010/main">
+                <a:solidFill>
+                  <a:srgbClr val="FFFFFF"/>
+                </a:solidFill>
+              </a14:hiddenFill>
+            </a:ext>
+          </a:extLst>
+        </p:spPr>
+      </p:pic>
+      <p:sp>
+        <p:nvSpPr>
+          <p:cNvPr id="11" name="TextBox 10">
+            <a:extLst>
+              <a:ext uri="{FF2B5EF4-FFF2-40B4-BE49-F238E27FC236}">
+                <a16:creationId xmlns:a16="http://schemas.microsoft.com/office/drawing/2014/main" id="{00809E80-F212-AFEB-0331-7ABA420DC816}"/>
+              </a:ext>
+            </a:extLst>
+          </p:cNvPr>
+          <p:cNvSpPr txBox="1"/>
+          <p:nvPr/>
+        </p:nvSpPr>
+        <p:spPr>
+          <a:xfrm>
+            <a:off x="5160037" y="2052044"/>
+            <a:ext cx="499949" cy="207749"/>
+          </a:xfrm>
+          <a:prstGeom prst="rect">
+            <a:avLst/>
+          </a:prstGeom>
+          <a:noFill/>
+        </p:spPr>
+        <p:txBody>
+          <a:bodyPr wrap="square" lIns="0" rIns="0" rtlCol="0">
+            <a:spAutoFit/>
+          </a:bodyPr>
+          <a:lstStyle>
+            <a:defPPr>
+              <a:defRPr lang="en-US"/>
+            </a:defPPr>
+            <a:lvl1pPr algn="ctr">
+              <a:defRPr sz="1000">
+                <a:latin typeface="Calibri" panose="020F0502020204030204" pitchFamily="34" charset="0"/>
+                <a:ea typeface="Calibri" panose="020F0502020204030204" pitchFamily="34" charset="0"/>
+                <a:cs typeface="Calibri" panose="020F0502020204030204" pitchFamily="34" charset="0"/>
+              </a:defRPr>
+            </a:lvl1pPr>
+          </a:lstStyle>
+          <a:p>
+            <a:r>
+              <a:rPr lang="en-US" sz="750" dirty="0"/>
+              <a:t>GitHub Repo</a:t>
+            </a:r>
+          </a:p>
+        </p:txBody>
+      </p:sp>
+      <p:pic>
+        <p:nvPicPr>
+          <p:cNvPr id="1032" name="Picture 8">
+            <a:extLst>
+              <a:ext uri="{FF2B5EF4-FFF2-40B4-BE49-F238E27FC236}">
+                <a16:creationId xmlns:a16="http://schemas.microsoft.com/office/drawing/2014/main" id="{768B1D63-DD97-2A98-7517-4E53AA4CB829}"/>
+              </a:ext>
+            </a:extLst>
+          </p:cNvPr>
+          <p:cNvPicPr>
+            <a:picLocks noChangeAspect="1" noChangeArrowheads="1"/>
+          </p:cNvPicPr>
+          <p:nvPr/>
+        </p:nvPicPr>
+        <p:blipFill>
+          <a:blip r:embed="rId5">
+            <a:extLst>
+              <a:ext uri="{28A0092B-C50C-407E-A947-70E740481C1C}">
+                <a14:useLocalDpi xmlns:a14="http://schemas.microsoft.com/office/drawing/2010/main" val="0"/>
+              </a:ext>
+            </a:extLst>
+          </a:blip>
+          <a:srcRect/>
+          <a:stretch>
+            <a:fillRect/>
+          </a:stretch>
+        </p:blipFill>
+        <p:spPr bwMode="auto">
+          <a:xfrm>
+            <a:off x="937711" y="1816632"/>
+            <a:ext cx="264050" cy="285260"/>
+          </a:xfrm>
+          <a:prstGeom prst="rect">
+            <a:avLst/>
+          </a:prstGeom>
+          <a:noFill/>
+          <a:extLst>
+            <a:ext uri="{909E8E84-426E-40DD-AFC4-6F175D3DCCD1}">
+              <a14:hiddenFill xmlns:a14="http://schemas.microsoft.com/office/drawing/2010/main">
+                <a:solidFill>
+                  <a:srgbClr val="FFFFFF"/>
+                </a:solidFill>
+              </a14:hiddenFill>
+            </a:ext>
+          </a:extLst>
+        </p:spPr>
+      </p:pic>
+      <p:sp>
+        <p:nvSpPr>
+          <p:cNvPr id="12" name="TextBox 11">
+            <a:extLst>
+              <a:ext uri="{FF2B5EF4-FFF2-40B4-BE49-F238E27FC236}">
+                <a16:creationId xmlns:a16="http://schemas.microsoft.com/office/drawing/2014/main" id="{BEAD2D03-3C17-69BB-979D-B3347216102F}"/>
+              </a:ext>
+            </a:extLst>
+          </p:cNvPr>
+          <p:cNvSpPr txBox="1"/>
+          <p:nvPr/>
+        </p:nvSpPr>
+        <p:spPr>
+          <a:xfrm>
+            <a:off x="924533" y="2049037"/>
+            <a:ext cx="337855" cy="207749"/>
+          </a:xfrm>
+          <a:prstGeom prst="rect">
+            <a:avLst/>
+          </a:prstGeom>
+          <a:noFill/>
+        </p:spPr>
+        <p:txBody>
+          <a:bodyPr wrap="square" lIns="0" rIns="0" rtlCol="0">
+            <a:spAutoFit/>
+          </a:bodyPr>
+          <a:lstStyle>
+            <a:defPPr>
+              <a:defRPr lang="en-US"/>
+            </a:defPPr>
+            <a:lvl1pPr algn="ctr">
+              <a:defRPr sz="1000">
+                <a:latin typeface="Calibri" panose="020F0502020204030204" pitchFamily="34" charset="0"/>
+                <a:ea typeface="Calibri" panose="020F0502020204030204" pitchFamily="34" charset="0"/>
+                <a:cs typeface="Calibri" panose="020F0502020204030204" pitchFamily="34" charset="0"/>
+              </a:defRPr>
+            </a:lvl1pPr>
+          </a:lstStyle>
+          <a:p>
+            <a:r>
+              <a:rPr lang="en-US" sz="750" dirty="0"/>
+              <a:t>VS Code</a:t>
+            </a:r>
+          </a:p>
+        </p:txBody>
+      </p:sp>
+      <p:pic>
+        <p:nvPicPr>
+          <p:cNvPr id="1034" name="Picture 10" descr="Docker, logo, logos icon - Free download on Iconfinder">
+            <a:extLst>
+              <a:ext uri="{FF2B5EF4-FFF2-40B4-BE49-F238E27FC236}">
+                <a16:creationId xmlns:a16="http://schemas.microsoft.com/office/drawing/2014/main" id="{BADD915A-80BD-E9C8-15F5-37D768BC602F}"/>
+              </a:ext>
+            </a:extLst>
+          </p:cNvPr>
+          <p:cNvPicPr>
+            <a:picLocks noChangeAspect="1" noChangeArrowheads="1"/>
+          </p:cNvPicPr>
+          <p:nvPr/>
+        </p:nvPicPr>
+        <p:blipFill rotWithShape="1">
+          <a:blip r:embed="rId6">
+            <a:extLst>
+              <a:ext uri="{28A0092B-C50C-407E-A947-70E740481C1C}">
+                <a14:useLocalDpi xmlns:a14="http://schemas.microsoft.com/office/drawing/2010/main" val="0"/>
+              </a:ext>
+            </a:extLst>
+          </a:blip>
+          <a:srcRect b="18487"/>
+          <a:stretch/>
+        </p:blipFill>
+        <p:spPr bwMode="auto">
+          <a:xfrm>
+            <a:off x="7897198" y="1772482"/>
+            <a:ext cx="264563" cy="285260"/>
+          </a:xfrm>
+          <a:prstGeom prst="rect">
+            <a:avLst/>
+          </a:prstGeom>
+          <a:noFill/>
+          <a:extLst>
+            <a:ext uri="{909E8E84-426E-40DD-AFC4-6F175D3DCCD1}">
+              <a14:hiddenFill xmlns:a14="http://schemas.microsoft.com/office/drawing/2010/main">
+                <a:solidFill>
+                  <a:srgbClr val="FFFFFF"/>
+                </a:solidFill>
+              </a14:hiddenFill>
+            </a:ext>
+          </a:extLst>
+        </p:spPr>
+      </p:pic>
+      <p:sp>
+        <p:nvSpPr>
+          <p:cNvPr id="28" name="TextBox 27">
+            <a:extLst>
+              <a:ext uri="{FF2B5EF4-FFF2-40B4-BE49-F238E27FC236}">
+                <a16:creationId xmlns:a16="http://schemas.microsoft.com/office/drawing/2014/main" id="{656151D4-CB75-3A80-DDCF-FF045BB108D9}"/>
+              </a:ext>
+            </a:extLst>
+          </p:cNvPr>
+          <p:cNvSpPr txBox="1"/>
+          <p:nvPr/>
+        </p:nvSpPr>
+        <p:spPr>
+          <a:xfrm>
+            <a:off x="7829542" y="2049036"/>
+            <a:ext cx="400711" cy="323165"/>
+          </a:xfrm>
+          <a:prstGeom prst="rect">
+            <a:avLst/>
+          </a:prstGeom>
+          <a:noFill/>
+        </p:spPr>
+        <p:txBody>
+          <a:bodyPr wrap="square" lIns="0" rIns="0" rtlCol="0">
+            <a:spAutoFit/>
+          </a:bodyPr>
+          <a:lstStyle>
+            <a:defPPr>
+              <a:defRPr lang="en-US"/>
+            </a:defPPr>
+            <a:lvl1pPr algn="ctr">
+              <a:defRPr sz="1000">
+                <a:latin typeface="Calibri" panose="020F0502020204030204" pitchFamily="34" charset="0"/>
+                <a:ea typeface="Calibri" panose="020F0502020204030204" pitchFamily="34" charset="0"/>
+                <a:cs typeface="Calibri" panose="020F0502020204030204" pitchFamily="34" charset="0"/>
+              </a:defRPr>
+            </a:lvl1pPr>
+          </a:lstStyle>
+          <a:p>
+            <a:r>
+              <a:rPr lang="en-US" sz="750" dirty="0"/>
+              <a:t>Docker</a:t>
+            </a:r>
+          </a:p>
+          <a:p>
+            <a:r>
+              <a:rPr lang="en-US" sz="750" dirty="0"/>
+              <a:t>Build</a:t>
+            </a:r>
+          </a:p>
+        </p:txBody>
+      </p:sp>
+      <p:pic>
+        <p:nvPicPr>
+          <p:cNvPr id="1038" name="Picture 14" descr="terraform&quot; Icon - Download for free – Iconduck">
+            <a:extLst>
+              <a:ext uri="{FF2B5EF4-FFF2-40B4-BE49-F238E27FC236}">
+                <a16:creationId xmlns:a16="http://schemas.microsoft.com/office/drawing/2014/main" id="{BBC9D48D-E126-C32A-EA92-BCD5C7118E05}"/>
+              </a:ext>
+            </a:extLst>
+          </p:cNvPr>
+          <p:cNvPicPr>
+            <a:picLocks noChangeAspect="1" noChangeArrowheads="1"/>
+          </p:cNvPicPr>
+          <p:nvPr/>
+        </p:nvPicPr>
+        <p:blipFill>
+          <a:blip r:embed="rId7">
+            <a:extLst>
+              <a:ext uri="{28A0092B-C50C-407E-A947-70E740481C1C}">
+                <a14:useLocalDpi xmlns:a14="http://schemas.microsoft.com/office/drawing/2010/main" val="0"/>
+              </a:ext>
+            </a:extLst>
+          </a:blip>
+          <a:srcRect/>
+          <a:stretch>
+            <a:fillRect/>
+          </a:stretch>
+        </p:blipFill>
+        <p:spPr bwMode="auto">
+          <a:xfrm>
+            <a:off x="1479316" y="1816632"/>
+            <a:ext cx="264563" cy="282183"/>
+          </a:xfrm>
+          <a:prstGeom prst="rect">
+            <a:avLst/>
+          </a:prstGeom>
+          <a:noFill/>
+          <a:extLst>
+            <a:ext uri="{909E8E84-426E-40DD-AFC4-6F175D3DCCD1}">
+              <a14:hiddenFill xmlns:a14="http://schemas.microsoft.com/office/drawing/2010/main">
+                <a:solidFill>
+                  <a:srgbClr val="FFFFFF"/>
+                </a:solidFill>
+              </a14:hiddenFill>
+            </a:ext>
+          </a:extLst>
+        </p:spPr>
+      </p:pic>
+      <p:pic>
+        <p:nvPicPr>
+          <p:cNvPr id="1040" name="Picture 16" descr="Playwright icon - Free Download PNG &amp; SVG | Streamline">
+            <a:extLst>
+              <a:ext uri="{FF2B5EF4-FFF2-40B4-BE49-F238E27FC236}">
+                <a16:creationId xmlns:a16="http://schemas.microsoft.com/office/drawing/2014/main" id="{8F97D853-8B41-AD28-11E8-36EEBBDB9E06}"/>
+              </a:ext>
+            </a:extLst>
+          </p:cNvPr>
+          <p:cNvPicPr>
+            <a:picLocks noChangeAspect="1" noChangeArrowheads="1"/>
+          </p:cNvPicPr>
+          <p:nvPr/>
+        </p:nvPicPr>
+        <p:blipFill>
+          <a:blip r:embed="rId8">
+            <a:extLst>
+              <a:ext uri="{28A0092B-C50C-407E-A947-70E740481C1C}">
+                <a14:useLocalDpi xmlns:a14="http://schemas.microsoft.com/office/drawing/2010/main" val="0"/>
+              </a:ext>
+            </a:extLst>
+          </a:blip>
+          <a:srcRect/>
+          <a:stretch>
+            <a:fillRect/>
+          </a:stretch>
+        </p:blipFill>
+        <p:spPr bwMode="auto">
+          <a:xfrm>
+            <a:off x="6216512" y="1815094"/>
+            <a:ext cx="264563" cy="285260"/>
+          </a:xfrm>
+          <a:prstGeom prst="rect">
+            <a:avLst/>
+          </a:prstGeom>
+          <a:noFill/>
+          <a:extLst>
+            <a:ext uri="{909E8E84-426E-40DD-AFC4-6F175D3DCCD1}">
+              <a14:hiddenFill xmlns:a14="http://schemas.microsoft.com/office/drawing/2010/main">
+                <a:solidFill>
+                  <a:srgbClr val="FFFFFF"/>
+                </a:solidFill>
+              </a14:hiddenFill>
+            </a:ext>
+          </a:extLst>
+        </p:spPr>
+      </p:pic>
+      <p:sp>
+        <p:nvSpPr>
+          <p:cNvPr id="36" name="TextBox 35">
+            <a:extLst>
+              <a:ext uri="{FF2B5EF4-FFF2-40B4-BE49-F238E27FC236}">
+                <a16:creationId xmlns:a16="http://schemas.microsoft.com/office/drawing/2014/main" id="{131949C6-EB3F-D45C-B5CF-75F65C34CACC}"/>
+              </a:ext>
+            </a:extLst>
+          </p:cNvPr>
+          <p:cNvSpPr txBox="1"/>
+          <p:nvPr/>
+        </p:nvSpPr>
+        <p:spPr>
+          <a:xfrm>
+            <a:off x="6125310" y="2012250"/>
+            <a:ext cx="446966" cy="207749"/>
+          </a:xfrm>
+          <a:prstGeom prst="rect">
+            <a:avLst/>
+          </a:prstGeom>
+          <a:noFill/>
+        </p:spPr>
+        <p:txBody>
+          <a:bodyPr wrap="square" lIns="0" rIns="0" rtlCol="0">
+            <a:spAutoFit/>
+          </a:bodyPr>
+          <a:lstStyle>
+            <a:defPPr>
+              <a:defRPr lang="en-US"/>
+            </a:defPPr>
+            <a:lvl1pPr algn="ctr">
+              <a:defRPr sz="1000">
+                <a:latin typeface="Calibri" panose="020F0502020204030204" pitchFamily="34" charset="0"/>
+                <a:ea typeface="Calibri" panose="020F0502020204030204" pitchFamily="34" charset="0"/>
+                <a:cs typeface="Calibri" panose="020F0502020204030204" pitchFamily="34" charset="0"/>
+              </a:defRPr>
+            </a:lvl1pPr>
+          </a:lstStyle>
+          <a:p>
+            <a:r>
+              <a:rPr lang="en-US" sz="750" dirty="0"/>
+              <a:t>Playwright</a:t>
+            </a:r>
+          </a:p>
+        </p:txBody>
+      </p:sp>
+      <p:sp>
+        <p:nvSpPr>
+          <p:cNvPr id="37" name="TextBox 36">
+            <a:extLst>
+              <a:ext uri="{FF2B5EF4-FFF2-40B4-BE49-F238E27FC236}">
+                <a16:creationId xmlns:a16="http://schemas.microsoft.com/office/drawing/2014/main" id="{13E76A2A-0EF6-B248-0341-F98C5234A0D5}"/>
+              </a:ext>
+            </a:extLst>
+          </p:cNvPr>
+          <p:cNvSpPr txBox="1"/>
+          <p:nvPr/>
+        </p:nvSpPr>
+        <p:spPr>
+          <a:xfrm>
+            <a:off x="406397" y="2049038"/>
+            <a:ext cx="366169" cy="207749"/>
+          </a:xfrm>
+          <a:prstGeom prst="rect">
+            <a:avLst/>
+          </a:prstGeom>
+          <a:noFill/>
+        </p:spPr>
+        <p:txBody>
+          <a:bodyPr wrap="square" lIns="0" rIns="0" rtlCol="0">
+            <a:spAutoFit/>
+          </a:bodyPr>
+          <a:lstStyle/>
+          <a:p>
+            <a:pPr algn="ctr"/>
+            <a:r>
+              <a:rPr lang="en-US" sz="750" dirty="0">
+                <a:latin typeface="Calibri" panose="020F0502020204030204" pitchFamily="34" charset="0"/>
+                <a:ea typeface="Calibri" panose="020F0502020204030204" pitchFamily="34" charset="0"/>
+                <a:cs typeface="Calibri" panose="020F0502020204030204" pitchFamily="34" charset="0"/>
+              </a:rPr>
+              <a:t>Python</a:t>
+            </a:r>
+          </a:p>
+        </p:txBody>
+      </p:sp>
+      <p:pic>
+        <p:nvPicPr>
+          <p:cNvPr id="1042" name="Picture 18" descr="GitHub Actions SVG and transparent PNG icons | TechIcons">
+            <a:extLst>
+              <a:ext uri="{FF2B5EF4-FFF2-40B4-BE49-F238E27FC236}">
+                <a16:creationId xmlns:a16="http://schemas.microsoft.com/office/drawing/2014/main" id="{2F41E499-52A8-B9FD-D680-CE1EF316A03B}"/>
+              </a:ext>
+            </a:extLst>
+          </p:cNvPr>
+          <p:cNvPicPr>
+            <a:picLocks noChangeAspect="1" noChangeArrowheads="1"/>
+          </p:cNvPicPr>
+          <p:nvPr/>
+        </p:nvPicPr>
+        <p:blipFill>
+          <a:blip r:embed="rId9">
+            <a:extLst>
+              <a:ext uri="{28A0092B-C50C-407E-A947-70E740481C1C}">
+                <a14:useLocalDpi xmlns:a14="http://schemas.microsoft.com/office/drawing/2010/main" val="0"/>
+              </a:ext>
+            </a:extLst>
+          </a:blip>
+          <a:srcRect/>
+          <a:stretch>
+            <a:fillRect/>
+          </a:stretch>
+        </p:blipFill>
+        <p:spPr bwMode="auto">
+          <a:xfrm>
+            <a:off x="6730333" y="1852442"/>
+            <a:ext cx="264563" cy="285260"/>
+          </a:xfrm>
+          <a:prstGeom prst="rect">
+            <a:avLst/>
+          </a:prstGeom>
+          <a:noFill/>
+          <a:extLst>
+            <a:ext uri="{909E8E84-426E-40DD-AFC4-6F175D3DCCD1}">
+              <a14:hiddenFill xmlns:a14="http://schemas.microsoft.com/office/drawing/2010/main">
+                <a:solidFill>
+                  <a:srgbClr val="FFFFFF"/>
+                </a:solidFill>
+              </a14:hiddenFill>
+            </a:ext>
+          </a:extLst>
+        </p:spPr>
+      </p:pic>
+      <p:sp>
+        <p:nvSpPr>
+          <p:cNvPr id="39" name="TextBox 38">
+            <a:extLst>
+              <a:ext uri="{FF2B5EF4-FFF2-40B4-BE49-F238E27FC236}">
+                <a16:creationId xmlns:a16="http://schemas.microsoft.com/office/drawing/2014/main" id="{5BE85945-E91B-38BA-46DF-FB1B46297D9D}"/>
+              </a:ext>
+            </a:extLst>
+          </p:cNvPr>
+          <p:cNvSpPr txBox="1"/>
+          <p:nvPr/>
+        </p:nvSpPr>
+        <p:spPr>
+          <a:xfrm>
+            <a:off x="6652740" y="2079994"/>
+            <a:ext cx="463097" cy="323165"/>
+          </a:xfrm>
+          <a:prstGeom prst="rect">
+            <a:avLst/>
+          </a:prstGeom>
+          <a:noFill/>
+        </p:spPr>
+        <p:txBody>
+          <a:bodyPr wrap="square" lIns="0" rIns="0" rtlCol="0">
+            <a:spAutoFit/>
+          </a:bodyPr>
+          <a:lstStyle>
+            <a:defPPr>
+              <a:defRPr lang="en-US"/>
+            </a:defPPr>
+            <a:lvl1pPr algn="ctr">
+              <a:defRPr sz="1000">
+                <a:latin typeface="Calibri" panose="020F0502020204030204" pitchFamily="34" charset="0"/>
+                <a:ea typeface="Calibri" panose="020F0502020204030204" pitchFamily="34" charset="0"/>
+                <a:cs typeface="Calibri" panose="020F0502020204030204" pitchFamily="34" charset="0"/>
+              </a:defRPr>
+            </a:lvl1pPr>
+          </a:lstStyle>
+          <a:p>
+            <a:r>
+              <a:rPr lang="en-US" sz="750" dirty="0"/>
+              <a:t>GitHub Workflow</a:t>
+            </a:r>
+          </a:p>
+        </p:txBody>
+      </p:sp>
+      <p:pic>
+        <p:nvPicPr>
+          <p:cNvPr id="1044" name="Picture 20" descr="Auth0&quot; Icon - Download for free – Iconduck">
+            <a:extLst>
+              <a:ext uri="{FF2B5EF4-FFF2-40B4-BE49-F238E27FC236}">
+                <a16:creationId xmlns:a16="http://schemas.microsoft.com/office/drawing/2014/main" id="{D99A2431-89E8-6D3A-1124-01E3B5D3C6E4}"/>
+              </a:ext>
+            </a:extLst>
+          </p:cNvPr>
+          <p:cNvPicPr>
+            <a:picLocks noChangeAspect="1" noChangeArrowheads="1"/>
+          </p:cNvPicPr>
+          <p:nvPr/>
+        </p:nvPicPr>
+        <p:blipFill>
+          <a:blip r:embed="rId10">
+            <a:extLst>
+              <a:ext uri="{28A0092B-C50C-407E-A947-70E740481C1C}">
+                <a14:useLocalDpi xmlns:a14="http://schemas.microsoft.com/office/drawing/2010/main" val="0"/>
+              </a:ext>
+            </a:extLst>
+          </a:blip>
+          <a:srcRect/>
+          <a:stretch>
+            <a:fillRect/>
+          </a:stretch>
+        </p:blipFill>
+        <p:spPr bwMode="auto">
+          <a:xfrm>
+            <a:off x="457201" y="2835358"/>
+            <a:ext cx="264563" cy="285260"/>
+          </a:xfrm>
+          <a:prstGeom prst="rect">
+            <a:avLst/>
+          </a:prstGeom>
+          <a:noFill/>
+          <a:extLst>
+            <a:ext uri="{909E8E84-426E-40DD-AFC4-6F175D3DCCD1}">
+              <a14:hiddenFill xmlns:a14="http://schemas.microsoft.com/office/drawing/2010/main">
+                <a:solidFill>
+                  <a:srgbClr val="FFFFFF"/>
+                </a:solidFill>
+              </a14:hiddenFill>
+            </a:ext>
+          </a:extLst>
+        </p:spPr>
+      </p:pic>
+      <p:sp>
+        <p:nvSpPr>
+          <p:cNvPr id="43" name="TextBox 42">
+            <a:extLst>
+              <a:ext uri="{FF2B5EF4-FFF2-40B4-BE49-F238E27FC236}">
+                <a16:creationId xmlns:a16="http://schemas.microsoft.com/office/drawing/2014/main" id="{19270C44-29FD-CDE0-F6F5-8934E61BE9F1}"/>
+              </a:ext>
+            </a:extLst>
+          </p:cNvPr>
+          <p:cNvSpPr txBox="1"/>
+          <p:nvPr/>
+        </p:nvSpPr>
+        <p:spPr>
+          <a:xfrm>
+            <a:off x="415271" y="3112489"/>
+            <a:ext cx="357294" cy="207749"/>
+          </a:xfrm>
+          <a:prstGeom prst="rect">
+            <a:avLst/>
+          </a:prstGeom>
+          <a:noFill/>
+        </p:spPr>
+        <p:txBody>
+          <a:bodyPr wrap="square" lIns="0" rIns="0" rtlCol="0">
+            <a:spAutoFit/>
+          </a:bodyPr>
+          <a:lstStyle>
+            <a:defPPr>
+              <a:defRPr lang="en-US"/>
+            </a:defPPr>
+            <a:lvl1pPr algn="ctr">
+              <a:defRPr sz="1000">
+                <a:latin typeface="Calibri" panose="020F0502020204030204" pitchFamily="34" charset="0"/>
+                <a:ea typeface="Calibri" panose="020F0502020204030204" pitchFamily="34" charset="0"/>
+                <a:cs typeface="Calibri" panose="020F0502020204030204" pitchFamily="34" charset="0"/>
+              </a:defRPr>
+            </a:lvl1pPr>
+          </a:lstStyle>
+          <a:p>
+            <a:r>
+              <a:rPr lang="en-US" sz="750" dirty="0"/>
+              <a:t>Auth0</a:t>
+            </a:r>
+          </a:p>
+        </p:txBody>
+      </p:sp>
+      <p:sp>
+        <p:nvSpPr>
+          <p:cNvPr id="48" name="TextBox 47">
+            <a:extLst>
+              <a:ext uri="{FF2B5EF4-FFF2-40B4-BE49-F238E27FC236}">
+                <a16:creationId xmlns:a16="http://schemas.microsoft.com/office/drawing/2014/main" id="{F1E3E074-D43A-B8D6-4AFB-E7F675602464}"/>
+              </a:ext>
+            </a:extLst>
+          </p:cNvPr>
+          <p:cNvSpPr txBox="1"/>
+          <p:nvPr/>
+        </p:nvSpPr>
+        <p:spPr>
+          <a:xfrm>
+            <a:off x="871376" y="3110263"/>
+            <a:ext cx="396719" cy="207749"/>
+          </a:xfrm>
+          <a:prstGeom prst="rect">
+            <a:avLst/>
+          </a:prstGeom>
+          <a:noFill/>
+        </p:spPr>
+        <p:txBody>
+          <a:bodyPr wrap="square" lIns="0" rIns="0" rtlCol="0">
+            <a:spAutoFit/>
+          </a:bodyPr>
+          <a:lstStyle>
+            <a:defPPr>
+              <a:defRPr lang="en-US"/>
+            </a:defPPr>
+            <a:lvl1pPr algn="ctr">
+              <a:defRPr sz="1000">
+                <a:latin typeface="Calibri" panose="020F0502020204030204" pitchFamily="34" charset="0"/>
+                <a:ea typeface="Calibri" panose="020F0502020204030204" pitchFamily="34" charset="0"/>
+                <a:cs typeface="Calibri" panose="020F0502020204030204" pitchFamily="34" charset="0"/>
+              </a:defRPr>
+            </a:lvl1pPr>
+          </a:lstStyle>
+          <a:p>
+            <a:r>
+              <a:rPr lang="en-US" sz="750" dirty="0"/>
+              <a:t>Brevo</a:t>
+            </a:r>
+          </a:p>
+        </p:txBody>
+      </p:sp>
+      <p:pic>
+        <p:nvPicPr>
+          <p:cNvPr id="1048" name="Picture 24" descr="Email Icon Blue transparent PNG - StickPNG">
+            <a:extLst>
+              <a:ext uri="{FF2B5EF4-FFF2-40B4-BE49-F238E27FC236}">
+                <a16:creationId xmlns:a16="http://schemas.microsoft.com/office/drawing/2014/main" id="{4A739DDF-37BD-6D78-40B1-6DAB6D029CB1}"/>
+              </a:ext>
+            </a:extLst>
+          </p:cNvPr>
+          <p:cNvPicPr>
+            <a:picLocks noChangeAspect="1" noChangeArrowheads="1"/>
+          </p:cNvPicPr>
+          <p:nvPr/>
+        </p:nvPicPr>
+        <p:blipFill>
+          <a:blip r:embed="rId11">
+            <a:extLst>
+              <a:ext uri="{28A0092B-C50C-407E-A947-70E740481C1C}">
+                <a14:useLocalDpi xmlns:a14="http://schemas.microsoft.com/office/drawing/2010/main" val="0"/>
+              </a:ext>
+            </a:extLst>
+          </a:blip>
+          <a:srcRect/>
+          <a:stretch>
+            <a:fillRect/>
+          </a:stretch>
+        </p:blipFill>
+        <p:spPr bwMode="auto">
+          <a:xfrm>
+            <a:off x="2530290" y="2830180"/>
+            <a:ext cx="264563" cy="285260"/>
+          </a:xfrm>
+          <a:prstGeom prst="rect">
+            <a:avLst/>
+          </a:prstGeom>
+          <a:noFill/>
+          <a:extLst>
+            <a:ext uri="{909E8E84-426E-40DD-AFC4-6F175D3DCCD1}">
+              <a14:hiddenFill xmlns:a14="http://schemas.microsoft.com/office/drawing/2010/main">
+                <a:solidFill>
+                  <a:srgbClr val="FFFFFF"/>
+                </a:solidFill>
+              </a14:hiddenFill>
+            </a:ext>
+          </a:extLst>
+        </p:spPr>
+      </p:pic>
+      <p:pic>
+        <p:nvPicPr>
+          <p:cNvPr id="1050" name="Picture 26" descr="End-user | Definition">
+            <a:extLst>
+              <a:ext uri="{FF2B5EF4-FFF2-40B4-BE49-F238E27FC236}">
+                <a16:creationId xmlns:a16="http://schemas.microsoft.com/office/drawing/2014/main" id="{37494FB8-9E27-01EF-DB60-214CA520F734}"/>
+              </a:ext>
+            </a:extLst>
+          </p:cNvPr>
+          <p:cNvPicPr>
+            <a:picLocks noChangeAspect="1" noChangeArrowheads="1"/>
+          </p:cNvPicPr>
+          <p:nvPr/>
+        </p:nvPicPr>
+        <p:blipFill>
+          <a:blip r:embed="rId12">
+            <a:extLst>
+              <a:ext uri="{28A0092B-C50C-407E-A947-70E740481C1C}">
+                <a14:useLocalDpi xmlns:a14="http://schemas.microsoft.com/office/drawing/2010/main" val="0"/>
+              </a:ext>
+            </a:extLst>
+          </a:blip>
+          <a:srcRect/>
+          <a:stretch>
+            <a:fillRect/>
+          </a:stretch>
+        </p:blipFill>
+        <p:spPr bwMode="auto">
+          <a:xfrm>
+            <a:off x="1550063" y="2835359"/>
+            <a:ext cx="192638" cy="288913"/>
+          </a:xfrm>
+          <a:prstGeom prst="rect">
+            <a:avLst/>
+          </a:prstGeom>
+          <a:noFill/>
+          <a:extLst>
+            <a:ext uri="{909E8E84-426E-40DD-AFC4-6F175D3DCCD1}">
+              <a14:hiddenFill xmlns:a14="http://schemas.microsoft.com/office/drawing/2010/main">
+                <a:solidFill>
+                  <a:srgbClr val="FFFFFF"/>
+                </a:solidFill>
+              </a14:hiddenFill>
+            </a:ext>
+          </a:extLst>
+        </p:spPr>
+      </p:pic>
+      <p:sp>
+        <p:nvSpPr>
+          <p:cNvPr id="57" name="TextBox 56">
+            <a:extLst>
+              <a:ext uri="{FF2B5EF4-FFF2-40B4-BE49-F238E27FC236}">
+                <a16:creationId xmlns:a16="http://schemas.microsoft.com/office/drawing/2014/main" id="{402AE47B-8304-E7F0-E83C-AF3260251756}"/>
+              </a:ext>
+            </a:extLst>
+          </p:cNvPr>
+          <p:cNvSpPr txBox="1"/>
+          <p:nvPr/>
+        </p:nvSpPr>
+        <p:spPr>
+          <a:xfrm>
+            <a:off x="1425947" y="3120618"/>
+            <a:ext cx="440870" cy="207749"/>
+          </a:xfrm>
+          <a:prstGeom prst="rect">
+            <a:avLst/>
+          </a:prstGeom>
+          <a:noFill/>
+        </p:spPr>
+        <p:txBody>
+          <a:bodyPr wrap="square" lIns="0" rIns="0" rtlCol="0">
+            <a:spAutoFit/>
+          </a:bodyPr>
+          <a:lstStyle>
+            <a:defPPr>
+              <a:defRPr lang="en-US"/>
+            </a:defPPr>
+            <a:lvl1pPr algn="ctr">
+              <a:defRPr sz="1000">
+                <a:latin typeface="Calibri" panose="020F0502020204030204" pitchFamily="34" charset="0"/>
+                <a:ea typeface="Calibri" panose="020F0502020204030204" pitchFamily="34" charset="0"/>
+                <a:cs typeface="Calibri" panose="020F0502020204030204" pitchFamily="34" charset="0"/>
+              </a:defRPr>
+            </a:lvl1pPr>
+          </a:lstStyle>
+          <a:p>
+            <a:r>
+              <a:rPr lang="en-US" sz="750" dirty="0"/>
+              <a:t>End User</a:t>
+            </a:r>
+          </a:p>
+        </p:txBody>
+      </p:sp>
+      <p:pic>
+        <p:nvPicPr>
+          <p:cNvPr id="1052" name="Picture 28" descr="Cloudflare SVG and transparent PNG icons | TechIcons">
+            <a:extLst>
+              <a:ext uri="{FF2B5EF4-FFF2-40B4-BE49-F238E27FC236}">
+                <a16:creationId xmlns:a16="http://schemas.microsoft.com/office/drawing/2014/main" id="{75A8F092-4A5F-E20B-CBFF-902057D3A35F}"/>
+              </a:ext>
+            </a:extLst>
+          </p:cNvPr>
+          <p:cNvPicPr>
+            <a:picLocks noChangeAspect="1" noChangeArrowheads="1"/>
+          </p:cNvPicPr>
+          <p:nvPr/>
+        </p:nvPicPr>
+        <p:blipFill rotWithShape="1">
+          <a:blip r:embed="rId13">
+            <a:extLst>
+              <a:ext uri="{28A0092B-C50C-407E-A947-70E740481C1C}">
+                <a14:useLocalDpi xmlns:a14="http://schemas.microsoft.com/office/drawing/2010/main" val="0"/>
+              </a:ext>
+            </a:extLst>
+          </a:blip>
+          <a:srcRect t="23480" b="22055"/>
+          <a:stretch/>
+        </p:blipFill>
+        <p:spPr bwMode="auto">
+          <a:xfrm>
+            <a:off x="7540763" y="2869728"/>
+            <a:ext cx="264563" cy="195809"/>
+          </a:xfrm>
+          <a:prstGeom prst="rect">
+            <a:avLst/>
+          </a:prstGeom>
+          <a:noFill/>
+          <a:extLst>
+            <a:ext uri="{909E8E84-426E-40DD-AFC4-6F175D3DCCD1}">
+              <a14:hiddenFill xmlns:a14="http://schemas.microsoft.com/office/drawing/2010/main">
+                <a:solidFill>
+                  <a:srgbClr val="FFFFFF"/>
+                </a:solidFill>
+              </a14:hiddenFill>
+            </a:ext>
+          </a:extLst>
+        </p:spPr>
+      </p:pic>
+      <p:pic>
+        <p:nvPicPr>
+          <p:cNvPr id="1056" name="Picture 32">
+            <a:extLst>
+              <a:ext uri="{FF2B5EF4-FFF2-40B4-BE49-F238E27FC236}">
+                <a16:creationId xmlns:a16="http://schemas.microsoft.com/office/drawing/2014/main" id="{7271C638-FD08-1F8D-ED14-5D2E86188EB6}"/>
+              </a:ext>
+            </a:extLst>
+          </p:cNvPr>
+          <p:cNvPicPr>
+            <a:picLocks noChangeAspect="1" noChangeArrowheads="1"/>
+          </p:cNvPicPr>
+          <p:nvPr/>
+        </p:nvPicPr>
+        <p:blipFill>
+          <a:blip r:embed="rId14">
+            <a:extLst>
+              <a:ext uri="{28A0092B-C50C-407E-A947-70E740481C1C}">
+                <a14:useLocalDpi xmlns:a14="http://schemas.microsoft.com/office/drawing/2010/main" val="0"/>
+              </a:ext>
+            </a:extLst>
+          </a:blip>
+          <a:srcRect/>
+          <a:stretch>
+            <a:fillRect/>
+          </a:stretch>
+        </p:blipFill>
+        <p:spPr bwMode="auto">
+          <a:xfrm>
+            <a:off x="6988567" y="2835358"/>
+            <a:ext cx="264563" cy="285260"/>
+          </a:xfrm>
+          <a:prstGeom prst="rect">
+            <a:avLst/>
+          </a:prstGeom>
+          <a:noFill/>
+          <a:extLst>
+            <a:ext uri="{909E8E84-426E-40DD-AFC4-6F175D3DCCD1}">
+              <a14:hiddenFill xmlns:a14="http://schemas.microsoft.com/office/drawing/2010/main">
+                <a:solidFill>
+                  <a:srgbClr val="FFFFFF"/>
+                </a:solidFill>
+              </a14:hiddenFill>
+            </a:ext>
+          </a:extLst>
+        </p:spPr>
+      </p:pic>
+      <p:sp>
+        <p:nvSpPr>
+          <p:cNvPr id="1027" name="TextBox 1026">
+            <a:extLst>
+              <a:ext uri="{FF2B5EF4-FFF2-40B4-BE49-F238E27FC236}">
+                <a16:creationId xmlns:a16="http://schemas.microsoft.com/office/drawing/2014/main" id="{CBF8AD85-4D7A-0C35-3A71-7D4EBB6F01CA}"/>
+              </a:ext>
+            </a:extLst>
+          </p:cNvPr>
+          <p:cNvSpPr txBox="1"/>
+          <p:nvPr/>
+        </p:nvSpPr>
+        <p:spPr>
+          <a:xfrm>
+            <a:off x="6943436" y="3098832"/>
+            <a:ext cx="344802" cy="323165"/>
+          </a:xfrm>
+          <a:prstGeom prst="rect">
+            <a:avLst/>
+          </a:prstGeom>
+          <a:noFill/>
+        </p:spPr>
+        <p:txBody>
+          <a:bodyPr wrap="square" lIns="0" rIns="0" rtlCol="0">
+            <a:spAutoFit/>
+          </a:bodyPr>
+          <a:lstStyle>
+            <a:defPPr>
+              <a:defRPr lang="en-US"/>
+            </a:defPPr>
+            <a:lvl1pPr algn="ctr">
+              <a:defRPr sz="1000">
+                <a:latin typeface="Calibri" panose="020F0502020204030204" pitchFamily="34" charset="0"/>
+                <a:ea typeface="Calibri" panose="020F0502020204030204" pitchFamily="34" charset="0"/>
+                <a:cs typeface="Calibri" panose="020F0502020204030204" pitchFamily="34" charset="0"/>
+              </a:defRPr>
+            </a:lvl1pPr>
+          </a:lstStyle>
+          <a:p>
+            <a:r>
+              <a:rPr lang="en-US" sz="750" dirty="0"/>
+              <a:t>Power</a:t>
+            </a:r>
+          </a:p>
+          <a:p>
+            <a:r>
+              <a:rPr lang="en-US" sz="750" dirty="0"/>
+              <a:t>Shell</a:t>
+            </a:r>
+          </a:p>
+        </p:txBody>
+      </p:sp>
+      <p:sp>
+        <p:nvSpPr>
+          <p:cNvPr id="1058" name="TextBox 1057">
+            <a:extLst>
+              <a:ext uri="{FF2B5EF4-FFF2-40B4-BE49-F238E27FC236}">
+                <a16:creationId xmlns:a16="http://schemas.microsoft.com/office/drawing/2014/main" id="{BECDB52D-6C4A-A2B3-D092-48BF306566A1}"/>
+              </a:ext>
+            </a:extLst>
+          </p:cNvPr>
+          <p:cNvSpPr txBox="1"/>
+          <p:nvPr/>
+        </p:nvSpPr>
+        <p:spPr>
+          <a:xfrm>
+            <a:off x="1327805" y="2049036"/>
+            <a:ext cx="567585" cy="207749"/>
+          </a:xfrm>
+          <a:prstGeom prst="rect">
+            <a:avLst/>
+          </a:prstGeom>
+          <a:noFill/>
+        </p:spPr>
+        <p:txBody>
+          <a:bodyPr wrap="square" lIns="0" rIns="0" rtlCol="0">
+            <a:spAutoFit/>
+          </a:bodyPr>
+          <a:lstStyle>
+            <a:defPPr>
+              <a:defRPr lang="en-US"/>
+            </a:defPPr>
+            <a:lvl1pPr algn="ctr">
+              <a:defRPr sz="1000">
+                <a:latin typeface="Calibri" panose="020F0502020204030204" pitchFamily="34" charset="0"/>
+                <a:ea typeface="Calibri" panose="020F0502020204030204" pitchFamily="34" charset="0"/>
+                <a:cs typeface="Calibri" panose="020F0502020204030204" pitchFamily="34" charset="0"/>
+              </a:defRPr>
+            </a:lvl1pPr>
+          </a:lstStyle>
+          <a:p>
+            <a:r>
+              <a:rPr lang="en-US" sz="750" dirty="0"/>
+              <a:t>Terraform</a:t>
+            </a:r>
+          </a:p>
+        </p:txBody>
+      </p:sp>
+      <p:pic>
+        <p:nvPicPr>
+          <p:cNvPr id="1064" name="Picture 34" descr="S3 Bucket with Objects | AWS Storage">
+            <a:extLst>
+              <a:ext uri="{FF2B5EF4-FFF2-40B4-BE49-F238E27FC236}">
+                <a16:creationId xmlns:a16="http://schemas.microsoft.com/office/drawing/2014/main" id="{F5B731EE-A299-EB89-DBC8-B7B6AACF49BC}"/>
+              </a:ext>
+            </a:extLst>
+          </p:cNvPr>
+          <p:cNvPicPr>
+            <a:picLocks noChangeAspect="1" noChangeArrowheads="1"/>
+          </p:cNvPicPr>
+          <p:nvPr/>
+        </p:nvPicPr>
+        <p:blipFill>
+          <a:blip r:embed="rId15">
+            <a:extLst>
+              <a:ext uri="{28A0092B-C50C-407E-A947-70E740481C1C}">
+                <a14:useLocalDpi xmlns:a14="http://schemas.microsoft.com/office/drawing/2010/main" val="0"/>
+              </a:ext>
+            </a:extLst>
+          </a:blip>
+          <a:srcRect/>
+          <a:stretch>
+            <a:fillRect/>
+          </a:stretch>
+        </p:blipFill>
+        <p:spPr bwMode="auto">
+          <a:xfrm>
+            <a:off x="3640712" y="1809120"/>
+            <a:ext cx="264563" cy="285260"/>
+          </a:xfrm>
+          <a:prstGeom prst="rect">
+            <a:avLst/>
+          </a:prstGeom>
+          <a:noFill/>
+          <a:extLst>
+            <a:ext uri="{909E8E84-426E-40DD-AFC4-6F175D3DCCD1}">
+              <a14:hiddenFill xmlns:a14="http://schemas.microsoft.com/office/drawing/2010/main">
+                <a:solidFill>
+                  <a:srgbClr val="FFFFFF"/>
+                </a:solidFill>
+              </a14:hiddenFill>
+            </a:ext>
+          </a:extLst>
+        </p:spPr>
+      </p:pic>
+      <p:sp>
+        <p:nvSpPr>
+          <p:cNvPr id="1065" name="TextBox 1064">
+            <a:extLst>
+              <a:ext uri="{FF2B5EF4-FFF2-40B4-BE49-F238E27FC236}">
+                <a16:creationId xmlns:a16="http://schemas.microsoft.com/office/drawing/2014/main" id="{634E5923-DFFC-8BA0-2BFA-AB40CD1CF82B}"/>
+              </a:ext>
+            </a:extLst>
+          </p:cNvPr>
+          <p:cNvSpPr txBox="1"/>
+          <p:nvPr/>
+        </p:nvSpPr>
+        <p:spPr>
+          <a:xfrm>
+            <a:off x="3664705" y="2045370"/>
+            <a:ext cx="216575" cy="207749"/>
+          </a:xfrm>
+          <a:prstGeom prst="rect">
+            <a:avLst/>
+          </a:prstGeom>
+          <a:noFill/>
+        </p:spPr>
+        <p:txBody>
+          <a:bodyPr wrap="square" lIns="0" rIns="0" rtlCol="0">
+            <a:spAutoFit/>
+          </a:bodyPr>
+          <a:lstStyle>
+            <a:defPPr>
+              <a:defRPr lang="en-US"/>
+            </a:defPPr>
+            <a:lvl1pPr algn="ctr">
+              <a:defRPr sz="1000">
+                <a:latin typeface="Calibri" panose="020F0502020204030204" pitchFamily="34" charset="0"/>
+                <a:ea typeface="Calibri" panose="020F0502020204030204" pitchFamily="34" charset="0"/>
+                <a:cs typeface="Calibri" panose="020F0502020204030204" pitchFamily="34" charset="0"/>
+              </a:defRPr>
+            </a:lvl1pPr>
+          </a:lstStyle>
+          <a:p>
+            <a:r>
+              <a:rPr lang="en-US" sz="750" dirty="0"/>
+              <a:t>S3</a:t>
+            </a:r>
+          </a:p>
+        </p:txBody>
+      </p:sp>
+      <p:pic>
+        <p:nvPicPr>
+          <p:cNvPr id="1066" name="Picture 36" descr="5 New Features in AWS Fargate Version 1.4 | Logicata">
+            <a:extLst>
+              <a:ext uri="{FF2B5EF4-FFF2-40B4-BE49-F238E27FC236}">
+                <a16:creationId xmlns:a16="http://schemas.microsoft.com/office/drawing/2014/main" id="{8B1573A3-616B-E414-481F-0A3769003CD7}"/>
+              </a:ext>
+            </a:extLst>
+          </p:cNvPr>
+          <p:cNvPicPr>
+            <a:picLocks noChangeAspect="1" noChangeArrowheads="1"/>
+          </p:cNvPicPr>
+          <p:nvPr/>
+        </p:nvPicPr>
+        <p:blipFill>
+          <a:blip r:embed="rId16">
+            <a:extLst>
+              <a:ext uri="{28A0092B-C50C-407E-A947-70E740481C1C}">
+                <a14:useLocalDpi xmlns:a14="http://schemas.microsoft.com/office/drawing/2010/main" val="0"/>
+              </a:ext>
+            </a:extLst>
+          </a:blip>
+          <a:srcRect/>
+          <a:stretch>
+            <a:fillRect/>
+          </a:stretch>
+        </p:blipFill>
+        <p:spPr bwMode="auto">
+          <a:xfrm>
+            <a:off x="3020248" y="1813555"/>
+            <a:ext cx="264563" cy="285260"/>
+          </a:xfrm>
+          <a:prstGeom prst="rect">
+            <a:avLst/>
+          </a:prstGeom>
+          <a:noFill/>
+          <a:extLst>
+            <a:ext uri="{909E8E84-426E-40DD-AFC4-6F175D3DCCD1}">
+              <a14:hiddenFill xmlns:a14="http://schemas.microsoft.com/office/drawing/2010/main">
+                <a:solidFill>
+                  <a:srgbClr val="FFFFFF"/>
+                </a:solidFill>
+              </a14:hiddenFill>
+            </a:ext>
+          </a:extLst>
+        </p:spPr>
+      </p:pic>
+      <p:sp>
+        <p:nvSpPr>
+          <p:cNvPr id="1067" name="TextBox 1066">
+            <a:extLst>
+              <a:ext uri="{FF2B5EF4-FFF2-40B4-BE49-F238E27FC236}">
+                <a16:creationId xmlns:a16="http://schemas.microsoft.com/office/drawing/2014/main" id="{21E49BB2-C7CB-D636-E53B-ECD0A4284D6B}"/>
+              </a:ext>
+            </a:extLst>
+          </p:cNvPr>
+          <p:cNvSpPr txBox="1"/>
+          <p:nvPr/>
+        </p:nvSpPr>
+        <p:spPr>
+          <a:xfrm>
+            <a:off x="2880657" y="2094380"/>
+            <a:ext cx="543743" cy="207749"/>
+          </a:xfrm>
+          <a:prstGeom prst="rect">
+            <a:avLst/>
+          </a:prstGeom>
+          <a:noFill/>
+        </p:spPr>
+        <p:txBody>
+          <a:bodyPr wrap="square" lIns="0" rIns="0" rtlCol="0">
+            <a:spAutoFit/>
+          </a:bodyPr>
+          <a:lstStyle>
+            <a:defPPr>
+              <a:defRPr lang="en-US"/>
+            </a:defPPr>
+            <a:lvl1pPr algn="ctr">
+              <a:defRPr sz="1000">
+                <a:latin typeface="Calibri" panose="020F0502020204030204" pitchFamily="34" charset="0"/>
+                <a:ea typeface="Calibri" panose="020F0502020204030204" pitchFamily="34" charset="0"/>
+                <a:cs typeface="Calibri" panose="020F0502020204030204" pitchFamily="34" charset="0"/>
+              </a:defRPr>
+            </a:lvl1pPr>
+          </a:lstStyle>
+          <a:p>
+            <a:r>
+              <a:rPr lang="en-US" sz="750" dirty="0"/>
+              <a:t>ECS Fargate</a:t>
+            </a:r>
+          </a:p>
+        </p:txBody>
+      </p:sp>
+      <p:pic>
+        <p:nvPicPr>
+          <p:cNvPr id="1068" name="Picture 38" descr="AWS CloudWatch Logs">
+            <a:extLst>
+              <a:ext uri="{FF2B5EF4-FFF2-40B4-BE49-F238E27FC236}">
+                <a16:creationId xmlns:a16="http://schemas.microsoft.com/office/drawing/2014/main" id="{E2B81CF3-E959-9A8D-9EBE-9EBB54AF8DA3}"/>
+              </a:ext>
+            </a:extLst>
+          </p:cNvPr>
+          <p:cNvPicPr>
+            <a:picLocks noChangeAspect="1" noChangeArrowheads="1"/>
+          </p:cNvPicPr>
+          <p:nvPr/>
+        </p:nvPicPr>
+        <p:blipFill>
+          <a:blip r:embed="rId17">
+            <a:extLst>
+              <a:ext uri="{28A0092B-C50C-407E-A947-70E740481C1C}">
+                <a14:useLocalDpi xmlns:a14="http://schemas.microsoft.com/office/drawing/2010/main" val="0"/>
+              </a:ext>
+            </a:extLst>
+          </a:blip>
+          <a:srcRect/>
+          <a:stretch>
+            <a:fillRect/>
+          </a:stretch>
+        </p:blipFill>
+        <p:spPr bwMode="auto">
+          <a:xfrm>
+            <a:off x="4690536" y="1815094"/>
+            <a:ext cx="263735" cy="285260"/>
+          </a:xfrm>
+          <a:prstGeom prst="rect">
+            <a:avLst/>
+          </a:prstGeom>
+          <a:noFill/>
+          <a:extLst>
+            <a:ext uri="{909E8E84-426E-40DD-AFC4-6F175D3DCCD1}">
+              <a14:hiddenFill xmlns:a14="http://schemas.microsoft.com/office/drawing/2010/main">
+                <a:solidFill>
+                  <a:srgbClr val="FFFFFF"/>
+                </a:solidFill>
+              </a14:hiddenFill>
+            </a:ext>
+          </a:extLst>
+        </p:spPr>
+      </p:pic>
+      <p:sp>
+        <p:nvSpPr>
+          <p:cNvPr id="1069" name="TextBox 1068">
+            <a:extLst>
+              <a:ext uri="{FF2B5EF4-FFF2-40B4-BE49-F238E27FC236}">
+                <a16:creationId xmlns:a16="http://schemas.microsoft.com/office/drawing/2014/main" id="{98C3BA5C-1F1C-E357-608A-329AFC0598CA}"/>
+              </a:ext>
+            </a:extLst>
+          </p:cNvPr>
+          <p:cNvSpPr txBox="1"/>
+          <p:nvPr/>
+        </p:nvSpPr>
+        <p:spPr>
+          <a:xfrm>
+            <a:off x="4563566" y="2052043"/>
+            <a:ext cx="513779" cy="207749"/>
+          </a:xfrm>
+          <a:prstGeom prst="rect">
+            <a:avLst/>
+          </a:prstGeom>
+          <a:noFill/>
+        </p:spPr>
+        <p:txBody>
+          <a:bodyPr wrap="square" lIns="0" rIns="0" rtlCol="0">
+            <a:spAutoFit/>
+          </a:bodyPr>
+          <a:lstStyle>
+            <a:defPPr>
+              <a:defRPr lang="en-US"/>
+            </a:defPPr>
+            <a:lvl1pPr algn="ctr">
+              <a:defRPr sz="1000">
+                <a:latin typeface="Calibri" panose="020F0502020204030204" pitchFamily="34" charset="0"/>
+                <a:ea typeface="Calibri" panose="020F0502020204030204" pitchFamily="34" charset="0"/>
+                <a:cs typeface="Calibri" panose="020F0502020204030204" pitchFamily="34" charset="0"/>
+              </a:defRPr>
+            </a:lvl1pPr>
+          </a:lstStyle>
+          <a:p>
+            <a:r>
+              <a:rPr lang="en-US" sz="750" dirty="0"/>
+              <a:t>CloudWatch</a:t>
+            </a:r>
+          </a:p>
+        </p:txBody>
+      </p:sp>
+      <p:pic>
+        <p:nvPicPr>
+          <p:cNvPr id="1070" name="Picture 12" descr="Amazon ECR | AWS Compute">
+            <a:extLst>
+              <a:ext uri="{FF2B5EF4-FFF2-40B4-BE49-F238E27FC236}">
+                <a16:creationId xmlns:a16="http://schemas.microsoft.com/office/drawing/2014/main" id="{EDE0A9AB-71E4-D79A-DCB4-203AE48569C9}"/>
+              </a:ext>
+            </a:extLst>
+          </p:cNvPr>
+          <p:cNvPicPr>
+            <a:picLocks noChangeAspect="1" noChangeArrowheads="1"/>
+          </p:cNvPicPr>
+          <p:nvPr/>
+        </p:nvPicPr>
+        <p:blipFill>
+          <a:blip r:embed="rId18">
+            <a:extLst>
+              <a:ext uri="{28A0092B-C50C-407E-A947-70E740481C1C}">
+                <a14:useLocalDpi xmlns:a14="http://schemas.microsoft.com/office/drawing/2010/main" val="0"/>
+              </a:ext>
+            </a:extLst>
+          </a:blip>
+          <a:srcRect/>
+          <a:stretch>
+            <a:fillRect/>
+          </a:stretch>
+        </p:blipFill>
+        <p:spPr bwMode="auto">
+          <a:xfrm>
+            <a:off x="2521207" y="1813555"/>
+            <a:ext cx="282728" cy="285260"/>
+          </a:xfrm>
+          <a:prstGeom prst="rect">
+            <a:avLst/>
+          </a:prstGeom>
+          <a:noFill/>
+          <a:extLst>
+            <a:ext uri="{909E8E84-426E-40DD-AFC4-6F175D3DCCD1}">
+              <a14:hiddenFill xmlns:a14="http://schemas.microsoft.com/office/drawing/2010/main">
+                <a:solidFill>
+                  <a:srgbClr val="FFFFFF"/>
+                </a:solidFill>
+              </a14:hiddenFill>
+            </a:ext>
+          </a:extLst>
+        </p:spPr>
+      </p:pic>
+      <p:sp>
+        <p:nvSpPr>
+          <p:cNvPr id="1071" name="TextBox 1070">
+            <a:extLst>
+              <a:ext uri="{FF2B5EF4-FFF2-40B4-BE49-F238E27FC236}">
+                <a16:creationId xmlns:a16="http://schemas.microsoft.com/office/drawing/2014/main" id="{B9F38800-3A8D-2875-4DA5-FE93A513E838}"/>
+              </a:ext>
+            </a:extLst>
+          </p:cNvPr>
+          <p:cNvSpPr txBox="1"/>
+          <p:nvPr/>
+        </p:nvSpPr>
+        <p:spPr>
+          <a:xfrm>
+            <a:off x="2557574" y="2049036"/>
+            <a:ext cx="209994" cy="207749"/>
+          </a:xfrm>
+          <a:prstGeom prst="rect">
+            <a:avLst/>
+          </a:prstGeom>
+          <a:noFill/>
+        </p:spPr>
+        <p:txBody>
+          <a:bodyPr wrap="square" lIns="0" rIns="0" rtlCol="0">
+            <a:spAutoFit/>
+          </a:bodyPr>
+          <a:lstStyle>
+            <a:defPPr>
+              <a:defRPr lang="en-US"/>
+            </a:defPPr>
+            <a:lvl1pPr algn="ctr">
+              <a:defRPr sz="1000">
+                <a:latin typeface="Calibri" panose="020F0502020204030204" pitchFamily="34" charset="0"/>
+                <a:ea typeface="Calibri" panose="020F0502020204030204" pitchFamily="34" charset="0"/>
+                <a:cs typeface="Calibri" panose="020F0502020204030204" pitchFamily="34" charset="0"/>
+              </a:defRPr>
+            </a:lvl1pPr>
+          </a:lstStyle>
+          <a:p>
+            <a:r>
+              <a:rPr lang="en-US" sz="750" dirty="0"/>
+              <a:t>ECR</a:t>
+            </a:r>
+          </a:p>
+        </p:txBody>
+      </p:sp>
+      <p:pic>
+        <p:nvPicPr>
+          <p:cNvPr id="1075" name="Picture 1074">
+            <a:extLst>
+              <a:ext uri="{FF2B5EF4-FFF2-40B4-BE49-F238E27FC236}">
+                <a16:creationId xmlns:a16="http://schemas.microsoft.com/office/drawing/2014/main" id="{265F5880-22A9-094B-EC57-6998C22D3337}"/>
+              </a:ext>
+            </a:extLst>
+          </p:cNvPr>
+          <p:cNvPicPr>
+            <a:picLocks noChangeAspect="1"/>
+          </p:cNvPicPr>
+          <p:nvPr/>
+        </p:nvPicPr>
+        <p:blipFill>
+          <a:blip r:embed="rId19"/>
+          <a:srcRect l="11468" t="6564" r="7282" b="7650"/>
+          <a:stretch/>
+        </p:blipFill>
+        <p:spPr>
+          <a:xfrm>
+            <a:off x="4095091" y="1815094"/>
+            <a:ext cx="264563" cy="285260"/>
+          </a:xfrm>
+          <a:prstGeom prst="rect">
+            <a:avLst/>
+          </a:prstGeom>
+        </p:spPr>
+      </p:pic>
+      <p:sp>
+        <p:nvSpPr>
+          <p:cNvPr id="1076" name="TextBox 1075">
+            <a:extLst>
+              <a:ext uri="{FF2B5EF4-FFF2-40B4-BE49-F238E27FC236}">
+                <a16:creationId xmlns:a16="http://schemas.microsoft.com/office/drawing/2014/main" id="{FDACB625-5617-7B67-C238-567CF71637E7}"/>
+              </a:ext>
+            </a:extLst>
+          </p:cNvPr>
+          <p:cNvSpPr txBox="1"/>
+          <p:nvPr/>
+        </p:nvSpPr>
+        <p:spPr>
+          <a:xfrm>
+            <a:off x="3963915" y="2048582"/>
+            <a:ext cx="526915" cy="207749"/>
+          </a:xfrm>
+          <a:prstGeom prst="rect">
+            <a:avLst/>
+          </a:prstGeom>
+          <a:noFill/>
+        </p:spPr>
+        <p:txBody>
+          <a:bodyPr wrap="square" lIns="0" rIns="0" rtlCol="0">
+            <a:spAutoFit/>
+          </a:bodyPr>
+          <a:lstStyle>
+            <a:defPPr>
+              <a:defRPr lang="en-US"/>
+            </a:defPPr>
+            <a:lvl1pPr algn="ctr">
+              <a:defRPr sz="1000">
+                <a:latin typeface="Calibri" panose="020F0502020204030204" pitchFamily="34" charset="0"/>
+                <a:ea typeface="Calibri" panose="020F0502020204030204" pitchFamily="34" charset="0"/>
+                <a:cs typeface="Calibri" panose="020F0502020204030204" pitchFamily="34" charset="0"/>
+              </a:defRPr>
+            </a:lvl1pPr>
+          </a:lstStyle>
+          <a:p>
+            <a:r>
+              <a:rPr lang="en-US" sz="750" dirty="0"/>
+              <a:t>Event Bridge</a:t>
+            </a:r>
+          </a:p>
+        </p:txBody>
+      </p:sp>
+      <p:sp>
+        <p:nvSpPr>
+          <p:cNvPr id="1094" name="TextBox 1093">
+            <a:extLst>
+              <a:ext uri="{FF2B5EF4-FFF2-40B4-BE49-F238E27FC236}">
+                <a16:creationId xmlns:a16="http://schemas.microsoft.com/office/drawing/2014/main" id="{D1BD3F02-E4C8-E982-D611-BFA789A5C27F}"/>
+              </a:ext>
+            </a:extLst>
+          </p:cNvPr>
+          <p:cNvSpPr txBox="1"/>
+          <p:nvPr/>
+        </p:nvSpPr>
+        <p:spPr>
+          <a:xfrm>
+            <a:off x="2487786" y="3120618"/>
+            <a:ext cx="349570" cy="207749"/>
+          </a:xfrm>
+          <a:prstGeom prst="rect">
+            <a:avLst/>
+          </a:prstGeom>
+          <a:noFill/>
+        </p:spPr>
+        <p:txBody>
+          <a:bodyPr wrap="square" lIns="0" rIns="0" rtlCol="0">
+            <a:spAutoFit/>
+          </a:bodyPr>
+          <a:lstStyle>
+            <a:defPPr>
+              <a:defRPr lang="en-US"/>
+            </a:defPPr>
+            <a:lvl1pPr algn="ctr">
+              <a:defRPr sz="1000">
+                <a:latin typeface="Calibri" panose="020F0502020204030204" pitchFamily="34" charset="0"/>
+                <a:ea typeface="Calibri" panose="020F0502020204030204" pitchFamily="34" charset="0"/>
+                <a:cs typeface="Calibri" panose="020F0502020204030204" pitchFamily="34" charset="0"/>
+              </a:defRPr>
+            </a:lvl1pPr>
+          </a:lstStyle>
+          <a:p>
+            <a:r>
+              <a:rPr lang="en-US" sz="750" dirty="0"/>
+              <a:t>Email</a:t>
+            </a:r>
+          </a:p>
+        </p:txBody>
+      </p:sp>
+      <p:pic>
+        <p:nvPicPr>
+          <p:cNvPr id="1105" name="Picture 44">
+            <a:extLst>
+              <a:ext uri="{FF2B5EF4-FFF2-40B4-BE49-F238E27FC236}">
+                <a16:creationId xmlns:a16="http://schemas.microsoft.com/office/drawing/2014/main" id="{1A73740D-3F31-C053-0F6A-A03BCB4C9727}"/>
+              </a:ext>
+            </a:extLst>
+          </p:cNvPr>
+          <p:cNvPicPr>
+            <a:picLocks noChangeAspect="1" noChangeArrowheads="1"/>
+          </p:cNvPicPr>
+          <p:nvPr/>
+        </p:nvPicPr>
+        <p:blipFill>
+          <a:blip r:embed="rId20">
+            <a:extLst>
+              <a:ext uri="{28A0092B-C50C-407E-A947-70E740481C1C}">
+                <a14:useLocalDpi xmlns:a14="http://schemas.microsoft.com/office/drawing/2010/main" val="0"/>
+              </a:ext>
+            </a:extLst>
+          </a:blip>
+          <a:srcRect/>
+          <a:stretch>
+            <a:fillRect/>
+          </a:stretch>
+        </p:blipFill>
+        <p:spPr bwMode="auto">
+          <a:xfrm>
+            <a:off x="3640664" y="2830180"/>
+            <a:ext cx="264611" cy="285260"/>
+          </a:xfrm>
+          <a:prstGeom prst="rect">
+            <a:avLst/>
+          </a:prstGeom>
+          <a:noFill/>
+          <a:extLst>
+            <a:ext uri="{909E8E84-426E-40DD-AFC4-6F175D3DCCD1}">
+              <a14:hiddenFill xmlns:a14="http://schemas.microsoft.com/office/drawing/2010/main">
+                <a:solidFill>
+                  <a:srgbClr val="FFFFFF"/>
+                </a:solidFill>
+              </a14:hiddenFill>
+            </a:ext>
+          </a:extLst>
+        </p:spPr>
+      </p:pic>
+      <p:sp>
+        <p:nvSpPr>
+          <p:cNvPr id="1106" name="TextBox 1105">
+            <a:extLst>
+              <a:ext uri="{FF2B5EF4-FFF2-40B4-BE49-F238E27FC236}">
+                <a16:creationId xmlns:a16="http://schemas.microsoft.com/office/drawing/2014/main" id="{5554FC95-15AE-2FEA-69B4-AC61CC45652F}"/>
+              </a:ext>
+            </a:extLst>
+          </p:cNvPr>
+          <p:cNvSpPr txBox="1"/>
+          <p:nvPr/>
+        </p:nvSpPr>
+        <p:spPr>
+          <a:xfrm>
+            <a:off x="3614330" y="3110262"/>
+            <a:ext cx="317278" cy="207749"/>
+          </a:xfrm>
+          <a:prstGeom prst="rect">
+            <a:avLst/>
+          </a:prstGeom>
+          <a:noFill/>
+        </p:spPr>
+        <p:txBody>
+          <a:bodyPr wrap="square" lIns="0" rIns="0" rtlCol="0">
+            <a:spAutoFit/>
+          </a:bodyPr>
+          <a:lstStyle>
+            <a:defPPr>
+              <a:defRPr lang="en-US"/>
+            </a:defPPr>
+            <a:lvl1pPr algn="ctr">
+              <a:defRPr sz="1000">
+                <a:latin typeface="Calibri" panose="020F0502020204030204" pitchFamily="34" charset="0"/>
+                <a:ea typeface="Calibri" panose="020F0502020204030204" pitchFamily="34" charset="0"/>
+                <a:cs typeface="Calibri" panose="020F0502020204030204" pitchFamily="34" charset="0"/>
+              </a:defRPr>
+            </a:lvl1pPr>
+          </a:lstStyle>
+          <a:p>
+            <a:r>
+              <a:rPr lang="en-US" sz="750" dirty="0"/>
+              <a:t>React</a:t>
+            </a:r>
+          </a:p>
+        </p:txBody>
+      </p:sp>
+      <p:pic>
+        <p:nvPicPr>
+          <p:cNvPr id="1082" name="Picture 1081">
+            <a:extLst>
+              <a:ext uri="{FF2B5EF4-FFF2-40B4-BE49-F238E27FC236}">
+                <a16:creationId xmlns:a16="http://schemas.microsoft.com/office/drawing/2014/main" id="{D806B8BE-97D7-5876-F329-415E533DE528}"/>
+              </a:ext>
+            </a:extLst>
+          </p:cNvPr>
+          <p:cNvPicPr>
+            <a:picLocks noChangeAspect="1"/>
+          </p:cNvPicPr>
+          <p:nvPr/>
+        </p:nvPicPr>
+        <p:blipFill>
+          <a:blip r:embed="rId21"/>
+          <a:stretch>
+            <a:fillRect/>
+          </a:stretch>
+        </p:blipFill>
+        <p:spPr>
+          <a:xfrm>
+            <a:off x="1957581" y="1813555"/>
+            <a:ext cx="256327" cy="285260"/>
+          </a:xfrm>
+          <a:prstGeom prst="rect">
+            <a:avLst/>
+          </a:prstGeom>
+        </p:spPr>
+      </p:pic>
+      <p:sp>
+        <p:nvSpPr>
+          <p:cNvPr id="1107" name="TextBox 1106">
+            <a:extLst>
+              <a:ext uri="{FF2B5EF4-FFF2-40B4-BE49-F238E27FC236}">
+                <a16:creationId xmlns:a16="http://schemas.microsoft.com/office/drawing/2014/main" id="{FFF489B3-7B2C-464A-74D3-CD8D0FE1F91C}"/>
+              </a:ext>
+            </a:extLst>
+          </p:cNvPr>
+          <p:cNvSpPr txBox="1"/>
+          <p:nvPr/>
+        </p:nvSpPr>
+        <p:spPr>
+          <a:xfrm>
+            <a:off x="1906795" y="2049036"/>
+            <a:ext cx="400711" cy="323165"/>
+          </a:xfrm>
+          <a:prstGeom prst="rect">
+            <a:avLst/>
+          </a:prstGeom>
+          <a:noFill/>
+        </p:spPr>
+        <p:txBody>
+          <a:bodyPr wrap="square" lIns="0" rIns="0" rtlCol="0">
+            <a:spAutoFit/>
+          </a:bodyPr>
+          <a:lstStyle>
+            <a:defPPr>
+              <a:defRPr lang="en-US"/>
+            </a:defPPr>
+            <a:lvl1pPr algn="ctr">
+              <a:defRPr sz="1000">
+                <a:latin typeface="Calibri" panose="020F0502020204030204" pitchFamily="34" charset="0"/>
+                <a:ea typeface="Calibri" panose="020F0502020204030204" pitchFamily="34" charset="0"/>
+                <a:cs typeface="Calibri" panose="020F0502020204030204" pitchFamily="34" charset="0"/>
+              </a:defRPr>
+            </a:lvl1pPr>
+          </a:lstStyle>
+          <a:p>
+            <a:r>
+              <a:rPr lang="en-US" sz="750" dirty="0"/>
+              <a:t>Secrets Manager</a:t>
+            </a:r>
+          </a:p>
+        </p:txBody>
+      </p:sp>
+      <p:pic>
+        <p:nvPicPr>
+          <p:cNvPr id="1110" name="Picture 46" descr="aws iam&quot; Icon - Download for free – Iconduck">
+            <a:extLst>
+              <a:ext uri="{FF2B5EF4-FFF2-40B4-BE49-F238E27FC236}">
+                <a16:creationId xmlns:a16="http://schemas.microsoft.com/office/drawing/2014/main" id="{EC089D71-4B04-DCC0-45DA-61571E1318C8}"/>
+              </a:ext>
+            </a:extLst>
+          </p:cNvPr>
+          <p:cNvPicPr>
+            <a:picLocks noChangeAspect="1" noChangeArrowheads="1"/>
+          </p:cNvPicPr>
+          <p:nvPr/>
+        </p:nvPicPr>
+        <p:blipFill>
+          <a:blip r:embed="rId22">
+            <a:extLst>
+              <a:ext uri="{28A0092B-C50C-407E-A947-70E740481C1C}">
+                <a14:useLocalDpi xmlns:a14="http://schemas.microsoft.com/office/drawing/2010/main" val="0"/>
+              </a:ext>
+            </a:extLst>
+          </a:blip>
+          <a:srcRect/>
+          <a:stretch>
+            <a:fillRect/>
+          </a:stretch>
+        </p:blipFill>
+        <p:spPr bwMode="auto">
+          <a:xfrm>
+            <a:off x="5816204" y="1808059"/>
+            <a:ext cx="149871" cy="286321"/>
+          </a:xfrm>
+          <a:prstGeom prst="rect">
+            <a:avLst/>
+          </a:prstGeom>
+          <a:noFill/>
+          <a:extLst>
+            <a:ext uri="{909E8E84-426E-40DD-AFC4-6F175D3DCCD1}">
+              <a14:hiddenFill xmlns:a14="http://schemas.microsoft.com/office/drawing/2010/main">
+                <a:solidFill>
+                  <a:srgbClr val="FFFFFF"/>
+                </a:solidFill>
+              </a14:hiddenFill>
+            </a:ext>
+          </a:extLst>
+        </p:spPr>
+      </p:pic>
+      <p:sp>
+        <p:nvSpPr>
+          <p:cNvPr id="1111" name="TextBox 1110">
+            <a:extLst>
+              <a:ext uri="{FF2B5EF4-FFF2-40B4-BE49-F238E27FC236}">
+                <a16:creationId xmlns:a16="http://schemas.microsoft.com/office/drawing/2014/main" id="{FFDFD7ED-299B-3454-41E5-BFA1CDE8D4F5}"/>
+              </a:ext>
+            </a:extLst>
+          </p:cNvPr>
+          <p:cNvSpPr txBox="1"/>
+          <p:nvPr/>
+        </p:nvSpPr>
+        <p:spPr>
+          <a:xfrm>
+            <a:off x="5759631" y="2052042"/>
+            <a:ext cx="256509" cy="207749"/>
+          </a:xfrm>
+          <a:prstGeom prst="rect">
+            <a:avLst/>
+          </a:prstGeom>
+          <a:noFill/>
+        </p:spPr>
+        <p:txBody>
+          <a:bodyPr wrap="square" lIns="0" rIns="0" rtlCol="0">
+            <a:spAutoFit/>
+          </a:bodyPr>
+          <a:lstStyle>
+            <a:defPPr>
+              <a:defRPr lang="en-US"/>
+            </a:defPPr>
+            <a:lvl1pPr algn="ctr">
+              <a:defRPr sz="1000">
+                <a:latin typeface="Calibri" panose="020F0502020204030204" pitchFamily="34" charset="0"/>
+                <a:ea typeface="Calibri" panose="020F0502020204030204" pitchFamily="34" charset="0"/>
+                <a:cs typeface="Calibri" panose="020F0502020204030204" pitchFamily="34" charset="0"/>
+              </a:defRPr>
+            </a:lvl1pPr>
+          </a:lstStyle>
+          <a:p>
+            <a:r>
+              <a:rPr lang="en-US" sz="750" dirty="0"/>
+              <a:t>IAM</a:t>
+            </a:r>
+          </a:p>
+        </p:txBody>
+      </p:sp>
+      <p:pic>
+        <p:nvPicPr>
+          <p:cNvPr id="1113" name="Picture 48" descr="aws cloudfront&quot; Icon - Download for free – Iconduck">
+            <a:extLst>
+              <a:ext uri="{FF2B5EF4-FFF2-40B4-BE49-F238E27FC236}">
+                <a16:creationId xmlns:a16="http://schemas.microsoft.com/office/drawing/2014/main" id="{FDBA4828-29CE-4A05-B712-6B8ED5712FAB}"/>
+              </a:ext>
+            </a:extLst>
+          </p:cNvPr>
+          <p:cNvPicPr>
+            <a:picLocks noChangeAspect="1" noChangeArrowheads="1"/>
+          </p:cNvPicPr>
+          <p:nvPr/>
+        </p:nvPicPr>
+        <p:blipFill>
+          <a:blip r:embed="rId23">
+            <a:extLst>
+              <a:ext uri="{28A0092B-C50C-407E-A947-70E740481C1C}">
+                <a14:useLocalDpi xmlns:a14="http://schemas.microsoft.com/office/drawing/2010/main" val="0"/>
+              </a:ext>
+            </a:extLst>
+          </a:blip>
+          <a:srcRect/>
+          <a:stretch>
+            <a:fillRect/>
+          </a:stretch>
+        </p:blipFill>
+        <p:spPr bwMode="auto">
+          <a:xfrm>
+            <a:off x="2058858" y="2835358"/>
+            <a:ext cx="264563" cy="288914"/>
+          </a:xfrm>
+          <a:prstGeom prst="rect">
+            <a:avLst/>
+          </a:prstGeom>
+          <a:noFill/>
+          <a:extLst>
+            <a:ext uri="{909E8E84-426E-40DD-AFC4-6F175D3DCCD1}">
+              <a14:hiddenFill xmlns:a14="http://schemas.microsoft.com/office/drawing/2010/main">
+                <a:solidFill>
+                  <a:srgbClr val="FFFFFF"/>
+                </a:solidFill>
+              </a14:hiddenFill>
+            </a:ext>
+          </a:extLst>
+        </p:spPr>
+      </p:pic>
+      <p:sp>
+        <p:nvSpPr>
+          <p:cNvPr id="1114" name="TextBox 1113">
+            <a:extLst>
+              <a:ext uri="{FF2B5EF4-FFF2-40B4-BE49-F238E27FC236}">
+                <a16:creationId xmlns:a16="http://schemas.microsoft.com/office/drawing/2014/main" id="{9BDB622F-FE61-002C-D302-088C8D12AEE0}"/>
+              </a:ext>
+            </a:extLst>
+          </p:cNvPr>
+          <p:cNvSpPr txBox="1"/>
+          <p:nvPr/>
+        </p:nvSpPr>
+        <p:spPr>
+          <a:xfrm>
+            <a:off x="1942169" y="3110263"/>
+            <a:ext cx="499949" cy="207749"/>
+          </a:xfrm>
+          <a:prstGeom prst="rect">
+            <a:avLst/>
+          </a:prstGeom>
+          <a:noFill/>
+        </p:spPr>
+        <p:txBody>
+          <a:bodyPr wrap="square" lIns="0" rIns="0" rtlCol="0">
+            <a:spAutoFit/>
+          </a:bodyPr>
+          <a:lstStyle>
+            <a:defPPr>
+              <a:defRPr lang="en-US"/>
+            </a:defPPr>
+            <a:lvl1pPr algn="ctr">
+              <a:defRPr sz="1000">
+                <a:latin typeface="Calibri" panose="020F0502020204030204" pitchFamily="34" charset="0"/>
+                <a:ea typeface="Calibri" panose="020F0502020204030204" pitchFamily="34" charset="0"/>
+                <a:cs typeface="Calibri" panose="020F0502020204030204" pitchFamily="34" charset="0"/>
+              </a:defRPr>
+            </a:lvl1pPr>
+          </a:lstStyle>
+          <a:p>
+            <a:r>
+              <a:rPr lang="en-US" sz="750" dirty="0"/>
+              <a:t>CloudFront</a:t>
+            </a:r>
+          </a:p>
+        </p:txBody>
+      </p:sp>
+      <p:pic>
+        <p:nvPicPr>
+          <p:cNvPr id="1116" name="Picture 52" descr="Node.js Explained - A beginner guide">
+            <a:extLst>
+              <a:ext uri="{FF2B5EF4-FFF2-40B4-BE49-F238E27FC236}">
+                <a16:creationId xmlns:a16="http://schemas.microsoft.com/office/drawing/2014/main" id="{513E431D-7440-1ACE-8B27-2A326D22FF93}"/>
+              </a:ext>
+            </a:extLst>
+          </p:cNvPr>
+          <p:cNvPicPr>
+            <a:picLocks noChangeAspect="1" noChangeArrowheads="1"/>
+          </p:cNvPicPr>
+          <p:nvPr/>
+        </p:nvPicPr>
+        <p:blipFill>
+          <a:blip r:embed="rId24">
+            <a:extLst>
+              <a:ext uri="{28A0092B-C50C-407E-A947-70E740481C1C}">
+                <a14:useLocalDpi xmlns:a14="http://schemas.microsoft.com/office/drawing/2010/main" val="0"/>
+              </a:ext>
+            </a:extLst>
+          </a:blip>
+          <a:srcRect/>
+          <a:stretch>
+            <a:fillRect/>
+          </a:stretch>
+        </p:blipFill>
+        <p:spPr bwMode="auto">
+          <a:xfrm>
+            <a:off x="3020248" y="2835358"/>
+            <a:ext cx="264563" cy="285260"/>
+          </a:xfrm>
+          <a:prstGeom prst="rect">
+            <a:avLst/>
+          </a:prstGeom>
+          <a:noFill/>
+          <a:extLst>
+            <a:ext uri="{909E8E84-426E-40DD-AFC4-6F175D3DCCD1}">
+              <a14:hiddenFill xmlns:a14="http://schemas.microsoft.com/office/drawing/2010/main">
+                <a:solidFill>
+                  <a:srgbClr val="FFFFFF"/>
+                </a:solidFill>
+              </a14:hiddenFill>
+            </a:ext>
+          </a:extLst>
+        </p:spPr>
+      </p:pic>
+      <p:sp>
+        <p:nvSpPr>
+          <p:cNvPr id="1117" name="TextBox 1116">
+            <a:extLst>
+              <a:ext uri="{FF2B5EF4-FFF2-40B4-BE49-F238E27FC236}">
+                <a16:creationId xmlns:a16="http://schemas.microsoft.com/office/drawing/2014/main" id="{2055C382-73F8-61AD-50D5-D7CB168A8D71}"/>
+              </a:ext>
+            </a:extLst>
+          </p:cNvPr>
+          <p:cNvSpPr txBox="1"/>
+          <p:nvPr/>
+        </p:nvSpPr>
+        <p:spPr>
+          <a:xfrm>
+            <a:off x="2952172" y="3120618"/>
+            <a:ext cx="400711" cy="207749"/>
+          </a:xfrm>
+          <a:prstGeom prst="rect">
+            <a:avLst/>
+          </a:prstGeom>
+          <a:noFill/>
+        </p:spPr>
+        <p:txBody>
+          <a:bodyPr wrap="square" lIns="0" rIns="0" rtlCol="0">
+            <a:spAutoFit/>
+          </a:bodyPr>
+          <a:lstStyle>
+            <a:defPPr>
+              <a:defRPr lang="en-US"/>
+            </a:defPPr>
+            <a:lvl1pPr algn="ctr">
+              <a:defRPr sz="1000">
+                <a:latin typeface="Calibri" panose="020F0502020204030204" pitchFamily="34" charset="0"/>
+                <a:ea typeface="Calibri" panose="020F0502020204030204" pitchFamily="34" charset="0"/>
+                <a:cs typeface="Calibri" panose="020F0502020204030204" pitchFamily="34" charset="0"/>
+              </a:defRPr>
+            </a:lvl1pPr>
+          </a:lstStyle>
+          <a:p>
+            <a:r>
+              <a:rPr lang="en-US" sz="750" dirty="0"/>
+              <a:t>Node/</a:t>
+            </a:r>
+            <a:r>
+              <a:rPr lang="en-US" sz="750" dirty="0" err="1"/>
+              <a:t>js</a:t>
+            </a:r>
+            <a:endParaRPr lang="en-US" sz="750" dirty="0"/>
+          </a:p>
+        </p:txBody>
+      </p:sp>
+      <p:pic>
+        <p:nvPicPr>
+          <p:cNvPr id="46" name="Picture 32">
+            <a:extLst>
+              <a:ext uri="{FF2B5EF4-FFF2-40B4-BE49-F238E27FC236}">
+                <a16:creationId xmlns:a16="http://schemas.microsoft.com/office/drawing/2014/main" id="{7AD0CB68-DC7F-077D-2A66-435B70E47396}"/>
+              </a:ext>
+            </a:extLst>
+          </p:cNvPr>
+          <p:cNvPicPr>
+            <a:picLocks noChangeAspect="1" noChangeArrowheads="1"/>
+          </p:cNvPicPr>
+          <p:nvPr/>
+        </p:nvPicPr>
+        <p:blipFill>
+          <a:blip r:embed="rId14">
+            <a:extLst>
+              <a:ext uri="{28A0092B-C50C-407E-A947-70E740481C1C}">
+                <a14:useLocalDpi xmlns:a14="http://schemas.microsoft.com/office/drawing/2010/main" val="0"/>
+              </a:ext>
+            </a:extLst>
+          </a:blip>
+          <a:srcRect/>
+          <a:stretch>
+            <a:fillRect/>
+          </a:stretch>
+        </p:blipFill>
+        <p:spPr bwMode="auto">
+          <a:xfrm>
+            <a:off x="8424285" y="1808059"/>
+            <a:ext cx="264563" cy="285260"/>
+          </a:xfrm>
+          <a:prstGeom prst="rect">
+            <a:avLst/>
+          </a:prstGeom>
+          <a:noFill/>
+          <a:extLst>
+            <a:ext uri="{909E8E84-426E-40DD-AFC4-6F175D3DCCD1}">
+              <a14:hiddenFill xmlns:a14="http://schemas.microsoft.com/office/drawing/2010/main">
+                <a:solidFill>
+                  <a:srgbClr val="FFFFFF"/>
+                </a:solidFill>
+              </a14:hiddenFill>
+            </a:ext>
+          </a:extLst>
+        </p:spPr>
+      </p:pic>
+      <p:sp>
+        <p:nvSpPr>
+          <p:cNvPr id="47" name="TextBox 46">
+            <a:extLst>
+              <a:ext uri="{FF2B5EF4-FFF2-40B4-BE49-F238E27FC236}">
+                <a16:creationId xmlns:a16="http://schemas.microsoft.com/office/drawing/2014/main" id="{2178A1F4-D9B4-4922-5FDC-92C54C8A00BA}"/>
+              </a:ext>
+            </a:extLst>
+          </p:cNvPr>
+          <p:cNvSpPr txBox="1"/>
+          <p:nvPr/>
+        </p:nvSpPr>
+        <p:spPr>
+          <a:xfrm>
+            <a:off x="8411018" y="2036671"/>
+            <a:ext cx="283589" cy="323165"/>
+          </a:xfrm>
+          <a:prstGeom prst="rect">
+            <a:avLst/>
+          </a:prstGeom>
+          <a:noFill/>
+        </p:spPr>
+        <p:txBody>
+          <a:bodyPr wrap="square" lIns="0" rIns="0" rtlCol="0">
+            <a:spAutoFit/>
+          </a:bodyPr>
+          <a:lstStyle>
+            <a:defPPr>
+              <a:defRPr lang="en-US"/>
+            </a:defPPr>
+            <a:lvl1pPr algn="ctr">
+              <a:defRPr sz="1000">
+                <a:latin typeface="Calibri" panose="020F0502020204030204" pitchFamily="34" charset="0"/>
+                <a:ea typeface="Calibri" panose="020F0502020204030204" pitchFamily="34" charset="0"/>
+                <a:cs typeface="Calibri" panose="020F0502020204030204" pitchFamily="34" charset="0"/>
+              </a:defRPr>
+            </a:lvl1pPr>
+          </a:lstStyle>
+          <a:p>
+            <a:r>
+              <a:rPr lang="en-US" sz="750" dirty="0"/>
+              <a:t>Power</a:t>
+            </a:r>
+          </a:p>
+          <a:p>
+            <a:r>
+              <a:rPr lang="en-US" sz="750" dirty="0"/>
+              <a:t>Shell</a:t>
+            </a:r>
+          </a:p>
+        </p:txBody>
+      </p:sp>
+      <p:sp>
+        <p:nvSpPr>
+          <p:cNvPr id="7" name="Rectangle 6">
+            <a:extLst>
+              <a:ext uri="{FF2B5EF4-FFF2-40B4-BE49-F238E27FC236}">
+                <a16:creationId xmlns:a16="http://schemas.microsoft.com/office/drawing/2014/main" id="{C134EAD7-32F1-C61F-B7B5-3A2D7A030D7B}"/>
+              </a:ext>
+            </a:extLst>
+          </p:cNvPr>
+          <p:cNvSpPr/>
+          <p:nvPr/>
+        </p:nvSpPr>
+        <p:spPr>
+          <a:xfrm>
+            <a:off x="457201" y="1173906"/>
+            <a:ext cx="264563" cy="285260"/>
+          </a:xfrm>
+          <a:prstGeom prst="rect">
+            <a:avLst/>
+          </a:prstGeom>
+          <a:noFill/>
+        </p:spPr>
+        <p:style>
+          <a:lnRef idx="2">
+            <a:schemeClr val="accent1">
+              <a:shade val="15000"/>
+            </a:schemeClr>
+          </a:lnRef>
+          <a:fillRef idx="1">
+            <a:schemeClr val="accent1"/>
+          </a:fillRef>
+          <a:effectRef idx="0">
+            <a:schemeClr val="accent1"/>
+          </a:effectRef>
+          <a:fontRef idx="minor">
+            <a:schemeClr val="lt1"/>
+          </a:fontRef>
+        </p:style>
+        <p:txBody>
+          <a:bodyPr rtlCol="0" anchor="ctr"/>
+          <a:lstStyle/>
+          <a:p>
+            <a:pPr algn="ctr"/>
+            <a:endParaRPr lang="en-US" sz="1350"/>
+          </a:p>
+        </p:txBody>
+      </p:sp>
+      <p:pic>
+        <p:nvPicPr>
+          <p:cNvPr id="8" name="Picture 2" descr="Cloud Icons | AWS Lambda">
+            <a:extLst>
+              <a:ext uri="{FF2B5EF4-FFF2-40B4-BE49-F238E27FC236}">
+                <a16:creationId xmlns:a16="http://schemas.microsoft.com/office/drawing/2014/main" id="{69DB83E3-6497-1D4C-DE58-0156B20E2C7F}"/>
+              </a:ext>
+            </a:extLst>
+          </p:cNvPr>
+          <p:cNvPicPr>
+            <a:picLocks noChangeAspect="1" noChangeArrowheads="1"/>
+          </p:cNvPicPr>
+          <p:nvPr/>
+        </p:nvPicPr>
+        <p:blipFill>
+          <a:blip r:embed="rId25">
+            <a:extLst>
+              <a:ext uri="{28A0092B-C50C-407E-A947-70E740481C1C}">
+                <a14:useLocalDpi xmlns:a14="http://schemas.microsoft.com/office/drawing/2010/main" val="0"/>
+              </a:ext>
+            </a:extLst>
+          </a:blip>
+          <a:srcRect/>
+          <a:stretch>
+            <a:fillRect/>
+          </a:stretch>
+        </p:blipFill>
+        <p:spPr bwMode="auto">
+          <a:xfrm>
+            <a:off x="4118362" y="2835358"/>
+            <a:ext cx="264563" cy="288914"/>
+          </a:xfrm>
+          <a:prstGeom prst="rect">
+            <a:avLst/>
+          </a:prstGeom>
+          <a:noFill/>
+          <a:extLst>
+            <a:ext uri="{909E8E84-426E-40DD-AFC4-6F175D3DCCD1}">
+              <a14:hiddenFill xmlns:a14="http://schemas.microsoft.com/office/drawing/2010/main">
+                <a:solidFill>
+                  <a:srgbClr val="FFFFFF"/>
+                </a:solidFill>
+              </a14:hiddenFill>
+            </a:ext>
+          </a:extLst>
+        </p:spPr>
+      </p:pic>
+      <p:sp>
+        <p:nvSpPr>
+          <p:cNvPr id="10" name="TextBox 9">
+            <a:extLst>
+              <a:ext uri="{FF2B5EF4-FFF2-40B4-BE49-F238E27FC236}">
+                <a16:creationId xmlns:a16="http://schemas.microsoft.com/office/drawing/2014/main" id="{7E44BEF1-FE1B-8CBA-24AE-2BBB677B7429}"/>
+              </a:ext>
+            </a:extLst>
+          </p:cNvPr>
+          <p:cNvSpPr txBox="1"/>
+          <p:nvPr/>
+        </p:nvSpPr>
+        <p:spPr>
+          <a:xfrm>
+            <a:off x="4092004" y="3110262"/>
+            <a:ext cx="317278" cy="207749"/>
+          </a:xfrm>
+          <a:prstGeom prst="rect">
+            <a:avLst/>
+          </a:prstGeom>
+          <a:noFill/>
+        </p:spPr>
+        <p:txBody>
+          <a:bodyPr wrap="square" lIns="0" rIns="0" rtlCol="0">
+            <a:spAutoFit/>
+          </a:bodyPr>
+          <a:lstStyle>
+            <a:defPPr>
+              <a:defRPr lang="en-US"/>
+            </a:defPPr>
+            <a:lvl1pPr algn="ctr">
+              <a:defRPr sz="1000">
+                <a:latin typeface="Calibri" panose="020F0502020204030204" pitchFamily="34" charset="0"/>
+                <a:ea typeface="Calibri" panose="020F0502020204030204" pitchFamily="34" charset="0"/>
+                <a:cs typeface="Calibri" panose="020F0502020204030204" pitchFamily="34" charset="0"/>
+              </a:defRPr>
+            </a:lvl1pPr>
+          </a:lstStyle>
+          <a:p>
+            <a:r>
+              <a:rPr lang="en-US" sz="750" dirty="0"/>
+              <a:t>Lambda</a:t>
+            </a:r>
+          </a:p>
+        </p:txBody>
+      </p:sp>
+      <p:pic>
+        <p:nvPicPr>
+          <p:cNvPr id="13" name="Picture 4" descr="aws api gateway&quot; Icon - Download for free – Iconduck">
+            <a:extLst>
+              <a:ext uri="{FF2B5EF4-FFF2-40B4-BE49-F238E27FC236}">
+                <a16:creationId xmlns:a16="http://schemas.microsoft.com/office/drawing/2014/main" id="{2B061E2C-899C-6E32-9824-13CF5011DDC2}"/>
+              </a:ext>
+            </a:extLst>
+          </p:cNvPr>
+          <p:cNvPicPr>
+            <a:picLocks noChangeAspect="1" noChangeArrowheads="1"/>
+          </p:cNvPicPr>
+          <p:nvPr/>
+        </p:nvPicPr>
+        <p:blipFill>
+          <a:blip r:embed="rId26">
+            <a:extLst>
+              <a:ext uri="{28A0092B-C50C-407E-A947-70E740481C1C}">
+                <a14:useLocalDpi xmlns:a14="http://schemas.microsoft.com/office/drawing/2010/main" val="0"/>
+              </a:ext>
+            </a:extLst>
+          </a:blip>
+          <a:srcRect/>
+          <a:stretch>
+            <a:fillRect/>
+          </a:stretch>
+        </p:blipFill>
+        <p:spPr bwMode="auto">
+          <a:xfrm>
+            <a:off x="4688174" y="2825002"/>
+            <a:ext cx="264563" cy="285260"/>
+          </a:xfrm>
+          <a:prstGeom prst="rect">
+            <a:avLst/>
+          </a:prstGeom>
+          <a:noFill/>
+          <a:extLst>
+            <a:ext uri="{909E8E84-426E-40DD-AFC4-6F175D3DCCD1}">
+              <a14:hiddenFill xmlns:a14="http://schemas.microsoft.com/office/drawing/2010/main">
+                <a:solidFill>
+                  <a:srgbClr val="FFFFFF"/>
+                </a:solidFill>
+              </a14:hiddenFill>
+            </a:ext>
+          </a:extLst>
+        </p:spPr>
+      </p:pic>
+      <p:sp>
+        <p:nvSpPr>
+          <p:cNvPr id="14" name="TextBox 13">
+            <a:extLst>
+              <a:ext uri="{FF2B5EF4-FFF2-40B4-BE49-F238E27FC236}">
+                <a16:creationId xmlns:a16="http://schemas.microsoft.com/office/drawing/2014/main" id="{992579A2-CEF2-4AD7-4742-8BE401EFCC38}"/>
+              </a:ext>
+            </a:extLst>
+          </p:cNvPr>
+          <p:cNvSpPr txBox="1"/>
+          <p:nvPr/>
+        </p:nvSpPr>
+        <p:spPr>
+          <a:xfrm>
+            <a:off x="4604740" y="3110262"/>
+            <a:ext cx="437906" cy="323165"/>
+          </a:xfrm>
+          <a:prstGeom prst="rect">
+            <a:avLst/>
+          </a:prstGeom>
+          <a:noFill/>
+        </p:spPr>
+        <p:txBody>
+          <a:bodyPr wrap="square" lIns="0" rIns="0" rtlCol="0">
+            <a:spAutoFit/>
+          </a:bodyPr>
+          <a:lstStyle>
+            <a:defPPr>
+              <a:defRPr lang="en-US"/>
+            </a:defPPr>
+            <a:lvl1pPr algn="ctr">
+              <a:defRPr sz="1000">
+                <a:latin typeface="Calibri" panose="020F0502020204030204" pitchFamily="34" charset="0"/>
+                <a:ea typeface="Calibri" panose="020F0502020204030204" pitchFamily="34" charset="0"/>
+                <a:cs typeface="Calibri" panose="020F0502020204030204" pitchFamily="34" charset="0"/>
+              </a:defRPr>
+            </a:lvl1pPr>
+          </a:lstStyle>
+          <a:p>
+            <a:r>
+              <a:rPr lang="en-US" sz="750" dirty="0"/>
+              <a:t>API Gateway</a:t>
+            </a:r>
+          </a:p>
+        </p:txBody>
+      </p:sp>
+      <p:pic>
+        <p:nvPicPr>
+          <p:cNvPr id="18" name="Picture 17">
+            <a:extLst>
+              <a:ext uri="{FF2B5EF4-FFF2-40B4-BE49-F238E27FC236}">
+                <a16:creationId xmlns:a16="http://schemas.microsoft.com/office/drawing/2014/main" id="{9995A2F7-92D2-568E-A794-F7BFE3922FA1}"/>
+              </a:ext>
+            </a:extLst>
+          </p:cNvPr>
+          <p:cNvPicPr>
+            <a:picLocks noChangeAspect="1"/>
+          </p:cNvPicPr>
+          <p:nvPr/>
+        </p:nvPicPr>
+        <p:blipFill>
+          <a:blip r:embed="rId27"/>
+          <a:stretch>
+            <a:fillRect/>
+          </a:stretch>
+        </p:blipFill>
+        <p:spPr>
+          <a:xfrm>
+            <a:off x="5238106" y="2835359"/>
+            <a:ext cx="264563" cy="285260"/>
+          </a:xfrm>
+          <a:prstGeom prst="rect">
+            <a:avLst/>
+          </a:prstGeom>
+        </p:spPr>
+      </p:pic>
+      <p:sp>
+        <p:nvSpPr>
+          <p:cNvPr id="19" name="TextBox 18">
+            <a:extLst>
+              <a:ext uri="{FF2B5EF4-FFF2-40B4-BE49-F238E27FC236}">
+                <a16:creationId xmlns:a16="http://schemas.microsoft.com/office/drawing/2014/main" id="{4E06DEE2-6537-F60B-CAD4-77282308DF6E}"/>
+              </a:ext>
+            </a:extLst>
+          </p:cNvPr>
+          <p:cNvSpPr txBox="1"/>
+          <p:nvPr/>
+        </p:nvSpPr>
+        <p:spPr>
+          <a:xfrm>
+            <a:off x="5211439" y="3111049"/>
+            <a:ext cx="317278" cy="207749"/>
+          </a:xfrm>
+          <a:prstGeom prst="rect">
+            <a:avLst/>
+          </a:prstGeom>
+          <a:noFill/>
+        </p:spPr>
+        <p:txBody>
+          <a:bodyPr wrap="square" lIns="0" rIns="0" rtlCol="0">
+            <a:spAutoFit/>
+          </a:bodyPr>
+          <a:lstStyle>
+            <a:defPPr>
+              <a:defRPr lang="en-US"/>
+            </a:defPPr>
+            <a:lvl1pPr algn="ctr">
+              <a:defRPr sz="1000">
+                <a:latin typeface="Calibri" panose="020F0502020204030204" pitchFamily="34" charset="0"/>
+                <a:ea typeface="Calibri" panose="020F0502020204030204" pitchFamily="34" charset="0"/>
+                <a:cs typeface="Calibri" panose="020F0502020204030204" pitchFamily="34" charset="0"/>
+              </a:defRPr>
+            </a:lvl1pPr>
+          </a:lstStyle>
+          <a:p>
+            <a:r>
+              <a:rPr lang="en-US" sz="750" dirty="0"/>
+              <a:t>JWT</a:t>
+            </a:r>
+          </a:p>
+        </p:txBody>
+      </p:sp>
+      <p:pic>
+        <p:nvPicPr>
+          <p:cNvPr id="24" name="Picture 14" descr="Firefox Relay">
+            <a:extLst>
+              <a:ext uri="{FF2B5EF4-FFF2-40B4-BE49-F238E27FC236}">
+                <a16:creationId xmlns:a16="http://schemas.microsoft.com/office/drawing/2014/main" id="{28B9910A-B2AC-BDAA-4FE8-40FAC2E6A715}"/>
+              </a:ext>
+            </a:extLst>
+          </p:cNvPr>
+          <p:cNvPicPr>
+            <a:picLocks noChangeAspect="1" noChangeArrowheads="1"/>
+          </p:cNvPicPr>
+          <p:nvPr/>
+        </p:nvPicPr>
+        <p:blipFill>
+          <a:blip r:embed="rId28">
+            <a:clrChange>
+              <a:clrFrom>
+                <a:srgbClr val="FFFFFF"/>
+              </a:clrFrom>
+              <a:clrTo>
+                <a:srgbClr val="FFFFFF">
+                  <a:alpha val="0"/>
+                </a:srgbClr>
+              </a:clrTo>
+            </a:clrChange>
+            <a:extLst>
+              <a:ext uri="{28A0092B-C50C-407E-A947-70E740481C1C}">
+                <a14:useLocalDpi xmlns:a14="http://schemas.microsoft.com/office/drawing/2010/main" val="0"/>
+              </a:ext>
+            </a:extLst>
+          </a:blip>
+          <a:srcRect/>
+          <a:stretch>
+            <a:fillRect/>
+          </a:stretch>
+        </p:blipFill>
+        <p:spPr bwMode="auto">
+          <a:xfrm>
+            <a:off x="5788037" y="2835358"/>
+            <a:ext cx="264563" cy="288914"/>
+          </a:xfrm>
+          <a:prstGeom prst="rect">
+            <a:avLst/>
+          </a:prstGeom>
+          <a:noFill/>
+          <a:extLst>
+            <a:ext uri="{909E8E84-426E-40DD-AFC4-6F175D3DCCD1}">
+              <a14:hiddenFill xmlns:a14="http://schemas.microsoft.com/office/drawing/2010/main">
+                <a:solidFill>
+                  <a:srgbClr val="FFFFFF"/>
+                </a:solidFill>
+              </a14:hiddenFill>
+            </a:ext>
+          </a:extLst>
+        </p:spPr>
+      </p:pic>
+      <p:sp>
+        <p:nvSpPr>
+          <p:cNvPr id="26" name="TextBox 25">
+            <a:extLst>
+              <a:ext uri="{FF2B5EF4-FFF2-40B4-BE49-F238E27FC236}">
+                <a16:creationId xmlns:a16="http://schemas.microsoft.com/office/drawing/2014/main" id="{657A6974-AFD7-88F0-24A9-2A8713C6FB57}"/>
+              </a:ext>
+            </a:extLst>
+          </p:cNvPr>
+          <p:cNvSpPr txBox="1"/>
+          <p:nvPr/>
+        </p:nvSpPr>
+        <p:spPr>
+          <a:xfrm>
+            <a:off x="5705649" y="3098832"/>
+            <a:ext cx="437906" cy="323165"/>
+          </a:xfrm>
+          <a:prstGeom prst="rect">
+            <a:avLst/>
+          </a:prstGeom>
+          <a:noFill/>
+        </p:spPr>
+        <p:txBody>
+          <a:bodyPr wrap="square" lIns="0" rIns="0" rtlCol="0">
+            <a:spAutoFit/>
+          </a:bodyPr>
+          <a:lstStyle>
+            <a:defPPr>
+              <a:defRPr lang="en-US"/>
+            </a:defPPr>
+            <a:lvl1pPr algn="ctr">
+              <a:defRPr sz="1000">
+                <a:latin typeface="Calibri" panose="020F0502020204030204" pitchFamily="34" charset="0"/>
+                <a:ea typeface="Calibri" panose="020F0502020204030204" pitchFamily="34" charset="0"/>
+                <a:cs typeface="Calibri" panose="020F0502020204030204" pitchFamily="34" charset="0"/>
+              </a:defRPr>
+            </a:lvl1pPr>
+          </a:lstStyle>
+          <a:p>
+            <a:r>
+              <a:rPr lang="en-US" sz="750" dirty="0"/>
+              <a:t>Firefox Relay</a:t>
+            </a:r>
+          </a:p>
+        </p:txBody>
+      </p:sp>
+      <p:pic>
+        <p:nvPicPr>
+          <p:cNvPr id="27" name="Picture 16" descr="Lindblad logo">
+            <a:extLst>
+              <a:ext uri="{FF2B5EF4-FFF2-40B4-BE49-F238E27FC236}">
+                <a16:creationId xmlns:a16="http://schemas.microsoft.com/office/drawing/2014/main" id="{04C61440-22D5-B945-FB6B-D53827AE7A65}"/>
+              </a:ext>
+            </a:extLst>
+          </p:cNvPr>
+          <p:cNvPicPr>
+            <a:picLocks noChangeAspect="1" noChangeArrowheads="1"/>
+          </p:cNvPicPr>
+          <p:nvPr/>
+        </p:nvPicPr>
+        <p:blipFill>
+          <a:blip r:embed="rId29">
+            <a:clrChange>
+              <a:clrFrom>
+                <a:srgbClr val="FFFFFF"/>
+              </a:clrFrom>
+              <a:clrTo>
+                <a:srgbClr val="FFFFFF">
+                  <a:alpha val="0"/>
+                </a:srgbClr>
+              </a:clrTo>
+            </a:clrChange>
+            <a:extLst>
+              <a:ext uri="{28A0092B-C50C-407E-A947-70E740481C1C}">
+                <a14:useLocalDpi xmlns:a14="http://schemas.microsoft.com/office/drawing/2010/main" val="0"/>
+              </a:ext>
+            </a:extLst>
+          </a:blip>
+          <a:srcRect/>
+          <a:stretch>
+            <a:fillRect/>
+          </a:stretch>
+        </p:blipFill>
+        <p:spPr bwMode="auto">
+          <a:xfrm>
+            <a:off x="6419984" y="2835358"/>
+            <a:ext cx="264563" cy="285260"/>
+          </a:xfrm>
+          <a:prstGeom prst="rect">
+            <a:avLst/>
+          </a:prstGeom>
+          <a:noFill/>
+          <a:extLst>
+            <a:ext uri="{909E8E84-426E-40DD-AFC4-6F175D3DCCD1}">
+              <a14:hiddenFill xmlns:a14="http://schemas.microsoft.com/office/drawing/2010/main">
+                <a:solidFill>
+                  <a:srgbClr val="FFFFFF"/>
+                </a:solidFill>
+              </a14:hiddenFill>
+            </a:ext>
+          </a:extLst>
+        </p:spPr>
+      </p:pic>
+      <p:sp>
+        <p:nvSpPr>
+          <p:cNvPr id="29" name="TextBox 28">
+            <a:extLst>
+              <a:ext uri="{FF2B5EF4-FFF2-40B4-BE49-F238E27FC236}">
+                <a16:creationId xmlns:a16="http://schemas.microsoft.com/office/drawing/2014/main" id="{E465A1DB-93B7-DD0D-48A8-C4E658B21D1B}"/>
+              </a:ext>
+            </a:extLst>
+          </p:cNvPr>
+          <p:cNvSpPr txBox="1"/>
+          <p:nvPr/>
+        </p:nvSpPr>
+        <p:spPr>
+          <a:xfrm>
+            <a:off x="6333312" y="3106058"/>
+            <a:ext cx="437906" cy="323165"/>
+          </a:xfrm>
+          <a:prstGeom prst="rect">
+            <a:avLst/>
+          </a:prstGeom>
+          <a:noFill/>
+        </p:spPr>
+        <p:txBody>
+          <a:bodyPr wrap="square" lIns="0" rIns="0" rtlCol="0">
+            <a:spAutoFit/>
+          </a:bodyPr>
+          <a:lstStyle>
+            <a:defPPr>
+              <a:defRPr lang="en-US"/>
+            </a:defPPr>
+            <a:lvl1pPr algn="ctr">
+              <a:defRPr sz="1000">
+                <a:latin typeface="Calibri" panose="020F0502020204030204" pitchFamily="34" charset="0"/>
+                <a:ea typeface="Calibri" panose="020F0502020204030204" pitchFamily="34" charset="0"/>
+                <a:cs typeface="Calibri" panose="020F0502020204030204" pitchFamily="34" charset="0"/>
+              </a:defRPr>
+            </a:lvl1pPr>
+          </a:lstStyle>
+          <a:p>
+            <a:r>
+              <a:rPr lang="en-US" sz="750" dirty="0"/>
+              <a:t>Cruise Viewer</a:t>
+            </a:r>
+          </a:p>
+        </p:txBody>
+      </p:sp>
+      <p:sp>
+        <p:nvSpPr>
+          <p:cNvPr id="2" name="TextBox 1">
+            <a:extLst>
+              <a:ext uri="{FF2B5EF4-FFF2-40B4-BE49-F238E27FC236}">
+                <a16:creationId xmlns:a16="http://schemas.microsoft.com/office/drawing/2014/main" id="{D4E83A88-8C4B-1639-0EA8-C82335CD9BA1}"/>
+              </a:ext>
+            </a:extLst>
+          </p:cNvPr>
+          <p:cNvSpPr txBox="1"/>
+          <p:nvPr/>
+        </p:nvSpPr>
+        <p:spPr>
+          <a:xfrm>
+            <a:off x="7500643" y="3052554"/>
+            <a:ext cx="344802" cy="323165"/>
+          </a:xfrm>
+          <a:prstGeom prst="rect">
+            <a:avLst/>
+          </a:prstGeom>
+          <a:noFill/>
+        </p:spPr>
+        <p:txBody>
+          <a:bodyPr wrap="square" lIns="0" rIns="0" rtlCol="0" anchor="t">
+            <a:spAutoFit/>
+          </a:bodyPr>
+          <a:lstStyle>
+            <a:defPPr>
+              <a:defRPr lang="en-US"/>
+            </a:defPPr>
+            <a:lvl1pPr algn="ctr">
+              <a:defRPr sz="1000">
+                <a:latin typeface="Calibri" panose="020F0502020204030204" pitchFamily="34" charset="0"/>
+                <a:ea typeface="Calibri" panose="020F0502020204030204" pitchFamily="34" charset="0"/>
+                <a:cs typeface="Calibri" panose="020F0502020204030204" pitchFamily="34" charset="0"/>
+              </a:defRPr>
+            </a:lvl1pPr>
+          </a:lstStyle>
+          <a:p>
+            <a:r>
+              <a:rPr lang="en-US" sz="750" dirty="0"/>
+              <a:t>Cloud</a:t>
+            </a:r>
+          </a:p>
+          <a:p>
+            <a:r>
+              <a:rPr lang="en-US" sz="750" dirty="0"/>
+              <a:t>Flare</a:t>
+            </a:r>
+          </a:p>
+        </p:txBody>
+      </p:sp>
+      <p:pic>
+        <p:nvPicPr>
+          <p:cNvPr id="3" name="Picture 2" descr="Container Insights with enhanced observability now available in Amazon ECS  | AWS News Blog">
+            <a:extLst>
+              <a:ext uri="{FF2B5EF4-FFF2-40B4-BE49-F238E27FC236}">
+                <a16:creationId xmlns:a16="http://schemas.microsoft.com/office/drawing/2014/main" id="{E4D4BF0F-39DB-4B4C-06A7-1566EE25243C}"/>
+              </a:ext>
+            </a:extLst>
+          </p:cNvPr>
+          <p:cNvPicPr>
+            <a:picLocks noChangeAspect="1" noChangeArrowheads="1"/>
+          </p:cNvPicPr>
+          <p:nvPr/>
+        </p:nvPicPr>
+        <p:blipFill rotWithShape="1">
+          <a:blip r:embed="rId30">
+            <a:extLst>
+              <a:ext uri="{28A0092B-C50C-407E-A947-70E740481C1C}">
+                <a14:useLocalDpi xmlns:a14="http://schemas.microsoft.com/office/drawing/2010/main" val="0"/>
+              </a:ext>
+            </a:extLst>
+          </a:blip>
+          <a:srcRect l="34773" t="22000" r="34773" b="22000"/>
+          <a:stretch/>
+        </p:blipFill>
+        <p:spPr bwMode="auto">
+          <a:xfrm>
+            <a:off x="8079282" y="2835358"/>
+            <a:ext cx="264563" cy="285260"/>
+          </a:xfrm>
+          <a:prstGeom prst="rect">
+            <a:avLst/>
+          </a:prstGeom>
+          <a:noFill/>
+          <a:extLst>
+            <a:ext uri="{909E8E84-426E-40DD-AFC4-6F175D3DCCD1}">
+              <a14:hiddenFill xmlns:a14="http://schemas.microsoft.com/office/drawing/2010/main">
+                <a:solidFill>
+                  <a:srgbClr val="FFFFFF"/>
+                </a:solidFill>
+              </a14:hiddenFill>
+            </a:ext>
+          </a:extLst>
+        </p:spPr>
+      </p:pic>
+      <p:sp>
+        <p:nvSpPr>
+          <p:cNvPr id="4" name="TextBox 3">
+            <a:extLst>
+              <a:ext uri="{FF2B5EF4-FFF2-40B4-BE49-F238E27FC236}">
+                <a16:creationId xmlns:a16="http://schemas.microsoft.com/office/drawing/2014/main" id="{C6F81F06-9248-7D37-34F8-8F3FC976A8B1}"/>
+              </a:ext>
+            </a:extLst>
+          </p:cNvPr>
+          <p:cNvSpPr txBox="1"/>
+          <p:nvPr/>
+        </p:nvSpPr>
+        <p:spPr>
+          <a:xfrm>
+            <a:off x="7986379" y="3098832"/>
+            <a:ext cx="451995" cy="323165"/>
+          </a:xfrm>
+          <a:prstGeom prst="rect">
+            <a:avLst/>
+          </a:prstGeom>
+          <a:noFill/>
+        </p:spPr>
+        <p:txBody>
+          <a:bodyPr wrap="square" lIns="0" rIns="0" rtlCol="0" anchor="t">
+            <a:spAutoFit/>
+          </a:bodyPr>
+          <a:lstStyle>
+            <a:defPPr>
+              <a:defRPr lang="en-US"/>
+            </a:defPPr>
+            <a:lvl1pPr algn="ctr">
+              <a:defRPr sz="1000">
+                <a:latin typeface="Calibri" panose="020F0502020204030204" pitchFamily="34" charset="0"/>
+                <a:ea typeface="Calibri" panose="020F0502020204030204" pitchFamily="34" charset="0"/>
+                <a:cs typeface="Calibri" panose="020F0502020204030204" pitchFamily="34" charset="0"/>
+              </a:defRPr>
+            </a:lvl1pPr>
+          </a:lstStyle>
+          <a:p>
+            <a:r>
+              <a:rPr lang="en-US" sz="750" dirty="0"/>
+              <a:t>Container Insights</a:t>
+            </a:r>
+          </a:p>
+        </p:txBody>
+      </p:sp>
+      <p:pic>
+        <p:nvPicPr>
+          <p:cNvPr id="5" name="Picture 4" descr="Aws Sqs icon - Free Download PNG &amp; SVG | Streamline">
+            <a:extLst>
+              <a:ext uri="{FF2B5EF4-FFF2-40B4-BE49-F238E27FC236}">
+                <a16:creationId xmlns:a16="http://schemas.microsoft.com/office/drawing/2014/main" id="{6DDD0A71-BD67-D4C2-85EF-2474B260BB20}"/>
+              </a:ext>
+            </a:extLst>
+          </p:cNvPr>
+          <p:cNvPicPr>
+            <a:picLocks noChangeAspect="1" noChangeArrowheads="1"/>
+          </p:cNvPicPr>
+          <p:nvPr/>
+        </p:nvPicPr>
+        <p:blipFill>
+          <a:blip r:embed="rId31">
+            <a:extLst>
+              <a:ext uri="{28A0092B-C50C-407E-A947-70E740481C1C}">
+                <a14:useLocalDpi xmlns:a14="http://schemas.microsoft.com/office/drawing/2010/main" val="0"/>
+              </a:ext>
+            </a:extLst>
+          </a:blip>
+          <a:srcRect/>
+          <a:stretch>
+            <a:fillRect/>
+          </a:stretch>
+        </p:blipFill>
+        <p:spPr bwMode="auto">
+          <a:xfrm>
+            <a:off x="8728729" y="2835358"/>
+            <a:ext cx="264563" cy="288914"/>
+          </a:xfrm>
+          <a:prstGeom prst="rect">
+            <a:avLst/>
+          </a:prstGeom>
+          <a:noFill/>
+          <a:extLst>
+            <a:ext uri="{909E8E84-426E-40DD-AFC4-6F175D3DCCD1}">
+              <a14:hiddenFill xmlns:a14="http://schemas.microsoft.com/office/drawing/2010/main">
+                <a:solidFill>
+                  <a:srgbClr val="FFFFFF"/>
+                </a:solidFill>
+              </a14:hiddenFill>
+            </a:ext>
+          </a:extLst>
+        </p:spPr>
+      </p:pic>
+      <p:sp>
+        <p:nvSpPr>
+          <p:cNvPr id="6" name="TextBox 5">
+            <a:extLst>
+              <a:ext uri="{FF2B5EF4-FFF2-40B4-BE49-F238E27FC236}">
+                <a16:creationId xmlns:a16="http://schemas.microsoft.com/office/drawing/2014/main" id="{DBBAC4B9-5FB3-5309-3BA7-FA4004781FAC}"/>
+              </a:ext>
+            </a:extLst>
+          </p:cNvPr>
+          <p:cNvSpPr txBox="1"/>
+          <p:nvPr/>
+        </p:nvSpPr>
+        <p:spPr>
+          <a:xfrm>
+            <a:off x="8702371" y="3120618"/>
+            <a:ext cx="317278" cy="207749"/>
+          </a:xfrm>
+          <a:prstGeom prst="rect">
+            <a:avLst/>
+          </a:prstGeom>
+          <a:noFill/>
+        </p:spPr>
+        <p:txBody>
+          <a:bodyPr wrap="square" lIns="0" rIns="0" rtlCol="0">
+            <a:spAutoFit/>
+          </a:bodyPr>
+          <a:lstStyle>
+            <a:defPPr>
+              <a:defRPr lang="en-US"/>
+            </a:defPPr>
+            <a:lvl1pPr algn="ctr">
+              <a:defRPr sz="1000">
+                <a:latin typeface="Calibri" panose="020F0502020204030204" pitchFamily="34" charset="0"/>
+                <a:ea typeface="Calibri" panose="020F0502020204030204" pitchFamily="34" charset="0"/>
+                <a:cs typeface="Calibri" panose="020F0502020204030204" pitchFamily="34" charset="0"/>
+              </a:defRPr>
+            </a:lvl1pPr>
+          </a:lstStyle>
+          <a:p>
+            <a:r>
+              <a:rPr lang="en-US" sz="750" dirty="0"/>
+              <a:t>SQS</a:t>
+            </a:r>
+          </a:p>
+        </p:txBody>
+      </p:sp>
+      <p:pic>
+        <p:nvPicPr>
+          <p:cNvPr id="16" name="Picture 4" descr="Brevo Logo &amp; Brand Assets (SVG, PNG and vector) - Brandfetch">
+            <a:extLst>
+              <a:ext uri="{FF2B5EF4-FFF2-40B4-BE49-F238E27FC236}">
+                <a16:creationId xmlns:a16="http://schemas.microsoft.com/office/drawing/2014/main" id="{1FF973BD-DEE7-0BA3-BBA5-011ED0B63287}"/>
+              </a:ext>
+            </a:extLst>
+          </p:cNvPr>
+          <p:cNvPicPr>
+            <a:picLocks noChangeAspect="1" noChangeArrowheads="1"/>
+          </p:cNvPicPr>
+          <p:nvPr/>
+        </p:nvPicPr>
+        <p:blipFill>
+          <a:blip r:embed="rId32">
+            <a:extLst>
+              <a:ext uri="{28A0092B-C50C-407E-A947-70E740481C1C}">
+                <a14:useLocalDpi xmlns:a14="http://schemas.microsoft.com/office/drawing/2010/main" val="0"/>
+              </a:ext>
+            </a:extLst>
+          </a:blip>
+          <a:srcRect/>
+          <a:stretch>
+            <a:fillRect/>
+          </a:stretch>
+        </p:blipFill>
+        <p:spPr bwMode="auto">
+          <a:xfrm>
+            <a:off x="929647" y="2830181"/>
+            <a:ext cx="264563" cy="285259"/>
+          </a:xfrm>
+          <a:prstGeom prst="rect">
+            <a:avLst/>
+          </a:prstGeom>
+          <a:noFill/>
+          <a:extLst>
+            <a:ext uri="{909E8E84-426E-40DD-AFC4-6F175D3DCCD1}">
+              <a14:hiddenFill xmlns:a14="http://schemas.microsoft.com/office/drawing/2010/main">
+                <a:solidFill>
+                  <a:srgbClr val="FFFFFF"/>
+                </a:solidFill>
+              </a14:hiddenFill>
+            </a:ext>
+          </a:extLst>
+        </p:spPr>
+      </p:pic>
+      <p:pic>
+        <p:nvPicPr>
+          <p:cNvPr id="15" name="Picture 2" descr="Spacelift - YouTube">
+            <a:extLst>
+              <a:ext uri="{FF2B5EF4-FFF2-40B4-BE49-F238E27FC236}">
+                <a16:creationId xmlns:a16="http://schemas.microsoft.com/office/drawing/2014/main" id="{646D2F8E-8A77-A0B6-94F4-C467B9686358}"/>
+              </a:ext>
+            </a:extLst>
+          </p:cNvPr>
+          <p:cNvPicPr>
+            <a:picLocks noChangeAspect="1" noChangeArrowheads="1"/>
+          </p:cNvPicPr>
+          <p:nvPr/>
+        </p:nvPicPr>
+        <p:blipFill rotWithShape="1">
+          <a:blip r:embed="rId33">
+            <a:clrChange>
+              <a:clrFrom>
+                <a:srgbClr val="FFFFFF"/>
+              </a:clrFrom>
+              <a:clrTo>
+                <a:srgbClr val="FFFFFF">
+                  <a:alpha val="0"/>
+                </a:srgbClr>
+              </a:clrTo>
+            </a:clrChange>
+            <a:extLst>
+              <a:ext uri="{28A0092B-C50C-407E-A947-70E740481C1C}">
+                <a14:useLocalDpi xmlns:a14="http://schemas.microsoft.com/office/drawing/2010/main" val="0"/>
+              </a:ext>
+            </a:extLst>
+          </a:blip>
+          <a:srcRect l="13683" t="9032" r="13683" b="15647"/>
+          <a:stretch/>
+        </p:blipFill>
+        <p:spPr bwMode="auto">
+          <a:xfrm>
+            <a:off x="457199" y="3560846"/>
+            <a:ext cx="264563" cy="285260"/>
+          </a:xfrm>
+          <a:prstGeom prst="rect">
+            <a:avLst/>
+          </a:prstGeom>
+          <a:noFill/>
+          <a:extLst>
+            <a:ext uri="{909E8E84-426E-40DD-AFC4-6F175D3DCCD1}">
+              <a14:hiddenFill xmlns:a14="http://schemas.microsoft.com/office/drawing/2010/main">
+                <a:solidFill>
+                  <a:srgbClr val="FFFFFF"/>
+                </a:solidFill>
+              </a14:hiddenFill>
+            </a:ext>
+          </a:extLst>
+        </p:spPr>
+      </p:pic>
+      <p:sp>
+        <p:nvSpPr>
+          <p:cNvPr id="17" name="TextBox 16">
+            <a:extLst>
+              <a:ext uri="{FF2B5EF4-FFF2-40B4-BE49-F238E27FC236}">
+                <a16:creationId xmlns:a16="http://schemas.microsoft.com/office/drawing/2014/main" id="{0A3E3F8B-43AD-7055-8C5B-508B58C75530}"/>
+              </a:ext>
+            </a:extLst>
+          </p:cNvPr>
+          <p:cNvSpPr txBox="1"/>
+          <p:nvPr/>
+        </p:nvSpPr>
+        <p:spPr>
+          <a:xfrm>
+            <a:off x="391120" y="3814738"/>
+            <a:ext cx="396719" cy="207749"/>
+          </a:xfrm>
+          <a:prstGeom prst="rect">
+            <a:avLst/>
+          </a:prstGeom>
+          <a:noFill/>
+        </p:spPr>
+        <p:txBody>
+          <a:bodyPr wrap="square" lIns="0" rIns="0" rtlCol="0">
+            <a:spAutoFit/>
+          </a:bodyPr>
+          <a:lstStyle>
+            <a:defPPr>
+              <a:defRPr lang="en-US"/>
+            </a:defPPr>
+            <a:lvl1pPr algn="ctr">
+              <a:defRPr sz="1000">
+                <a:latin typeface="Calibri" panose="020F0502020204030204" pitchFamily="34" charset="0"/>
+                <a:ea typeface="Calibri" panose="020F0502020204030204" pitchFamily="34" charset="0"/>
+                <a:cs typeface="Calibri" panose="020F0502020204030204" pitchFamily="34" charset="0"/>
+              </a:defRPr>
+            </a:lvl1pPr>
+          </a:lstStyle>
+          <a:p>
+            <a:r>
+              <a:rPr lang="en-US" sz="750" dirty="0"/>
+              <a:t>Spacelift</a:t>
+            </a:r>
+          </a:p>
+        </p:txBody>
+      </p:sp>
+      <p:sp>
+        <p:nvSpPr>
+          <p:cNvPr id="21" name="TextBox 20">
+            <a:extLst>
+              <a:ext uri="{FF2B5EF4-FFF2-40B4-BE49-F238E27FC236}">
+                <a16:creationId xmlns:a16="http://schemas.microsoft.com/office/drawing/2014/main" id="{2CD68F72-269D-0E09-A15D-D94F36E44CA5}"/>
+              </a:ext>
+            </a:extLst>
+          </p:cNvPr>
+          <p:cNvSpPr txBox="1"/>
+          <p:nvPr/>
+        </p:nvSpPr>
+        <p:spPr>
+          <a:xfrm>
+            <a:off x="873403" y="3807334"/>
+            <a:ext cx="396719" cy="207749"/>
+          </a:xfrm>
+          <a:prstGeom prst="rect">
+            <a:avLst/>
+          </a:prstGeom>
+          <a:noFill/>
+        </p:spPr>
+        <p:txBody>
+          <a:bodyPr wrap="square" lIns="0" rIns="0" rtlCol="0">
+            <a:spAutoFit/>
+          </a:bodyPr>
+          <a:lstStyle>
+            <a:defPPr>
+              <a:defRPr lang="en-US"/>
+            </a:defPPr>
+            <a:lvl1pPr algn="ctr">
+              <a:defRPr sz="1000">
+                <a:latin typeface="Calibri" panose="020F0502020204030204" pitchFamily="34" charset="0"/>
+                <a:ea typeface="Calibri" panose="020F0502020204030204" pitchFamily="34" charset="0"/>
+                <a:cs typeface="Calibri" panose="020F0502020204030204" pitchFamily="34" charset="0"/>
+              </a:defRPr>
+            </a:lvl1pPr>
+          </a:lstStyle>
+          <a:p>
+            <a:r>
+              <a:rPr lang="en-US" sz="750" dirty="0"/>
+              <a:t>AWS CLI</a:t>
+            </a:r>
+          </a:p>
+        </p:txBody>
+      </p:sp>
+      <p:pic>
+        <p:nvPicPr>
+          <p:cNvPr id="22" name="Picture 4" descr="Download HD Cube - Aws Cli Logo Transparent PNG Image - NicePNG.com">
+            <a:extLst>
+              <a:ext uri="{FF2B5EF4-FFF2-40B4-BE49-F238E27FC236}">
+                <a16:creationId xmlns:a16="http://schemas.microsoft.com/office/drawing/2014/main" id="{5DCE2325-59C0-658D-591D-C42292D9F152}"/>
+              </a:ext>
+            </a:extLst>
+          </p:cNvPr>
+          <p:cNvPicPr>
+            <a:picLocks noChangeAspect="1" noChangeArrowheads="1"/>
+          </p:cNvPicPr>
+          <p:nvPr/>
+        </p:nvPicPr>
+        <p:blipFill>
+          <a:blip r:embed="rId34">
+            <a:extLst>
+              <a:ext uri="{28A0092B-C50C-407E-A947-70E740481C1C}">
+                <a14:useLocalDpi xmlns:a14="http://schemas.microsoft.com/office/drawing/2010/main" val="0"/>
+              </a:ext>
+            </a:extLst>
+          </a:blip>
+          <a:srcRect/>
+          <a:stretch>
+            <a:fillRect/>
+          </a:stretch>
+        </p:blipFill>
+        <p:spPr bwMode="auto">
+          <a:xfrm>
+            <a:off x="929647" y="3560846"/>
+            <a:ext cx="264563" cy="273531"/>
+          </a:xfrm>
+          <a:prstGeom prst="rect">
+            <a:avLst/>
+          </a:prstGeom>
+          <a:noFill/>
+          <a:extLst>
+            <a:ext uri="{909E8E84-426E-40DD-AFC4-6F175D3DCCD1}">
+              <a14:hiddenFill xmlns:a14="http://schemas.microsoft.com/office/drawing/2010/main">
+                <a:solidFill>
+                  <a:srgbClr val="FFFFFF"/>
+                </a:solidFill>
+              </a14:hiddenFill>
+            </a:ext>
+          </a:extLst>
+        </p:spPr>
+      </p:pic>
+      <p:sp>
+        <p:nvSpPr>
+          <p:cNvPr id="23" name="TextBox 22">
+            <a:extLst>
+              <a:ext uri="{FF2B5EF4-FFF2-40B4-BE49-F238E27FC236}">
+                <a16:creationId xmlns:a16="http://schemas.microsoft.com/office/drawing/2014/main" id="{F07B13C6-49EC-053D-DD44-3A72C4966DF5}"/>
+              </a:ext>
+            </a:extLst>
+          </p:cNvPr>
+          <p:cNvSpPr txBox="1"/>
+          <p:nvPr/>
+        </p:nvSpPr>
+        <p:spPr>
+          <a:xfrm>
+            <a:off x="1400037" y="3807333"/>
+            <a:ext cx="396719" cy="323165"/>
+          </a:xfrm>
+          <a:prstGeom prst="rect">
+            <a:avLst/>
+          </a:prstGeom>
+          <a:noFill/>
+        </p:spPr>
+        <p:txBody>
+          <a:bodyPr wrap="square" lIns="0" rIns="0" rtlCol="0">
+            <a:spAutoFit/>
+          </a:bodyPr>
+          <a:lstStyle>
+            <a:defPPr>
+              <a:defRPr lang="en-US"/>
+            </a:defPPr>
+            <a:lvl1pPr algn="ctr">
+              <a:defRPr sz="1000">
+                <a:latin typeface="Calibri" panose="020F0502020204030204" pitchFamily="34" charset="0"/>
+                <a:ea typeface="Calibri" panose="020F0502020204030204" pitchFamily="34" charset="0"/>
+                <a:cs typeface="Calibri" panose="020F0502020204030204" pitchFamily="34" charset="0"/>
+              </a:defRPr>
+            </a:lvl1pPr>
+          </a:lstStyle>
+          <a:p>
+            <a:r>
+              <a:rPr lang="en-US" sz="750" dirty="0"/>
+              <a:t>Session Manager</a:t>
+            </a:r>
+          </a:p>
+        </p:txBody>
+      </p:sp>
+      <p:pic>
+        <p:nvPicPr>
+          <p:cNvPr id="25" name="Picture 6" descr="Install amazon-ssm-agent on Linux | Snap Store">
+            <a:extLst>
+              <a:ext uri="{FF2B5EF4-FFF2-40B4-BE49-F238E27FC236}">
+                <a16:creationId xmlns:a16="http://schemas.microsoft.com/office/drawing/2014/main" id="{D18BA270-B3A8-13EF-479D-C604F5272822}"/>
+              </a:ext>
+            </a:extLst>
+          </p:cNvPr>
+          <p:cNvPicPr>
+            <a:picLocks noChangeAspect="1" noChangeArrowheads="1"/>
+          </p:cNvPicPr>
+          <p:nvPr/>
+        </p:nvPicPr>
+        <p:blipFill>
+          <a:blip r:embed="rId35">
+            <a:extLst>
+              <a:ext uri="{28A0092B-C50C-407E-A947-70E740481C1C}">
+                <a14:useLocalDpi xmlns:a14="http://schemas.microsoft.com/office/drawing/2010/main" val="0"/>
+              </a:ext>
+            </a:extLst>
+          </a:blip>
+          <a:srcRect/>
+          <a:stretch>
+            <a:fillRect/>
+          </a:stretch>
+        </p:blipFill>
+        <p:spPr bwMode="auto">
+          <a:xfrm>
+            <a:off x="1461658" y="3549118"/>
+            <a:ext cx="273476" cy="285260"/>
+          </a:xfrm>
+          <a:prstGeom prst="rect">
+            <a:avLst/>
+          </a:prstGeom>
+          <a:noFill/>
+          <a:extLst>
+            <a:ext uri="{909E8E84-426E-40DD-AFC4-6F175D3DCCD1}">
+              <a14:hiddenFill xmlns:a14="http://schemas.microsoft.com/office/drawing/2010/main">
+                <a:solidFill>
+                  <a:srgbClr val="FFFFFF"/>
+                </a:solidFill>
+              </a14:hiddenFill>
+            </a:ext>
+          </a:extLst>
+        </p:spPr>
+      </p:pic>
+      <p:sp>
+        <p:nvSpPr>
+          <p:cNvPr id="31" name="TextBox 30">
+            <a:extLst>
+              <a:ext uri="{FF2B5EF4-FFF2-40B4-BE49-F238E27FC236}">
+                <a16:creationId xmlns:a16="http://schemas.microsoft.com/office/drawing/2014/main" id="{F81FEE21-D75D-E334-FF2B-160C68762A16}"/>
+              </a:ext>
+            </a:extLst>
+          </p:cNvPr>
+          <p:cNvSpPr txBox="1"/>
+          <p:nvPr/>
+        </p:nvSpPr>
+        <p:spPr>
+          <a:xfrm>
+            <a:off x="1942169" y="3807333"/>
+            <a:ext cx="396719" cy="207749"/>
+          </a:xfrm>
+          <a:prstGeom prst="rect">
+            <a:avLst/>
+          </a:prstGeom>
+          <a:noFill/>
+        </p:spPr>
+        <p:txBody>
+          <a:bodyPr wrap="square" lIns="0" rIns="0" rtlCol="0">
+            <a:spAutoFit/>
+          </a:bodyPr>
+          <a:lstStyle>
+            <a:defPPr>
+              <a:defRPr lang="en-US"/>
+            </a:defPPr>
+            <a:lvl1pPr algn="ctr">
+              <a:defRPr sz="1000">
+                <a:latin typeface="Calibri" panose="020F0502020204030204" pitchFamily="34" charset="0"/>
+                <a:ea typeface="Calibri" panose="020F0502020204030204" pitchFamily="34" charset="0"/>
+                <a:cs typeface="Calibri" panose="020F0502020204030204" pitchFamily="34" charset="0"/>
+              </a:defRPr>
+            </a:lvl1pPr>
+          </a:lstStyle>
+          <a:p>
+            <a:r>
+              <a:rPr lang="en-US" sz="750" dirty="0"/>
+              <a:t>HTML</a:t>
+            </a:r>
+          </a:p>
+        </p:txBody>
+      </p:sp>
+      <p:pic>
+        <p:nvPicPr>
+          <p:cNvPr id="32" name="Picture 6" descr="HTML icon SVG Vector &amp; PNG Free Download | UXWing">
+            <a:extLst>
+              <a:ext uri="{FF2B5EF4-FFF2-40B4-BE49-F238E27FC236}">
+                <a16:creationId xmlns:a16="http://schemas.microsoft.com/office/drawing/2014/main" id="{5CD55BDA-6D6A-E0E8-A887-EBCA7EFFB8FB}"/>
+              </a:ext>
+            </a:extLst>
+          </p:cNvPr>
+          <p:cNvPicPr>
+            <a:picLocks noChangeAspect="1" noChangeArrowheads="1"/>
+          </p:cNvPicPr>
+          <p:nvPr/>
+        </p:nvPicPr>
+        <p:blipFill>
+          <a:blip r:embed="rId36">
+            <a:extLst>
+              <a:ext uri="{28A0092B-C50C-407E-A947-70E740481C1C}">
+                <a14:useLocalDpi xmlns:a14="http://schemas.microsoft.com/office/drawing/2010/main" val="0"/>
+              </a:ext>
+            </a:extLst>
+          </a:blip>
+          <a:srcRect/>
+          <a:stretch>
+            <a:fillRect/>
+          </a:stretch>
+        </p:blipFill>
+        <p:spPr bwMode="auto">
+          <a:xfrm>
+            <a:off x="2002582" y="3553653"/>
+            <a:ext cx="264563" cy="285259"/>
+          </a:xfrm>
+          <a:prstGeom prst="rect">
+            <a:avLst/>
+          </a:prstGeom>
+          <a:noFill/>
+          <a:extLst>
+            <a:ext uri="{909E8E84-426E-40DD-AFC4-6F175D3DCCD1}">
+              <a14:hiddenFill xmlns:a14="http://schemas.microsoft.com/office/drawing/2010/main">
+                <a:solidFill>
+                  <a:srgbClr val="FFFFFF"/>
+                </a:solidFill>
+              </a14:hiddenFill>
+            </a:ext>
+          </a:extLst>
+        </p:spPr>
+      </p:pic>
+      <p:sp>
+        <p:nvSpPr>
+          <p:cNvPr id="33" name="TextBox 32">
+            <a:extLst>
+              <a:ext uri="{FF2B5EF4-FFF2-40B4-BE49-F238E27FC236}">
+                <a16:creationId xmlns:a16="http://schemas.microsoft.com/office/drawing/2014/main" id="{185C7844-ED0D-353C-FC56-F060A4FEE050}"/>
+              </a:ext>
+            </a:extLst>
+          </p:cNvPr>
+          <p:cNvSpPr txBox="1"/>
+          <p:nvPr/>
+        </p:nvSpPr>
+        <p:spPr>
+          <a:xfrm>
+            <a:off x="2370849" y="3802450"/>
+            <a:ext cx="396719" cy="207749"/>
+          </a:xfrm>
+          <a:prstGeom prst="rect">
+            <a:avLst/>
+          </a:prstGeom>
+          <a:noFill/>
+        </p:spPr>
+        <p:txBody>
+          <a:bodyPr wrap="square" lIns="0" rIns="0" rtlCol="0">
+            <a:spAutoFit/>
+          </a:bodyPr>
+          <a:lstStyle>
+            <a:defPPr>
+              <a:defRPr lang="en-US"/>
+            </a:defPPr>
+            <a:lvl1pPr algn="ctr">
+              <a:defRPr sz="1000">
+                <a:latin typeface="Calibri" panose="020F0502020204030204" pitchFamily="34" charset="0"/>
+                <a:ea typeface="Calibri" panose="020F0502020204030204" pitchFamily="34" charset="0"/>
+                <a:cs typeface="Calibri" panose="020F0502020204030204" pitchFamily="34" charset="0"/>
+              </a:defRPr>
+            </a:lvl1pPr>
+          </a:lstStyle>
+          <a:p>
+            <a:r>
+              <a:rPr lang="en-US" sz="750" dirty="0"/>
+              <a:t>CSS</a:t>
+            </a:r>
+          </a:p>
+        </p:txBody>
+      </p:sp>
+      <p:pic>
+        <p:nvPicPr>
+          <p:cNvPr id="35" name="Picture 34">
+            <a:extLst>
+              <a:ext uri="{FF2B5EF4-FFF2-40B4-BE49-F238E27FC236}">
+                <a16:creationId xmlns:a16="http://schemas.microsoft.com/office/drawing/2014/main" id="{7188E597-9EC9-6F93-CE33-9330CB948D8A}"/>
+              </a:ext>
+            </a:extLst>
+          </p:cNvPr>
+          <p:cNvPicPr>
+            <a:picLocks noChangeAspect="1"/>
+          </p:cNvPicPr>
+          <p:nvPr/>
+        </p:nvPicPr>
+        <p:blipFill>
+          <a:blip r:embed="rId37"/>
+          <a:srcRect l="18850" t="3641" r="18850" b="5899"/>
+          <a:stretch>
+            <a:fillRect/>
+          </a:stretch>
+        </p:blipFill>
+        <p:spPr>
+          <a:xfrm>
+            <a:off x="2433155" y="3553652"/>
+            <a:ext cx="272105" cy="285260"/>
+          </a:xfrm>
+          <a:prstGeom prst="rect">
+            <a:avLst/>
+          </a:prstGeom>
+        </p:spPr>
+      </p:pic>
+      <p:sp>
+        <p:nvSpPr>
+          <p:cNvPr id="38" name="TextBox 37">
+            <a:extLst>
+              <a:ext uri="{FF2B5EF4-FFF2-40B4-BE49-F238E27FC236}">
+                <a16:creationId xmlns:a16="http://schemas.microsoft.com/office/drawing/2014/main" id="{F5433088-927A-19C4-138E-C30971AF7838}"/>
+              </a:ext>
+            </a:extLst>
+          </p:cNvPr>
+          <p:cNvSpPr txBox="1"/>
+          <p:nvPr/>
+        </p:nvSpPr>
+        <p:spPr>
+          <a:xfrm>
+            <a:off x="2871270" y="3802449"/>
+            <a:ext cx="396719" cy="207749"/>
+          </a:xfrm>
+          <a:prstGeom prst="rect">
+            <a:avLst/>
+          </a:prstGeom>
+          <a:noFill/>
+        </p:spPr>
+        <p:txBody>
+          <a:bodyPr wrap="square" lIns="0" rIns="0" rtlCol="0">
+            <a:spAutoFit/>
+          </a:bodyPr>
+          <a:lstStyle>
+            <a:defPPr>
+              <a:defRPr lang="en-US"/>
+            </a:defPPr>
+            <a:lvl1pPr algn="ctr">
+              <a:defRPr sz="1000">
+                <a:latin typeface="Calibri" panose="020F0502020204030204" pitchFamily="34" charset="0"/>
+                <a:ea typeface="Calibri" panose="020F0502020204030204" pitchFamily="34" charset="0"/>
+                <a:cs typeface="Calibri" panose="020F0502020204030204" pitchFamily="34" charset="0"/>
+              </a:defRPr>
+            </a:lvl1pPr>
+          </a:lstStyle>
+          <a:p>
+            <a:r>
+              <a:rPr lang="en-US" sz="750" dirty="0"/>
+              <a:t>JavaScript</a:t>
+            </a:r>
+          </a:p>
+        </p:txBody>
+      </p:sp>
+      <p:pic>
+        <p:nvPicPr>
+          <p:cNvPr id="40" name="Picture 10" descr="Javascript Training Courses | XChange Training">
+            <a:extLst>
+              <a:ext uri="{FF2B5EF4-FFF2-40B4-BE49-F238E27FC236}">
+                <a16:creationId xmlns:a16="http://schemas.microsoft.com/office/drawing/2014/main" id="{BFB49205-6960-DD39-52CF-476F1A04FF3D}"/>
+              </a:ext>
+            </a:extLst>
+          </p:cNvPr>
+          <p:cNvPicPr>
+            <a:picLocks noChangeAspect="1" noChangeArrowheads="1"/>
+          </p:cNvPicPr>
+          <p:nvPr/>
+        </p:nvPicPr>
+        <p:blipFill>
+          <a:blip r:embed="rId38">
+            <a:extLst>
+              <a:ext uri="{28A0092B-C50C-407E-A947-70E740481C1C}">
+                <a14:useLocalDpi xmlns:a14="http://schemas.microsoft.com/office/drawing/2010/main" val="0"/>
+              </a:ext>
+            </a:extLst>
+          </a:blip>
+          <a:srcRect/>
+          <a:stretch>
+            <a:fillRect/>
+          </a:stretch>
+        </p:blipFill>
+        <p:spPr bwMode="auto">
+          <a:xfrm>
+            <a:off x="2933578" y="3560846"/>
+            <a:ext cx="259654" cy="287440"/>
+          </a:xfrm>
+          <a:prstGeom prst="rect">
+            <a:avLst/>
+          </a:prstGeom>
+          <a:noFill/>
+          <a:extLst>
+            <a:ext uri="{909E8E84-426E-40DD-AFC4-6F175D3DCCD1}">
+              <a14:hiddenFill xmlns:a14="http://schemas.microsoft.com/office/drawing/2010/main">
+                <a:solidFill>
+                  <a:srgbClr val="FFFFFF"/>
+                </a:solidFill>
+              </a14:hiddenFill>
+            </a:ext>
+          </a:extLst>
+        </p:spPr>
+      </p:pic>
+      <p:pic>
+        <p:nvPicPr>
+          <p:cNvPr id="1036" name="Picture 12" descr="CryptoJS · GitHub">
+            <a:extLst>
+              <a:ext uri="{FF2B5EF4-FFF2-40B4-BE49-F238E27FC236}">
+                <a16:creationId xmlns:a16="http://schemas.microsoft.com/office/drawing/2014/main" id="{F7BF1717-A324-AEA3-3AD9-71982E1DD08D}"/>
+              </a:ext>
+            </a:extLst>
+          </p:cNvPr>
+          <p:cNvPicPr>
+            <a:picLocks noChangeAspect="1" noChangeArrowheads="1"/>
+          </p:cNvPicPr>
+          <p:nvPr/>
+        </p:nvPicPr>
+        <p:blipFill>
+          <a:blip r:embed="rId39">
+            <a:extLst>
+              <a:ext uri="{28A0092B-C50C-407E-A947-70E740481C1C}">
+                <a14:useLocalDpi xmlns:a14="http://schemas.microsoft.com/office/drawing/2010/main" val="0"/>
+              </a:ext>
+            </a:extLst>
+          </a:blip>
+          <a:srcRect/>
+          <a:stretch>
+            <a:fillRect/>
+          </a:stretch>
+        </p:blipFill>
+        <p:spPr bwMode="auto">
+          <a:xfrm>
+            <a:off x="3503689" y="3560846"/>
+            <a:ext cx="285260" cy="285260"/>
+          </a:xfrm>
+          <a:prstGeom prst="rect">
+            <a:avLst/>
+          </a:prstGeom>
+          <a:noFill/>
+          <a:extLst>
+            <a:ext uri="{909E8E84-426E-40DD-AFC4-6F175D3DCCD1}">
+              <a14:hiddenFill xmlns:a14="http://schemas.microsoft.com/office/drawing/2010/main">
+                <a:solidFill>
+                  <a:srgbClr val="FFFFFF"/>
+                </a:solidFill>
+              </a14:hiddenFill>
+            </a:ext>
+          </a:extLst>
+        </p:spPr>
+      </p:pic>
+      <p:sp>
+        <p:nvSpPr>
+          <p:cNvPr id="41" name="TextBox 40">
+            <a:extLst>
+              <a:ext uri="{FF2B5EF4-FFF2-40B4-BE49-F238E27FC236}">
+                <a16:creationId xmlns:a16="http://schemas.microsoft.com/office/drawing/2014/main" id="{3A5DFD91-DA0D-F96D-A296-C270624DD7FC}"/>
+              </a:ext>
+            </a:extLst>
+          </p:cNvPr>
+          <p:cNvSpPr txBox="1"/>
+          <p:nvPr/>
+        </p:nvSpPr>
+        <p:spPr>
+          <a:xfrm>
+            <a:off x="3461100" y="3802449"/>
+            <a:ext cx="396719" cy="207749"/>
+          </a:xfrm>
+          <a:prstGeom prst="rect">
+            <a:avLst/>
+          </a:prstGeom>
+          <a:noFill/>
+        </p:spPr>
+        <p:txBody>
+          <a:bodyPr wrap="square" lIns="0" rIns="0" rtlCol="0">
+            <a:spAutoFit/>
+          </a:bodyPr>
+          <a:lstStyle>
+            <a:defPPr>
+              <a:defRPr lang="en-US"/>
+            </a:defPPr>
+            <a:lvl1pPr algn="ctr">
+              <a:defRPr sz="1000">
+                <a:latin typeface="Calibri" panose="020F0502020204030204" pitchFamily="34" charset="0"/>
+                <a:ea typeface="Calibri" panose="020F0502020204030204" pitchFamily="34" charset="0"/>
+                <a:cs typeface="Calibri" panose="020F0502020204030204" pitchFamily="34" charset="0"/>
+              </a:defRPr>
+            </a:lvl1pPr>
+          </a:lstStyle>
+          <a:p>
+            <a:r>
+              <a:rPr lang="en-US" sz="750" dirty="0"/>
+              <a:t>CryptoJS</a:t>
+            </a:r>
+          </a:p>
+        </p:txBody>
+      </p:sp>
+      <p:pic>
+        <p:nvPicPr>
+          <p:cNvPr id="42" name="Picture 14" descr="TinyURL - Desktop App for Mac, Windows (PC) - WebCatalog">
+            <a:extLst>
+              <a:ext uri="{FF2B5EF4-FFF2-40B4-BE49-F238E27FC236}">
+                <a16:creationId xmlns:a16="http://schemas.microsoft.com/office/drawing/2014/main" id="{52934079-D651-9F62-7F1F-433C06ECD448}"/>
+              </a:ext>
+            </a:extLst>
+          </p:cNvPr>
+          <p:cNvPicPr>
+            <a:picLocks noChangeAspect="1" noChangeArrowheads="1"/>
+          </p:cNvPicPr>
+          <p:nvPr/>
+        </p:nvPicPr>
+        <p:blipFill rotWithShape="1">
+          <a:blip r:embed="rId40">
+            <a:extLst>
+              <a:ext uri="{28A0092B-C50C-407E-A947-70E740481C1C}">
+                <a14:useLocalDpi xmlns:a14="http://schemas.microsoft.com/office/drawing/2010/main" val="0"/>
+              </a:ext>
+            </a:extLst>
+          </a:blip>
+          <a:srcRect/>
+          <a:stretch>
+            <a:fillRect/>
+          </a:stretch>
+        </p:blipFill>
+        <p:spPr bwMode="auto">
+          <a:xfrm>
+            <a:off x="4151649" y="3587218"/>
+            <a:ext cx="257633" cy="259562"/>
+          </a:xfrm>
+          <a:prstGeom prst="rect">
+            <a:avLst/>
+          </a:prstGeom>
+          <a:noFill/>
+          <a:extLst>
+            <a:ext uri="{909E8E84-426E-40DD-AFC4-6F175D3DCCD1}">
+              <a14:hiddenFill xmlns:a14="http://schemas.microsoft.com/office/drawing/2010/main">
+                <a:solidFill>
+                  <a:srgbClr val="FFFFFF"/>
+                </a:solidFill>
+              </a14:hiddenFill>
+            </a:ext>
+          </a:extLst>
+        </p:spPr>
+      </p:pic>
+      <p:sp>
+        <p:nvSpPr>
+          <p:cNvPr id="44" name="TextBox 43">
+            <a:extLst>
+              <a:ext uri="{FF2B5EF4-FFF2-40B4-BE49-F238E27FC236}">
+                <a16:creationId xmlns:a16="http://schemas.microsoft.com/office/drawing/2014/main" id="{C92577B6-01D1-12F2-24D6-022CC29DAF0B}"/>
+              </a:ext>
+            </a:extLst>
+          </p:cNvPr>
+          <p:cNvSpPr txBox="1"/>
+          <p:nvPr/>
+        </p:nvSpPr>
+        <p:spPr>
+          <a:xfrm>
+            <a:off x="4052283" y="3811004"/>
+            <a:ext cx="396719" cy="207749"/>
+          </a:xfrm>
+          <a:prstGeom prst="rect">
+            <a:avLst/>
+          </a:prstGeom>
+          <a:noFill/>
+        </p:spPr>
+        <p:txBody>
+          <a:bodyPr wrap="square" lIns="0" rIns="0" rtlCol="0">
+            <a:spAutoFit/>
+          </a:bodyPr>
+          <a:lstStyle>
+            <a:defPPr>
+              <a:defRPr lang="en-US"/>
+            </a:defPPr>
+            <a:lvl1pPr algn="ctr">
+              <a:defRPr sz="1000">
+                <a:latin typeface="Calibri" panose="020F0502020204030204" pitchFamily="34" charset="0"/>
+                <a:ea typeface="Calibri" panose="020F0502020204030204" pitchFamily="34" charset="0"/>
+                <a:cs typeface="Calibri" panose="020F0502020204030204" pitchFamily="34" charset="0"/>
+              </a:defRPr>
+            </a:lvl1pPr>
+          </a:lstStyle>
+          <a:p>
+            <a:r>
+              <a:rPr lang="en-US" sz="750" dirty="0"/>
+              <a:t>TinyURL</a:t>
+            </a:r>
+          </a:p>
+        </p:txBody>
+      </p:sp>
+    </p:spTree>
+    <p:extLst>
+      <p:ext uri="{BB962C8B-B14F-4D97-AF65-F5344CB8AC3E}">
+        <p14:creationId xmlns:p14="http://schemas.microsoft.com/office/powerpoint/2010/main" val="3829658281"/>
       </p:ext>
     </p:extLst>
   </p:cSld>
@@ -3700,4 +9796,319 @@
     </a:ext>
   </a:extLst>
 </a:theme>
+</file>
+
+<file path=ppt/theme/theme2.xml><?xml version="1.0" encoding="utf-8"?>
+<a:theme xmlns:a="http://schemas.openxmlformats.org/drawingml/2006/main" name="Office Theme">
+  <a:themeElements>
+    <a:clrScheme name="Office">
+      <a:dk1>
+        <a:sysClr val="windowText" lastClr="000000"/>
+      </a:dk1>
+      <a:lt1>
+        <a:sysClr val="window" lastClr="FFFFFF"/>
+      </a:lt1>
+      <a:dk2>
+        <a:srgbClr val="0E2841"/>
+      </a:dk2>
+      <a:lt2>
+        <a:srgbClr val="E8E8E8"/>
+      </a:lt2>
+      <a:accent1>
+        <a:srgbClr val="156082"/>
+      </a:accent1>
+      <a:accent2>
+        <a:srgbClr val="E97132"/>
+      </a:accent2>
+      <a:accent3>
+        <a:srgbClr val="196B24"/>
+      </a:accent3>
+      <a:accent4>
+        <a:srgbClr val="0F9ED5"/>
+      </a:accent4>
+      <a:accent5>
+        <a:srgbClr val="A02B93"/>
+      </a:accent5>
+      <a:accent6>
+        <a:srgbClr val="4EA72E"/>
+      </a:accent6>
+      <a:hlink>
+        <a:srgbClr val="467886"/>
+      </a:hlink>
+      <a:folHlink>
+        <a:srgbClr val="96607D"/>
+      </a:folHlink>
+    </a:clrScheme>
+    <a:fontScheme name="Office">
+      <a:majorFont>
+        <a:latin typeface="Aptos Display" panose="02110004020202020204"/>
+        <a:ea typeface=""/>
+        <a:cs typeface=""/>
+        <a:font script="Jpan" typeface="游ゴシック Light"/>
+        <a:font script="Hang" typeface="맑은 고딕"/>
+        <a:font script="Hans" typeface="等线 Light"/>
+        <a:font script="Hant" typeface="新細明體"/>
+        <a:font script="Arab" typeface="Times New Roman"/>
+        <a:font script="Hebr" typeface="Times New Roman"/>
+        <a:font script="Thai" typeface="Angsana New"/>
+        <a:font script="Ethi" typeface="Nyala"/>
+        <a:font script="Beng" typeface="Vrinda"/>
+        <a:font script="Gujr" typeface="Shruti"/>
+        <a:font script="Khmr" typeface="MoolBoran"/>
+        <a:font script="Knda" typeface="Tunga"/>
+        <a:font script="Guru" typeface="Raavi"/>
+        <a:font script="Cans" typeface="Euphemia"/>
+        <a:font script="Cher" typeface="Plantagenet Cherokee"/>
+        <a:font script="Yiii" typeface="Microsoft Yi Baiti"/>
+        <a:font script="Tibt" typeface="Microsoft Himalaya"/>
+        <a:font script="Thaa" typeface="MV Boli"/>
+        <a:font script="Deva" typeface="Mangal"/>
+        <a:font script="Telu" typeface="Gautami"/>
+        <a:font script="Taml" typeface="Latha"/>
+        <a:font script="Syrc" typeface="Estrangelo Edessa"/>
+        <a:font script="Orya" typeface="Kalinga"/>
+        <a:font script="Mlym" typeface="Kartika"/>
+        <a:font script="Laoo" typeface="DokChampa"/>
+        <a:font script="Sinh" typeface="Iskoola Pota"/>
+        <a:font script="Mong" typeface="Mongolian Baiti"/>
+        <a:font script="Viet" typeface="Times New Roman"/>
+        <a:font script="Uigh" typeface="Microsoft Uighur"/>
+        <a:font script="Geor" typeface="Sylfaen"/>
+        <a:font script="Armn" typeface="Arial"/>
+        <a:font script="Bugi" typeface="Leelawadee UI"/>
+        <a:font script="Bopo" typeface="Microsoft JhengHei"/>
+        <a:font script="Java" typeface="Javanese Text"/>
+        <a:font script="Lisu" typeface="Segoe UI"/>
+        <a:font script="Mymr" typeface="Myanmar Text"/>
+        <a:font script="Nkoo" typeface="Ebrima"/>
+        <a:font script="Olck" typeface="Nirmala UI"/>
+        <a:font script="Osma" typeface="Ebrima"/>
+        <a:font script="Phag" typeface="Phagspa"/>
+        <a:font script="Syrn" typeface="Estrangelo Edessa"/>
+        <a:font script="Syrj" typeface="Estrangelo Edessa"/>
+        <a:font script="Syre" typeface="Estrangelo Edessa"/>
+        <a:font script="Sora" typeface="Nirmala UI"/>
+        <a:font script="Tale" typeface="Microsoft Tai Le"/>
+        <a:font script="Talu" typeface="Microsoft New Tai Lue"/>
+        <a:font script="Tfng" typeface="Ebrima"/>
+      </a:majorFont>
+      <a:minorFont>
+        <a:latin typeface="Aptos" panose="02110004020202020204"/>
+        <a:ea typeface=""/>
+        <a:cs typeface=""/>
+        <a:font script="Jpan" typeface="游ゴシック"/>
+        <a:font script="Hang" typeface="맑은 고딕"/>
+        <a:font script="Hans" typeface="等线"/>
+        <a:font script="Hant" typeface="新細明體"/>
+        <a:font script="Arab" typeface="Arial"/>
+        <a:font script="Hebr" typeface="Arial"/>
+        <a:font script="Thai" typeface="Cordia New"/>
+        <a:font script="Ethi" typeface="Nyala"/>
+        <a:font script="Beng" typeface="Vrinda"/>
+        <a:font script="Gujr" typeface="Shruti"/>
+        <a:font script="Khmr" typeface="DaunPenh"/>
+        <a:font script="Knda" typeface="Tunga"/>
+        <a:font script="Guru" typeface="Raavi"/>
+        <a:font script="Cans" typeface="Euphemia"/>
+        <a:font script="Cher" typeface="Plantagenet Cherokee"/>
+        <a:font script="Yiii" typeface="Microsoft Yi Baiti"/>
+        <a:font script="Tibt" typeface="Microsoft Himalaya"/>
+        <a:font script="Thaa" typeface="MV Boli"/>
+        <a:font script="Deva" typeface="Mangal"/>
+        <a:font script="Telu" typeface="Gautami"/>
+        <a:font script="Taml" typeface="Latha"/>
+        <a:font script="Syrc" typeface="Estrangelo Edessa"/>
+        <a:font script="Orya" typeface="Kalinga"/>
+        <a:font script="Mlym" typeface="Kartika"/>
+        <a:font script="Laoo" typeface="DokChampa"/>
+        <a:font script="Sinh" typeface="Iskoola Pota"/>
+        <a:font script="Mong" typeface="Mongolian Baiti"/>
+        <a:font script="Viet" typeface="Arial"/>
+        <a:font script="Uigh" typeface="Microsoft Uighur"/>
+        <a:font script="Geor" typeface="Sylfaen"/>
+        <a:font script="Armn" typeface="Arial"/>
+        <a:font script="Bugi" typeface="Leelawadee UI"/>
+        <a:font script="Bopo" typeface="Microsoft JhengHei"/>
+        <a:font script="Java" typeface="Javanese Text"/>
+        <a:font script="Lisu" typeface="Segoe UI"/>
+        <a:font script="Mymr" typeface="Myanmar Text"/>
+        <a:font script="Nkoo" typeface="Ebrima"/>
+        <a:font script="Olck" typeface="Nirmala UI"/>
+        <a:font script="Osma" typeface="Ebrima"/>
+        <a:font script="Phag" typeface="Phagspa"/>
+        <a:font script="Syrn" typeface="Estrangelo Edessa"/>
+        <a:font script="Syrj" typeface="Estrangelo Edessa"/>
+        <a:font script="Syre" typeface="Estrangelo Edessa"/>
+        <a:font script="Sora" typeface="Nirmala UI"/>
+        <a:font script="Tale" typeface="Microsoft Tai Le"/>
+        <a:font script="Talu" typeface="Microsoft New Tai Lue"/>
+        <a:font script="Tfng" typeface="Ebrima"/>
+      </a:minorFont>
+    </a:fontScheme>
+    <a:fmtScheme name="Office">
+      <a:fillStyleLst>
+        <a:solidFill>
+          <a:schemeClr val="phClr"/>
+        </a:solidFill>
+        <a:gradFill rotWithShape="1">
+          <a:gsLst>
+            <a:gs pos="0">
+              <a:schemeClr val="phClr">
+                <a:lumMod val="110000"/>
+                <a:satMod val="105000"/>
+                <a:tint val="67000"/>
+              </a:schemeClr>
+            </a:gs>
+            <a:gs pos="50000">
+              <a:schemeClr val="phClr">
+                <a:lumMod val="105000"/>
+                <a:satMod val="103000"/>
+                <a:tint val="73000"/>
+              </a:schemeClr>
+            </a:gs>
+            <a:gs pos="100000">
+              <a:schemeClr val="phClr">
+                <a:lumMod val="105000"/>
+                <a:satMod val="109000"/>
+                <a:tint val="81000"/>
+              </a:schemeClr>
+            </a:gs>
+          </a:gsLst>
+          <a:lin ang="5400000" scaled="0"/>
+        </a:gradFill>
+        <a:gradFill rotWithShape="1">
+          <a:gsLst>
+            <a:gs pos="0">
+              <a:schemeClr val="phClr">
+                <a:satMod val="103000"/>
+                <a:lumMod val="102000"/>
+                <a:tint val="94000"/>
+              </a:schemeClr>
+            </a:gs>
+            <a:gs pos="50000">
+              <a:schemeClr val="phClr">
+                <a:satMod val="110000"/>
+                <a:lumMod val="100000"/>
+                <a:shade val="100000"/>
+              </a:schemeClr>
+            </a:gs>
+            <a:gs pos="100000">
+              <a:schemeClr val="phClr">
+                <a:lumMod val="99000"/>
+                <a:satMod val="120000"/>
+                <a:shade val="78000"/>
+              </a:schemeClr>
+            </a:gs>
+          </a:gsLst>
+          <a:lin ang="5400000" scaled="0"/>
+        </a:gradFill>
+      </a:fillStyleLst>
+      <a:lnStyleLst>
+        <a:ln w="12700" cap="flat" cmpd="sng" algn="ctr">
+          <a:solidFill>
+            <a:schemeClr val="phClr"/>
+          </a:solidFill>
+          <a:prstDash val="solid"/>
+          <a:miter lim="800000"/>
+        </a:ln>
+        <a:ln w="19050" cap="flat" cmpd="sng" algn="ctr">
+          <a:solidFill>
+            <a:schemeClr val="phClr"/>
+          </a:solidFill>
+          <a:prstDash val="solid"/>
+          <a:miter lim="800000"/>
+        </a:ln>
+        <a:ln w="25400" cap="flat" cmpd="sng" algn="ctr">
+          <a:solidFill>
+            <a:schemeClr val="phClr"/>
+          </a:solidFill>
+          <a:prstDash val="solid"/>
+          <a:miter lim="800000"/>
+        </a:ln>
+      </a:lnStyleLst>
+      <a:effectStyleLst>
+        <a:effectStyle>
+          <a:effectLst/>
+        </a:effectStyle>
+        <a:effectStyle>
+          <a:effectLst/>
+        </a:effectStyle>
+        <a:effectStyle>
+          <a:effectLst>
+            <a:outerShdw blurRad="57150" dist="19050" dir="5400000" algn="ctr" rotWithShape="0">
+              <a:srgbClr val="000000">
+                <a:alpha val="63000"/>
+              </a:srgbClr>
+            </a:outerShdw>
+          </a:effectLst>
+        </a:effectStyle>
+      </a:effectStyleLst>
+      <a:bgFillStyleLst>
+        <a:solidFill>
+          <a:schemeClr val="phClr"/>
+        </a:solidFill>
+        <a:solidFill>
+          <a:schemeClr val="phClr">
+            <a:tint val="95000"/>
+            <a:satMod val="170000"/>
+          </a:schemeClr>
+        </a:solidFill>
+        <a:gradFill rotWithShape="1">
+          <a:gsLst>
+            <a:gs pos="0">
+              <a:schemeClr val="phClr">
+                <a:tint val="93000"/>
+                <a:satMod val="150000"/>
+                <a:shade val="98000"/>
+                <a:lumMod val="102000"/>
+              </a:schemeClr>
+            </a:gs>
+            <a:gs pos="50000">
+              <a:schemeClr val="phClr">
+                <a:tint val="98000"/>
+                <a:satMod val="130000"/>
+                <a:shade val="90000"/>
+                <a:lumMod val="103000"/>
+              </a:schemeClr>
+            </a:gs>
+            <a:gs pos="100000">
+              <a:schemeClr val="phClr">
+                <a:shade val="63000"/>
+                <a:satMod val="120000"/>
+              </a:schemeClr>
+            </a:gs>
+          </a:gsLst>
+          <a:lin ang="5400000" scaled="0"/>
+        </a:gradFill>
+      </a:bgFillStyleLst>
+    </a:fmtScheme>
+  </a:themeElements>
+  <a:objectDefaults>
+    <a:lnDef>
+      <a:spPr/>
+      <a:bodyPr/>
+      <a:lstStyle/>
+      <a:style>
+        <a:lnRef idx="2">
+          <a:schemeClr val="accent1"/>
+        </a:lnRef>
+        <a:fillRef idx="0">
+          <a:schemeClr val="accent1"/>
+        </a:fillRef>
+        <a:effectRef idx="1">
+          <a:schemeClr val="accent1"/>
+        </a:effectRef>
+        <a:fontRef idx="minor">
+          <a:schemeClr val="tx1"/>
+        </a:fontRef>
+      </a:style>
+    </a:lnDef>
+  </a:objectDefaults>
+  <a:extraClrSchemeLst/>
+  <a:extLst>
+    <a:ext uri="{05A4C25C-085E-4340-85A3-A5531E510DB2}">
+      <thm15:themeFamily xmlns:thm15="http://schemas.microsoft.com/office/thememl/2012/main" name="Office Theme" id="{2E142A2C-CD16-42D6-873A-C26D2A0506FA}" vid="{1BDDFF52-6CD6-40A5-AB3C-68EB2F1E4D0A}"/>
+    </a:ext>
+  </a:extLst>
+</a:theme>
 </file>